--- a/最終発表/最終発表.pptx
+++ b/最終発表/最終発表.pptx
@@ -6,10 +6,11 @@
   </p:sldMasterIdLst>
   <p:sldIdLst>
     <p:sldId id="256" r:id="rId2"/>
-    <p:sldId id="257" r:id="rId3"/>
-    <p:sldId id="258" r:id="rId4"/>
-    <p:sldId id="259" r:id="rId5"/>
-    <p:sldId id="260" r:id="rId6"/>
+    <p:sldId id="258" r:id="rId3"/>
+    <p:sldId id="259" r:id="rId4"/>
+    <p:sldId id="260" r:id="rId5"/>
+    <p:sldId id="262" r:id="rId6"/>
+    <p:sldId id="264" r:id="rId7"/>
   </p:sldIdLst>
   <p:sldSz cx="12192000" cy="6858000"/>
   <p:notesSz cx="6858000" cy="9144000"/>
@@ -3355,105 +3356,6 @@
             <p:ph type="title"/>
           </p:nvPr>
         </p:nvSpPr>
-        <p:spPr/>
-        <p:txBody>
-          <a:bodyPr/>
-          <a:lstStyle/>
-          <a:p>
-            <a:r>
-              <a:rPr kumimoji="1" lang="ja-JP" altLang="en-US" dirty="0" smtClean="0"/>
-              <a:t>中間発表からの改善点</a:t>
-            </a:r>
-            <a:endParaRPr kumimoji="1" lang="ja-JP" altLang="en-US" dirty="0"/>
-          </a:p>
-        </p:txBody>
-      </p:sp>
-      <p:sp>
-        <p:nvSpPr>
-          <p:cNvPr id="3" name="コンテンツ プレースホルダー 2"/>
-          <p:cNvSpPr>
-            <a:spLocks noGrp="1"/>
-          </p:cNvSpPr>
-          <p:nvPr>
-            <p:ph idx="1"/>
-          </p:nvPr>
-        </p:nvSpPr>
-        <p:spPr/>
-        <p:txBody>
-          <a:bodyPr/>
-          <a:lstStyle/>
-          <a:p>
-            <a:r>
-              <a:rPr lang="ja-JP" altLang="en-US" dirty="0"/>
-              <a:t>スケジュールの管理不足</a:t>
-            </a:r>
-          </a:p>
-          <a:p>
-            <a:r>
-              <a:rPr lang="ja-JP" altLang="en-US" dirty="0"/>
-              <a:t>→あらかじめメンバーのスケジュールを確認しておく</a:t>
-            </a:r>
-          </a:p>
-          <a:p>
-            <a:endParaRPr lang="ja-JP" altLang="en-US" dirty="0"/>
-          </a:p>
-          <a:p>
-            <a:r>
-              <a:rPr lang="ja-JP" altLang="en-US" dirty="0"/>
-              <a:t>進捗の確認不足</a:t>
-            </a:r>
-          </a:p>
-          <a:p>
-            <a:r>
-              <a:rPr lang="ja-JP" altLang="en-US" dirty="0"/>
-              <a:t>→毎日進捗を報告する</a:t>
-            </a:r>
-          </a:p>
-          <a:p>
-            <a:endParaRPr kumimoji="1" lang="ja-JP" altLang="en-US" dirty="0"/>
-          </a:p>
-        </p:txBody>
-      </p:sp>
-    </p:spTree>
-    <p:extLst>
-      <p:ext uri="{BB962C8B-B14F-4D97-AF65-F5344CB8AC3E}">
-        <p14:creationId xmlns:p14="http://schemas.microsoft.com/office/powerpoint/2010/main" val="1825887796"/>
-      </p:ext>
-    </p:extLst>
-  </p:cSld>
-  <p:clrMapOvr>
-    <a:masterClrMapping/>
-  </p:clrMapOvr>
-</p:sld>
-</file>
-
-<file path=ppt/slides/slide3.xml><?xml version="1.0" encoding="utf-8"?>
-<p:sld xmlns:a="http://schemas.openxmlformats.org/drawingml/2006/main" xmlns:r="http://schemas.openxmlformats.org/officeDocument/2006/relationships" xmlns:p="http://schemas.openxmlformats.org/presentationml/2006/main">
-  <p:cSld>
-    <p:spTree>
-      <p:nvGrpSpPr>
-        <p:cNvPr id="1" name=""/>
-        <p:cNvGrpSpPr/>
-        <p:nvPr/>
-      </p:nvGrpSpPr>
-      <p:grpSpPr>
-        <a:xfrm>
-          <a:off x="0" y="0"/>
-          <a:ext cx="0" cy="0"/>
-          <a:chOff x="0" y="0"/>
-          <a:chExt cx="0" cy="0"/>
-        </a:xfrm>
-      </p:grpSpPr>
-      <p:sp>
-        <p:nvSpPr>
-          <p:cNvPr id="2" name="タイトル 1"/>
-          <p:cNvSpPr>
-            <a:spLocks noGrp="1"/>
-          </p:cNvSpPr>
-          <p:nvPr>
-            <p:ph type="title"/>
-          </p:nvPr>
-        </p:nvSpPr>
         <p:spPr>
           <a:xfrm>
             <a:off x="838200" y="373363"/>
@@ -3694,7 +3596,7 @@
 </p:sld>
 </file>
 
-<file path=ppt/slides/slide4.xml><?xml version="1.0" encoding="utf-8"?>
+<file path=ppt/slides/slide3.xml><?xml version="1.0" encoding="utf-8"?>
 <p:sld xmlns:a="http://schemas.openxmlformats.org/drawingml/2006/main" xmlns:r="http://schemas.openxmlformats.org/officeDocument/2006/relationships" xmlns:p="http://schemas.openxmlformats.org/presentationml/2006/main">
   <p:cSld>
     <p:spTree>
@@ -3997,7 +3899,7 @@
 </p:sld>
 </file>
 
-<file path=ppt/slides/slide5.xml><?xml version="1.0" encoding="utf-8"?>
+<file path=ppt/slides/slide4.xml><?xml version="1.0" encoding="utf-8"?>
 <p:sld xmlns:a="http://schemas.openxmlformats.org/drawingml/2006/main" xmlns:r="http://schemas.openxmlformats.org/officeDocument/2006/relationships" xmlns:p="http://schemas.openxmlformats.org/presentationml/2006/main">
   <p:cSld>
     <p:spTree>
@@ -4215,11 +4117,7 @@
             </a:r>
             <a:r>
               <a:rPr kumimoji="1" lang="ja-JP" altLang="en-US" sz="2800" dirty="0" smtClean="0"/>
-              <a:t>に則ったアクセシビリティチェックリストの</a:t>
-            </a:r>
-            <a:r>
-              <a:rPr kumimoji="1" lang="ja-JP" altLang="en-US" sz="2800" dirty="0" smtClean="0"/>
-              <a:t>使用</a:t>
+              <a:t>に則ったアクセシビリティチェックリストの使用</a:t>
             </a:r>
             <a:endParaRPr kumimoji="1" lang="en-US" altLang="ja-JP" sz="2800" dirty="0" smtClean="0"/>
           </a:p>
@@ -4284,6 +4182,628 @@
     <p:extLst>
       <p:ext uri="{BB962C8B-B14F-4D97-AF65-F5344CB8AC3E}">
         <p14:creationId xmlns:p14="http://schemas.microsoft.com/office/powerpoint/2010/main" val="2924618613"/>
+      </p:ext>
+    </p:extLst>
+  </p:cSld>
+  <p:clrMapOvr>
+    <a:masterClrMapping/>
+  </p:clrMapOvr>
+</p:sld>
+</file>
+
+<file path=ppt/slides/slide5.xml><?xml version="1.0" encoding="utf-8"?>
+<p:sld xmlns:a="http://schemas.openxmlformats.org/drawingml/2006/main" xmlns:r="http://schemas.openxmlformats.org/officeDocument/2006/relationships" xmlns:p="http://schemas.openxmlformats.org/presentationml/2006/main">
+  <p:cSld>
+    <p:spTree>
+      <p:nvGrpSpPr>
+        <p:cNvPr id="1" name=""/>
+        <p:cNvGrpSpPr/>
+        <p:nvPr/>
+      </p:nvGrpSpPr>
+      <p:grpSpPr>
+        <a:xfrm>
+          <a:off x="0" y="0"/>
+          <a:ext cx="0" cy="0"/>
+          <a:chOff x="0" y="0"/>
+          <a:chExt cx="0" cy="0"/>
+        </a:xfrm>
+      </p:grpSpPr>
+      <p:sp>
+        <p:nvSpPr>
+          <p:cNvPr id="2" name="タイトル 1"/>
+          <p:cNvSpPr>
+            <a:spLocks noGrp="1"/>
+          </p:cNvSpPr>
+          <p:nvPr>
+            <p:ph type="title"/>
+          </p:nvPr>
+        </p:nvSpPr>
+        <p:spPr>
+          <a:xfrm>
+            <a:off x="838200" y="373363"/>
+            <a:ext cx="10515600" cy="1325563"/>
+          </a:xfrm>
+        </p:spPr>
+        <p:txBody>
+          <a:bodyPr>
+            <a:normAutofit/>
+          </a:bodyPr>
+          <a:lstStyle/>
+          <a:p>
+            <a:r>
+              <a:rPr lang="ja-JP" altLang="en-US" dirty="0"/>
+              <a:t>Ｑ</a:t>
+            </a:r>
+            <a:r>
+              <a:rPr lang="ja-JP" altLang="en-US" dirty="0">
+                <a:solidFill>
+                  <a:srgbClr val="00B0F0"/>
+                </a:solidFill>
+              </a:rPr>
+              <a:t>Ｃ</a:t>
+            </a:r>
+            <a:r>
+              <a:rPr lang="ja-JP" altLang="en-US" dirty="0"/>
+              <a:t>Ｄ</a:t>
+            </a:r>
+            <a:r>
+              <a:rPr kumimoji="1" lang="ja-JP" altLang="en-US" dirty="0" smtClean="0"/>
+              <a:t>評価</a:t>
+            </a:r>
+            <a:r>
+              <a:rPr kumimoji="1" lang="en-US" altLang="ja-JP" dirty="0" smtClean="0"/>
+              <a:t/>
+            </a:r>
+            <a:br>
+              <a:rPr kumimoji="1" lang="en-US" altLang="ja-JP" dirty="0" smtClean="0"/>
+            </a:br>
+            <a:r>
+              <a:rPr lang="en-US" altLang="ja-JP" sz="3200" dirty="0" smtClean="0">
+                <a:solidFill>
+                  <a:srgbClr val="00B0F0"/>
+                </a:solidFill>
+              </a:rPr>
+              <a:t>Cost</a:t>
+            </a:r>
+            <a:r>
+              <a:rPr lang="en-US" altLang="ja-JP" dirty="0" smtClean="0"/>
+              <a:t> </a:t>
+            </a:r>
+            <a:r>
+              <a:rPr lang="en-US" altLang="ja-JP" sz="3200" dirty="0" smtClean="0">
+                <a:solidFill>
+                  <a:srgbClr val="00B0F0"/>
+                </a:solidFill>
+              </a:rPr>
+              <a:t>assessment</a:t>
+            </a:r>
+            <a:endParaRPr kumimoji="1" lang="ja-JP" altLang="en-US" sz="3200" dirty="0"/>
+          </a:p>
+        </p:txBody>
+      </p:sp>
+      <p:sp>
+        <p:nvSpPr>
+          <p:cNvPr id="4" name="角丸四角形 3"/>
+          <p:cNvSpPr/>
+          <p:nvPr/>
+        </p:nvSpPr>
+        <p:spPr>
+          <a:xfrm>
+            <a:off x="1851454" y="1779372"/>
+            <a:ext cx="8454081" cy="1293341"/>
+          </a:xfrm>
+          <a:prstGeom prst="roundRect">
+            <a:avLst/>
+          </a:prstGeom>
+        </p:spPr>
+        <p:style>
+          <a:lnRef idx="2">
+            <a:schemeClr val="accent1"/>
+          </a:lnRef>
+          <a:fillRef idx="1">
+            <a:schemeClr val="lt1"/>
+          </a:fillRef>
+          <a:effectRef idx="0">
+            <a:schemeClr val="accent1"/>
+          </a:effectRef>
+          <a:fontRef idx="minor">
+            <a:schemeClr val="dk1"/>
+          </a:fontRef>
+        </p:style>
+        <p:txBody>
+          <a:bodyPr rtlCol="0" anchor="ctr"/>
+          <a:lstStyle/>
+          <a:p>
+            <a:pPr algn="ctr"/>
+            <a:r>
+              <a:rPr lang="ja-JP" altLang="en-US" sz="2800" dirty="0">
+                <a:solidFill>
+                  <a:prstClr val="black"/>
+                </a:solidFill>
+              </a:rPr>
+              <a:t>コスト</a:t>
+            </a:r>
+            <a:r>
+              <a:rPr lang="ja-JP" altLang="ja-JP" sz="2800" dirty="0" smtClean="0">
+                <a:solidFill>
+                  <a:prstClr val="black"/>
+                </a:solidFill>
+              </a:rPr>
+              <a:t>目標</a:t>
+            </a:r>
+            <a:r>
+              <a:rPr lang="ja-JP" altLang="en-US" sz="2800" dirty="0" smtClean="0">
+                <a:solidFill>
+                  <a:prstClr val="black"/>
+                </a:solidFill>
+              </a:rPr>
+              <a:t>：下流工程の想定</a:t>
+            </a:r>
+            <a:r>
+              <a:rPr lang="ja-JP" altLang="en-US" sz="2800" dirty="0">
+                <a:solidFill>
+                  <a:prstClr val="black"/>
+                </a:solidFill>
+              </a:rPr>
+              <a:t>作業時間は</a:t>
+            </a:r>
+            <a:r>
+              <a:rPr lang="en-US" altLang="ja-JP" sz="2800" dirty="0">
+                <a:solidFill>
+                  <a:prstClr val="black"/>
+                </a:solidFill>
+              </a:rPr>
+              <a:t>280</a:t>
+            </a:r>
+            <a:r>
+              <a:rPr lang="ja-JP" altLang="en-US" sz="2800" dirty="0">
+                <a:solidFill>
+                  <a:prstClr val="black"/>
+                </a:solidFill>
+              </a:rPr>
+              <a:t>時間</a:t>
+            </a:r>
+            <a:endParaRPr lang="en-US" altLang="ja-JP" sz="2800" dirty="0" smtClean="0">
+              <a:solidFill>
+                <a:prstClr val="black"/>
+              </a:solidFill>
+            </a:endParaRPr>
+          </a:p>
+          <a:p>
+            <a:pPr algn="ctr"/>
+            <a:endParaRPr lang="en-US" altLang="ja-JP" sz="2800" dirty="0">
+              <a:solidFill>
+                <a:prstClr val="black"/>
+              </a:solidFill>
+            </a:endParaRPr>
+          </a:p>
+        </p:txBody>
+      </p:sp>
+      <p:sp>
+        <p:nvSpPr>
+          <p:cNvPr id="5" name="角丸四角形 4"/>
+          <p:cNvSpPr/>
+          <p:nvPr/>
+        </p:nvSpPr>
+        <p:spPr>
+          <a:xfrm>
+            <a:off x="1851453" y="4440194"/>
+            <a:ext cx="8454082" cy="1293341"/>
+          </a:xfrm>
+          <a:prstGeom prst="roundRect">
+            <a:avLst/>
+          </a:prstGeom>
+        </p:spPr>
+        <p:style>
+          <a:lnRef idx="2">
+            <a:schemeClr val="accent2"/>
+          </a:lnRef>
+          <a:fillRef idx="1">
+            <a:schemeClr val="lt1"/>
+          </a:fillRef>
+          <a:effectRef idx="0">
+            <a:schemeClr val="accent2"/>
+          </a:effectRef>
+          <a:fontRef idx="minor">
+            <a:schemeClr val="dk1"/>
+          </a:fontRef>
+        </p:style>
+        <p:txBody>
+          <a:bodyPr rtlCol="0" anchor="ctr"/>
+          <a:lstStyle/>
+          <a:p>
+            <a:pPr algn="ctr"/>
+            <a:r>
+              <a:rPr lang="ja-JP" altLang="en-US" sz="2800" dirty="0" smtClean="0">
+                <a:solidFill>
+                  <a:prstClr val="black"/>
+                </a:solidFill>
+              </a:rPr>
+              <a:t>実際に掛かった時間は</a:t>
+            </a:r>
+            <a:r>
+              <a:rPr lang="en-US" altLang="ja-JP" sz="2800" dirty="0" smtClean="0">
+                <a:solidFill>
+                  <a:prstClr val="black"/>
+                </a:solidFill>
+              </a:rPr>
+              <a:t>213</a:t>
+            </a:r>
+            <a:r>
+              <a:rPr lang="ja-JP" altLang="en-US" sz="2800" dirty="0" smtClean="0">
+                <a:solidFill>
+                  <a:prstClr val="black"/>
+                </a:solidFill>
+              </a:rPr>
+              <a:t>時間であった</a:t>
+            </a:r>
+            <a:endParaRPr lang="ja-JP" altLang="en-US" sz="2800" dirty="0">
+              <a:solidFill>
+                <a:prstClr val="black"/>
+              </a:solidFill>
+            </a:endParaRPr>
+          </a:p>
+        </p:txBody>
+      </p:sp>
+      <p:sp>
+        <p:nvSpPr>
+          <p:cNvPr id="6" name="下矢印 5"/>
+          <p:cNvSpPr/>
+          <p:nvPr/>
+        </p:nvSpPr>
+        <p:spPr>
+          <a:xfrm>
+            <a:off x="5567748" y="3146854"/>
+            <a:ext cx="1021492" cy="1194487"/>
+          </a:xfrm>
+          <a:prstGeom prst="downArrow">
+            <a:avLst/>
+          </a:prstGeom>
+        </p:spPr>
+        <p:style>
+          <a:lnRef idx="2">
+            <a:schemeClr val="accent1">
+              <a:shade val="50000"/>
+            </a:schemeClr>
+          </a:lnRef>
+          <a:fillRef idx="1">
+            <a:schemeClr val="accent1"/>
+          </a:fillRef>
+          <a:effectRef idx="0">
+            <a:schemeClr val="accent1"/>
+          </a:effectRef>
+          <a:fontRef idx="minor">
+            <a:schemeClr val="lt1"/>
+          </a:fontRef>
+        </p:style>
+        <p:txBody>
+          <a:bodyPr rtlCol="0" anchor="ctr"/>
+          <a:lstStyle/>
+          <a:p>
+            <a:pPr algn="ctr"/>
+            <a:endParaRPr lang="ja-JP" altLang="en-US" dirty="0">
+              <a:solidFill>
+                <a:prstClr val="white"/>
+              </a:solidFill>
+            </a:endParaRPr>
+          </a:p>
+        </p:txBody>
+      </p:sp>
+    </p:spTree>
+    <p:extLst>
+      <p:ext uri="{BB962C8B-B14F-4D97-AF65-F5344CB8AC3E}">
+        <p14:creationId xmlns:p14="http://schemas.microsoft.com/office/powerpoint/2010/main" val="649511906"/>
+      </p:ext>
+    </p:extLst>
+  </p:cSld>
+  <p:clrMapOvr>
+    <a:masterClrMapping/>
+  </p:clrMapOvr>
+</p:sld>
+</file>
+
+<file path=ppt/slides/slide6.xml><?xml version="1.0" encoding="utf-8"?>
+<p:sld xmlns:a="http://schemas.openxmlformats.org/drawingml/2006/main" xmlns:r="http://schemas.openxmlformats.org/officeDocument/2006/relationships" xmlns:p="http://schemas.openxmlformats.org/presentationml/2006/main">
+  <p:cSld>
+    <p:spTree>
+      <p:nvGrpSpPr>
+        <p:cNvPr id="1" name=""/>
+        <p:cNvGrpSpPr/>
+        <p:nvPr/>
+      </p:nvGrpSpPr>
+      <p:grpSpPr>
+        <a:xfrm>
+          <a:off x="0" y="0"/>
+          <a:ext cx="0" cy="0"/>
+          <a:chOff x="0" y="0"/>
+          <a:chExt cx="0" cy="0"/>
+        </a:xfrm>
+      </p:grpSpPr>
+      <p:sp>
+        <p:nvSpPr>
+          <p:cNvPr id="2" name="タイトル 1"/>
+          <p:cNvSpPr>
+            <a:spLocks noGrp="1"/>
+          </p:cNvSpPr>
+          <p:nvPr>
+            <p:ph type="title"/>
+          </p:nvPr>
+        </p:nvSpPr>
+        <p:spPr>
+          <a:xfrm>
+            <a:off x="838200" y="373363"/>
+            <a:ext cx="10515600" cy="1325563"/>
+          </a:xfrm>
+        </p:spPr>
+        <p:txBody>
+          <a:bodyPr>
+            <a:normAutofit/>
+          </a:bodyPr>
+          <a:lstStyle/>
+          <a:p>
+            <a:r>
+              <a:rPr lang="ja-JP" altLang="en-US" dirty="0"/>
+              <a:t>Ｑ</a:t>
+            </a:r>
+            <a:r>
+              <a:rPr lang="ja-JP" altLang="en-US" dirty="0">
+                <a:solidFill>
+                  <a:srgbClr val="00B0F0"/>
+                </a:solidFill>
+              </a:rPr>
+              <a:t>Ｃ</a:t>
+            </a:r>
+            <a:r>
+              <a:rPr lang="ja-JP" altLang="en-US" dirty="0"/>
+              <a:t>Ｄ</a:t>
+            </a:r>
+            <a:r>
+              <a:rPr kumimoji="1" lang="ja-JP" altLang="en-US" dirty="0" smtClean="0"/>
+              <a:t>評価</a:t>
+            </a:r>
+            <a:r>
+              <a:rPr kumimoji="1" lang="en-US" altLang="ja-JP" dirty="0" smtClean="0"/>
+              <a:t/>
+            </a:r>
+            <a:br>
+              <a:rPr kumimoji="1" lang="en-US" altLang="ja-JP" dirty="0" smtClean="0"/>
+            </a:br>
+            <a:r>
+              <a:rPr lang="en-US" altLang="ja-JP" sz="3200" dirty="0" smtClean="0">
+                <a:solidFill>
+                  <a:srgbClr val="00B0F0"/>
+                </a:solidFill>
+              </a:rPr>
+              <a:t>Cost</a:t>
+            </a:r>
+            <a:r>
+              <a:rPr lang="en-US" altLang="ja-JP" dirty="0" smtClean="0"/>
+              <a:t> </a:t>
+            </a:r>
+            <a:r>
+              <a:rPr lang="en-US" altLang="ja-JP" sz="3200" dirty="0" smtClean="0">
+                <a:solidFill>
+                  <a:srgbClr val="00B0F0"/>
+                </a:solidFill>
+              </a:rPr>
+              <a:t>assessment</a:t>
+            </a:r>
+            <a:endParaRPr kumimoji="1" lang="ja-JP" altLang="en-US" sz="3200" dirty="0"/>
+          </a:p>
+        </p:txBody>
+      </p:sp>
+      <p:sp>
+        <p:nvSpPr>
+          <p:cNvPr id="4" name="角丸四角形 3"/>
+          <p:cNvSpPr/>
+          <p:nvPr/>
+        </p:nvSpPr>
+        <p:spPr>
+          <a:xfrm>
+            <a:off x="1851454" y="1779372"/>
+            <a:ext cx="8454081" cy="1293341"/>
+          </a:xfrm>
+          <a:prstGeom prst="roundRect">
+            <a:avLst/>
+          </a:prstGeom>
+        </p:spPr>
+        <p:style>
+          <a:lnRef idx="2">
+            <a:schemeClr val="accent1"/>
+          </a:lnRef>
+          <a:fillRef idx="1">
+            <a:schemeClr val="lt1"/>
+          </a:fillRef>
+          <a:effectRef idx="0">
+            <a:schemeClr val="accent1"/>
+          </a:effectRef>
+          <a:fontRef idx="minor">
+            <a:schemeClr val="dk1"/>
+          </a:fontRef>
+        </p:style>
+        <p:txBody>
+          <a:bodyPr rtlCol="0" anchor="ctr"/>
+          <a:lstStyle/>
+          <a:p>
+            <a:pPr algn="ctr"/>
+            <a:r>
+              <a:rPr lang="ja-JP" altLang="en-US" sz="2800" dirty="0">
+                <a:solidFill>
+                  <a:prstClr val="black"/>
+                </a:solidFill>
+              </a:rPr>
+              <a:t>コスト</a:t>
+            </a:r>
+            <a:r>
+              <a:rPr lang="ja-JP" altLang="ja-JP" sz="2800" dirty="0" smtClean="0">
+                <a:solidFill>
+                  <a:prstClr val="black"/>
+                </a:solidFill>
+              </a:rPr>
+              <a:t>目標</a:t>
+            </a:r>
+            <a:r>
+              <a:rPr lang="ja-JP" altLang="en-US" sz="2800" dirty="0" smtClean="0">
+                <a:solidFill>
+                  <a:prstClr val="black"/>
+                </a:solidFill>
+              </a:rPr>
+              <a:t>：下流工程の想定</a:t>
+            </a:r>
+            <a:r>
+              <a:rPr lang="ja-JP" altLang="en-US" sz="2800" dirty="0">
+                <a:solidFill>
+                  <a:prstClr val="black"/>
+                </a:solidFill>
+              </a:rPr>
+              <a:t>作業時間は</a:t>
+            </a:r>
+            <a:r>
+              <a:rPr lang="en-US" altLang="ja-JP" sz="2800" dirty="0">
+                <a:solidFill>
+                  <a:prstClr val="black"/>
+                </a:solidFill>
+              </a:rPr>
+              <a:t>280</a:t>
+            </a:r>
+            <a:r>
+              <a:rPr lang="ja-JP" altLang="en-US" sz="2800" dirty="0">
+                <a:solidFill>
+                  <a:prstClr val="black"/>
+                </a:solidFill>
+              </a:rPr>
+              <a:t>時間</a:t>
+            </a:r>
+            <a:endParaRPr lang="en-US" altLang="ja-JP" sz="2800" dirty="0" smtClean="0">
+              <a:solidFill>
+                <a:prstClr val="black"/>
+              </a:solidFill>
+            </a:endParaRPr>
+          </a:p>
+          <a:p>
+            <a:pPr algn="ctr"/>
+            <a:endParaRPr lang="en-US" altLang="ja-JP" sz="2800" dirty="0">
+              <a:solidFill>
+                <a:prstClr val="black"/>
+              </a:solidFill>
+            </a:endParaRPr>
+          </a:p>
+        </p:txBody>
+      </p:sp>
+      <p:sp>
+        <p:nvSpPr>
+          <p:cNvPr id="5" name="角丸四角形 4"/>
+          <p:cNvSpPr/>
+          <p:nvPr/>
+        </p:nvSpPr>
+        <p:spPr>
+          <a:xfrm>
+            <a:off x="1851453" y="4440194"/>
+            <a:ext cx="8454082" cy="1293341"/>
+          </a:xfrm>
+          <a:prstGeom prst="roundRect">
+            <a:avLst/>
+          </a:prstGeom>
+        </p:spPr>
+        <p:style>
+          <a:lnRef idx="2">
+            <a:schemeClr val="accent2"/>
+          </a:lnRef>
+          <a:fillRef idx="1">
+            <a:schemeClr val="lt1"/>
+          </a:fillRef>
+          <a:effectRef idx="0">
+            <a:schemeClr val="accent2"/>
+          </a:effectRef>
+          <a:fontRef idx="minor">
+            <a:schemeClr val="dk1"/>
+          </a:fontRef>
+        </p:style>
+        <p:txBody>
+          <a:bodyPr rtlCol="0" anchor="ctr"/>
+          <a:lstStyle/>
+          <a:p>
+            <a:pPr algn="ctr"/>
+            <a:r>
+              <a:rPr lang="ja-JP" altLang="en-US" sz="2800" dirty="0" smtClean="0">
+                <a:solidFill>
+                  <a:prstClr val="black"/>
+                </a:solidFill>
+              </a:rPr>
+              <a:t>実際に掛かった時間は</a:t>
+            </a:r>
+            <a:r>
+              <a:rPr lang="en-US" altLang="ja-JP" sz="2800" dirty="0" smtClean="0">
+                <a:solidFill>
+                  <a:prstClr val="black"/>
+                </a:solidFill>
+              </a:rPr>
+              <a:t>213</a:t>
+            </a:r>
+            <a:r>
+              <a:rPr lang="ja-JP" altLang="en-US" sz="2800" dirty="0" smtClean="0">
+                <a:solidFill>
+                  <a:prstClr val="black"/>
+                </a:solidFill>
+              </a:rPr>
+              <a:t>時間であった</a:t>
+            </a:r>
+            <a:endParaRPr lang="ja-JP" altLang="en-US" sz="2800" dirty="0">
+              <a:solidFill>
+                <a:prstClr val="black"/>
+              </a:solidFill>
+            </a:endParaRPr>
+          </a:p>
+        </p:txBody>
+      </p:sp>
+      <p:sp>
+        <p:nvSpPr>
+          <p:cNvPr id="6" name="下矢印 5"/>
+          <p:cNvSpPr/>
+          <p:nvPr/>
+        </p:nvSpPr>
+        <p:spPr>
+          <a:xfrm>
+            <a:off x="5567748" y="3146854"/>
+            <a:ext cx="1021492" cy="1194487"/>
+          </a:xfrm>
+          <a:prstGeom prst="downArrow">
+            <a:avLst/>
+          </a:prstGeom>
+        </p:spPr>
+        <p:style>
+          <a:lnRef idx="2">
+            <a:schemeClr val="accent1">
+              <a:shade val="50000"/>
+            </a:schemeClr>
+          </a:lnRef>
+          <a:fillRef idx="1">
+            <a:schemeClr val="accent1"/>
+          </a:fillRef>
+          <a:effectRef idx="0">
+            <a:schemeClr val="accent1"/>
+          </a:effectRef>
+          <a:fontRef idx="minor">
+            <a:schemeClr val="lt1"/>
+          </a:fontRef>
+        </p:style>
+        <p:txBody>
+          <a:bodyPr rtlCol="0" anchor="ctr"/>
+          <a:lstStyle/>
+          <a:p>
+            <a:pPr algn="ctr"/>
+            <a:endParaRPr lang="ja-JP" altLang="en-US" dirty="0">
+              <a:solidFill>
+                <a:prstClr val="white"/>
+              </a:solidFill>
+            </a:endParaRPr>
+          </a:p>
+        </p:txBody>
+      </p:sp>
+    </p:spTree>
+    <p:extLst>
+      <p:ext uri="{BB962C8B-B14F-4D97-AF65-F5344CB8AC3E}">
+        <p14:creationId xmlns:p14="http://schemas.microsoft.com/office/powerpoint/2010/main" val="464894918"/>
       </p:ext>
     </p:extLst>
   </p:cSld>

--- a/最終発表/最終発表.pptx
+++ b/最終発表/最終発表.pptx
@@ -7,10 +7,12 @@
   <p:sldIdLst>
     <p:sldId id="256" r:id="rId2"/>
     <p:sldId id="258" r:id="rId3"/>
-    <p:sldId id="259" r:id="rId4"/>
+    <p:sldId id="265" r:id="rId4"/>
     <p:sldId id="260" r:id="rId5"/>
-    <p:sldId id="262" r:id="rId6"/>
-    <p:sldId id="264" r:id="rId7"/>
+    <p:sldId id="264" r:id="rId6"/>
+    <p:sldId id="266" r:id="rId7"/>
+    <p:sldId id="267" r:id="rId8"/>
+    <p:sldId id="268" r:id="rId9"/>
   </p:sldIdLst>
   <p:sldSz cx="12192000" cy="6858000"/>
   <p:notesSz cx="6858000" cy="9144000"/>
@@ -115,6 +117,516 @@
     </p:ext>
   </p:extLst>
 </p:presentation>
+</file>
+
+<file path=ppt/charts/chart1.xml><?xml version="1.0" encoding="utf-8"?>
+<c:chartSpace xmlns:c="http://schemas.openxmlformats.org/drawingml/2006/chart" xmlns:a="http://schemas.openxmlformats.org/drawingml/2006/main" xmlns:r="http://schemas.openxmlformats.org/officeDocument/2006/relationships">
+  <c:date1904 val="0"/>
+  <c:lang val="ja-JP"/>
+  <c:roundedCorners val="0"/>
+  <mc:AlternateContent xmlns:mc="http://schemas.openxmlformats.org/markup-compatibility/2006">
+    <mc:Choice xmlns:c14="http://schemas.microsoft.com/office/drawing/2007/8/2/chart" Requires="c14">
+      <c14:style val="102"/>
+    </mc:Choice>
+    <mc:Fallback>
+      <c:style val="2"/>
+    </mc:Fallback>
+  </mc:AlternateContent>
+  <c:clrMapOvr bg1="lt1" tx1="dk1" bg2="lt2" tx2="dk2" accent1="accent1" accent2="accent2" accent3="accent3" accent4="accent4" accent5="accent5" accent6="accent6" hlink="hlink" folHlink="folHlink"/>
+  <c:chart>
+    <c:autoTitleDeleted val="0"/>
+    <c:plotArea>
+      <c:layout>
+        <c:manualLayout>
+          <c:layoutTarget val="inner"/>
+          <c:xMode val="edge"/>
+          <c:yMode val="edge"/>
+          <c:x val="7.8336868932541187E-2"/>
+          <c:y val="0.11120684898066838"/>
+          <c:w val="0.89818280644023973"/>
+          <c:h val="0.82649336267666551"/>
+        </c:manualLayout>
+      </c:layout>
+      <c:lineChart>
+        <c:grouping val="standard"/>
+        <c:varyColors val="0"/>
+        <c:ser>
+          <c:idx val="0"/>
+          <c:order val="0"/>
+          <c:tx>
+            <c:strRef>
+              <c:f>'[ガントチャート（改造）.xlsx]EVM'!$A$28</c:f>
+              <c:strCache>
+                <c:ptCount val="1"/>
+                <c:pt idx="0">
+                  <c:v>PV</c:v>
+                </c:pt>
+              </c:strCache>
+            </c:strRef>
+          </c:tx>
+          <c:spPr>
+            <a:ln cmpd="dbl"/>
+          </c:spPr>
+          <c:marker>
+            <c:symbol val="none"/>
+          </c:marker>
+          <c:cat>
+            <c:numRef>
+              <c:f>'[ガントチャート（改造）.xlsx]EVM'!$B$27:$DB$27</c:f>
+              <c:numCache>
+                <c:formatCode>m/d;@</c:formatCode>
+                <c:ptCount val="15"/>
+                <c:pt idx="0">
+                  <c:v>42104</c:v>
+                </c:pt>
+                <c:pt idx="1">
+                  <c:v>42111</c:v>
+                </c:pt>
+                <c:pt idx="2">
+                  <c:v>42118</c:v>
+                </c:pt>
+                <c:pt idx="3">
+                  <c:v>42125</c:v>
+                </c:pt>
+                <c:pt idx="4">
+                  <c:v>42132</c:v>
+                </c:pt>
+                <c:pt idx="5">
+                  <c:v>42139</c:v>
+                </c:pt>
+                <c:pt idx="6">
+                  <c:v>42146</c:v>
+                </c:pt>
+                <c:pt idx="7">
+                  <c:v>42153</c:v>
+                </c:pt>
+                <c:pt idx="8">
+                  <c:v>42160</c:v>
+                </c:pt>
+                <c:pt idx="9">
+                  <c:v>42167</c:v>
+                </c:pt>
+                <c:pt idx="10">
+                  <c:v>42174</c:v>
+                </c:pt>
+                <c:pt idx="11">
+                  <c:v>42181</c:v>
+                </c:pt>
+                <c:pt idx="12">
+                  <c:v>42188</c:v>
+                </c:pt>
+                <c:pt idx="13">
+                  <c:v>42195</c:v>
+                </c:pt>
+                <c:pt idx="14">
+                  <c:v>42202</c:v>
+                </c:pt>
+              </c:numCache>
+            </c:numRef>
+          </c:cat>
+          <c:val>
+            <c:numRef>
+              <c:f>'[ガントチャート（改造）.xlsx]EVM'!$B$28:$DB$28</c:f>
+              <c:numCache>
+                <c:formatCode>0.0_ </c:formatCode>
+                <c:ptCount val="15"/>
+                <c:pt idx="0">
+                  <c:v>0</c:v>
+                </c:pt>
+                <c:pt idx="1">
+                  <c:v>38</c:v>
+                </c:pt>
+                <c:pt idx="2">
+                  <c:v>76</c:v>
+                </c:pt>
+                <c:pt idx="3">
+                  <c:v>114</c:v>
+                </c:pt>
+                <c:pt idx="4">
+                  <c:v>152</c:v>
+                </c:pt>
+                <c:pt idx="5">
+                  <c:v>190</c:v>
+                </c:pt>
+                <c:pt idx="6">
+                  <c:v>228</c:v>
+                </c:pt>
+                <c:pt idx="7">
+                  <c:v>268</c:v>
+                </c:pt>
+                <c:pt idx="8">
+                  <c:v>307</c:v>
+                </c:pt>
+                <c:pt idx="9">
+                  <c:v>317</c:v>
+                </c:pt>
+                <c:pt idx="10">
+                  <c:v>343</c:v>
+                </c:pt>
+                <c:pt idx="11">
+                  <c:v>375</c:v>
+                </c:pt>
+                <c:pt idx="12">
+                  <c:v>419</c:v>
+                </c:pt>
+                <c:pt idx="13">
+                  <c:v>473</c:v>
+                </c:pt>
+                <c:pt idx="14">
+                  <c:v>519</c:v>
+                </c:pt>
+              </c:numCache>
+            </c:numRef>
+          </c:val>
+          <c:smooth val="0"/>
+        </c:ser>
+        <c:ser>
+          <c:idx val="1"/>
+          <c:order val="1"/>
+          <c:tx>
+            <c:strRef>
+              <c:f>'[ガントチャート（改造）.xlsx]EVM'!$A$29</c:f>
+              <c:strCache>
+                <c:ptCount val="1"/>
+                <c:pt idx="0">
+                  <c:v>AC</c:v>
+                </c:pt>
+              </c:strCache>
+            </c:strRef>
+          </c:tx>
+          <c:spPr>
+            <a:ln>
+              <a:prstDash val="sysDash"/>
+            </a:ln>
+          </c:spPr>
+          <c:marker>
+            <c:symbol val="none"/>
+          </c:marker>
+          <c:cat>
+            <c:numRef>
+              <c:f>'[ガントチャート（改造）.xlsx]EVM'!$B$27:$DB$27</c:f>
+              <c:numCache>
+                <c:formatCode>m/d;@</c:formatCode>
+                <c:ptCount val="15"/>
+                <c:pt idx="0">
+                  <c:v>42104</c:v>
+                </c:pt>
+                <c:pt idx="1">
+                  <c:v>42111</c:v>
+                </c:pt>
+                <c:pt idx="2">
+                  <c:v>42118</c:v>
+                </c:pt>
+                <c:pt idx="3">
+                  <c:v>42125</c:v>
+                </c:pt>
+                <c:pt idx="4">
+                  <c:v>42132</c:v>
+                </c:pt>
+                <c:pt idx="5">
+                  <c:v>42139</c:v>
+                </c:pt>
+                <c:pt idx="6">
+                  <c:v>42146</c:v>
+                </c:pt>
+                <c:pt idx="7">
+                  <c:v>42153</c:v>
+                </c:pt>
+                <c:pt idx="8">
+                  <c:v>42160</c:v>
+                </c:pt>
+                <c:pt idx="9">
+                  <c:v>42167</c:v>
+                </c:pt>
+                <c:pt idx="10">
+                  <c:v>42174</c:v>
+                </c:pt>
+                <c:pt idx="11">
+                  <c:v>42181</c:v>
+                </c:pt>
+                <c:pt idx="12">
+                  <c:v>42188</c:v>
+                </c:pt>
+                <c:pt idx="13">
+                  <c:v>42195</c:v>
+                </c:pt>
+                <c:pt idx="14">
+                  <c:v>42202</c:v>
+                </c:pt>
+              </c:numCache>
+            </c:numRef>
+          </c:cat>
+          <c:val>
+            <c:numRef>
+              <c:f>'[ガントチャート（改造）.xlsx]EVM'!$B$29:$DB$29</c:f>
+              <c:numCache>
+                <c:formatCode>0.0_ </c:formatCode>
+                <c:ptCount val="15"/>
+                <c:pt idx="0">
+                  <c:v>0</c:v>
+                </c:pt>
+                <c:pt idx="1">
+                  <c:v>3</c:v>
+                </c:pt>
+                <c:pt idx="2">
+                  <c:v>46</c:v>
+                </c:pt>
+                <c:pt idx="3">
+                  <c:v>72</c:v>
+                </c:pt>
+                <c:pt idx="4">
+                  <c:v>98</c:v>
+                </c:pt>
+                <c:pt idx="5">
+                  <c:v>124</c:v>
+                </c:pt>
+                <c:pt idx="6">
+                  <c:v>135</c:v>
+                </c:pt>
+                <c:pt idx="7">
+                  <c:v>195</c:v>
+                </c:pt>
+                <c:pt idx="8">
+                  <c:v>237</c:v>
+                </c:pt>
+                <c:pt idx="9">
+                  <c:v>247</c:v>
+                </c:pt>
+                <c:pt idx="10">
+                  <c:v>259</c:v>
+                </c:pt>
+                <c:pt idx="11">
+                  <c:v>282</c:v>
+                </c:pt>
+                <c:pt idx="12">
+                  <c:v>317</c:v>
+                </c:pt>
+                <c:pt idx="13">
+                  <c:v>378</c:v>
+                </c:pt>
+                <c:pt idx="14">
+                  <c:v>450</c:v>
+                </c:pt>
+              </c:numCache>
+            </c:numRef>
+          </c:val>
+          <c:smooth val="0"/>
+        </c:ser>
+        <c:ser>
+          <c:idx val="2"/>
+          <c:order val="2"/>
+          <c:tx>
+            <c:strRef>
+              <c:f>'[ガントチャート（改造）.xlsx]EVM'!$A$30</c:f>
+              <c:strCache>
+                <c:ptCount val="1"/>
+                <c:pt idx="0">
+                  <c:v>EV</c:v>
+                </c:pt>
+              </c:strCache>
+            </c:strRef>
+          </c:tx>
+          <c:marker>
+            <c:symbol val="none"/>
+          </c:marker>
+          <c:cat>
+            <c:numRef>
+              <c:f>'[ガントチャート（改造）.xlsx]EVM'!$B$27:$DB$27</c:f>
+              <c:numCache>
+                <c:formatCode>m/d;@</c:formatCode>
+                <c:ptCount val="15"/>
+                <c:pt idx="0">
+                  <c:v>42104</c:v>
+                </c:pt>
+                <c:pt idx="1">
+                  <c:v>42111</c:v>
+                </c:pt>
+                <c:pt idx="2">
+                  <c:v>42118</c:v>
+                </c:pt>
+                <c:pt idx="3">
+                  <c:v>42125</c:v>
+                </c:pt>
+                <c:pt idx="4">
+                  <c:v>42132</c:v>
+                </c:pt>
+                <c:pt idx="5">
+                  <c:v>42139</c:v>
+                </c:pt>
+                <c:pt idx="6">
+                  <c:v>42146</c:v>
+                </c:pt>
+                <c:pt idx="7">
+                  <c:v>42153</c:v>
+                </c:pt>
+                <c:pt idx="8">
+                  <c:v>42160</c:v>
+                </c:pt>
+                <c:pt idx="9">
+                  <c:v>42167</c:v>
+                </c:pt>
+                <c:pt idx="10">
+                  <c:v>42174</c:v>
+                </c:pt>
+                <c:pt idx="11">
+                  <c:v>42181</c:v>
+                </c:pt>
+                <c:pt idx="12">
+                  <c:v>42188</c:v>
+                </c:pt>
+                <c:pt idx="13">
+                  <c:v>42195</c:v>
+                </c:pt>
+                <c:pt idx="14">
+                  <c:v>42202</c:v>
+                </c:pt>
+              </c:numCache>
+            </c:numRef>
+          </c:cat>
+          <c:val>
+            <c:numRef>
+              <c:f>'[ガントチャート（改造）.xlsx]EVM'!$B$30:$DB$30</c:f>
+              <c:numCache>
+                <c:formatCode>0.0_ </c:formatCode>
+                <c:ptCount val="15"/>
+                <c:pt idx="0">
+                  <c:v>0</c:v>
+                </c:pt>
+                <c:pt idx="1">
+                  <c:v>0</c:v>
+                </c:pt>
+                <c:pt idx="2">
+                  <c:v>0</c:v>
+                </c:pt>
+                <c:pt idx="3">
+                  <c:v>0</c:v>
+                </c:pt>
+                <c:pt idx="4">
+                  <c:v>0</c:v>
+                </c:pt>
+                <c:pt idx="5">
+                  <c:v>0</c:v>
+                </c:pt>
+                <c:pt idx="6">
+                  <c:v>100</c:v>
+                </c:pt>
+                <c:pt idx="7">
+                  <c:v>100</c:v>
+                </c:pt>
+                <c:pt idx="8">
+                  <c:v>307</c:v>
+                </c:pt>
+                <c:pt idx="9">
+                  <c:v>311</c:v>
+                </c:pt>
+                <c:pt idx="10">
+                  <c:v>317</c:v>
+                </c:pt>
+                <c:pt idx="11">
+                  <c:v>319</c:v>
+                </c:pt>
+                <c:pt idx="12">
+                  <c:v>377</c:v>
+                </c:pt>
+                <c:pt idx="13">
+                  <c:v>467</c:v>
+                </c:pt>
+                <c:pt idx="14">
+                  <c:v>519</c:v>
+                </c:pt>
+              </c:numCache>
+            </c:numRef>
+          </c:val>
+          <c:smooth val="0"/>
+        </c:ser>
+        <c:dLbls>
+          <c:showLegendKey val="0"/>
+          <c:showVal val="0"/>
+          <c:showCatName val="0"/>
+          <c:showSerName val="0"/>
+          <c:showPercent val="0"/>
+          <c:showBubbleSize val="0"/>
+        </c:dLbls>
+        <c:smooth val="0"/>
+        <c:axId val="284108608"/>
+        <c:axId val="284110568"/>
+      </c:lineChart>
+      <c:dateAx>
+        <c:axId val="284108608"/>
+        <c:scaling>
+          <c:orientation val="minMax"/>
+        </c:scaling>
+        <c:delete val="0"/>
+        <c:axPos val="b"/>
+        <c:numFmt formatCode="m/d;@" sourceLinked="1"/>
+        <c:majorTickMark val="out"/>
+        <c:minorTickMark val="none"/>
+        <c:tickLblPos val="nextTo"/>
+        <c:crossAx val="284110568"/>
+        <c:crosses val="autoZero"/>
+        <c:auto val="1"/>
+        <c:lblOffset val="100"/>
+        <c:baseTimeUnit val="days"/>
+      </c:dateAx>
+      <c:valAx>
+        <c:axId val="284110568"/>
+        <c:scaling>
+          <c:orientation val="minMax"/>
+        </c:scaling>
+        <c:delete val="0"/>
+        <c:axPos val="l"/>
+        <c:majorGridlines/>
+        <c:numFmt formatCode="0.0_ " sourceLinked="1"/>
+        <c:majorTickMark val="out"/>
+        <c:minorTickMark val="none"/>
+        <c:tickLblPos val="nextTo"/>
+        <c:txPr>
+          <a:bodyPr/>
+          <a:lstStyle/>
+          <a:p>
+            <a:pPr>
+              <a:defRPr sz="1100"/>
+            </a:pPr>
+            <a:endParaRPr lang="ja-JP"/>
+          </a:p>
+        </c:txPr>
+        <c:crossAx val="284108608"/>
+        <c:crosses val="autoZero"/>
+        <c:crossBetween val="between"/>
+      </c:valAx>
+    </c:plotArea>
+    <c:legend>
+      <c:legendPos val="r"/>
+      <c:layout>
+        <c:manualLayout>
+          <c:xMode val="edge"/>
+          <c:yMode val="edge"/>
+          <c:x val="0.72198789667671404"/>
+          <c:y val="3.0439654277432917E-2"/>
+          <c:w val="0.25598566905843295"/>
+          <c:h val="6.3099465852835018E-2"/>
+        </c:manualLayout>
+      </c:layout>
+      <c:overlay val="0"/>
+      <c:txPr>
+        <a:bodyPr/>
+        <a:lstStyle/>
+        <a:p>
+          <a:pPr>
+            <a:defRPr sz="1400"/>
+          </a:pPr>
+          <a:endParaRPr lang="ja-JP"/>
+        </a:p>
+      </c:txPr>
+    </c:legend>
+    <c:plotVisOnly val="1"/>
+    <c:dispBlanksAs val="gap"/>
+    <c:showDLblsOverMax val="0"/>
+  </c:chart>
+  <c:externalData r:id="rId2">
+    <c:autoUpdate val="0"/>
+  </c:externalData>
+</c:chartSpace>
 </file>
 
 <file path=ppt/slideLayouts/slideLayout1.xml><?xml version="1.0" encoding="utf-8"?>
@@ -3675,64 +4187,13 @@
       </p:sp>
       <p:sp>
         <p:nvSpPr>
-          <p:cNvPr id="3" name="円形吹き出し 2"/>
-          <p:cNvSpPr/>
-          <p:nvPr/>
-        </p:nvSpPr>
-        <p:spPr>
-          <a:xfrm>
-            <a:off x="329514" y="1634955"/>
-            <a:ext cx="2051221" cy="885824"/>
-          </a:xfrm>
-          <a:prstGeom prst="wedgeEllipseCallout">
-            <a:avLst>
-              <a:gd name="adj1" fmla="val 22748"/>
-              <a:gd name="adj2" fmla="val 67464"/>
-            </a:avLst>
-          </a:prstGeom>
-        </p:spPr>
-        <p:style>
-          <a:lnRef idx="2">
-            <a:schemeClr val="accent2">
-              <a:shade val="50000"/>
-            </a:schemeClr>
-          </a:lnRef>
-          <a:fillRef idx="1">
-            <a:schemeClr val="accent2"/>
-          </a:fillRef>
-          <a:effectRef idx="0">
-            <a:schemeClr val="accent2"/>
-          </a:effectRef>
-          <a:fontRef idx="minor">
-            <a:schemeClr val="lt1"/>
-          </a:fontRef>
-        </p:style>
-        <p:txBody>
-          <a:bodyPr rtlCol="0" anchor="ctr"/>
-          <a:lstStyle/>
-          <a:p>
-            <a:pPr algn="ctr"/>
-            <a:r>
-              <a:rPr kumimoji="1" lang="ja-JP" altLang="en-US" sz="2400" dirty="0" smtClean="0"/>
-              <a:t>しかし</a:t>
-            </a:r>
-            <a:r>
-              <a:rPr kumimoji="1" lang="en-US" altLang="ja-JP" sz="2400" dirty="0" smtClean="0"/>
-              <a:t>……</a:t>
-            </a:r>
-            <a:endParaRPr kumimoji="1" lang="ja-JP" altLang="en-US" sz="2400" dirty="0"/>
-          </a:p>
-        </p:txBody>
-      </p:sp>
-      <p:sp>
-        <p:nvSpPr>
           <p:cNvPr id="7" name="角丸四角形 6"/>
           <p:cNvSpPr/>
           <p:nvPr/>
         </p:nvSpPr>
         <p:spPr>
           <a:xfrm>
-            <a:off x="1860721" y="2751437"/>
+            <a:off x="1851727" y="1770530"/>
             <a:ext cx="8454081" cy="1293341"/>
           </a:xfrm>
           <a:prstGeom prst="roundRect">
@@ -3759,10 +4220,18 @@
           <a:p>
             <a:pPr algn="ctr"/>
             <a:r>
-              <a:rPr lang="ja-JP" altLang="en-US" sz="2800" dirty="0" smtClean="0"/>
+              <a:rPr lang="ja-JP" altLang="en-US" sz="2800" dirty="0" smtClean="0">
+                <a:solidFill>
+                  <a:prstClr val="black"/>
+                </a:solidFill>
+              </a:rPr>
               <a:t>ユーザビリティの面では品質が高いとはいえない</a:t>
             </a:r>
-            <a:endParaRPr lang="en-US" altLang="ja-JP" sz="2800" dirty="0" smtClean="0"/>
+            <a:endParaRPr lang="en-US" altLang="ja-JP" sz="2800" dirty="0" smtClean="0">
+              <a:solidFill>
+                <a:prstClr val="black"/>
+              </a:solidFill>
+            </a:endParaRPr>
           </a:p>
         </p:txBody>
       </p:sp>
@@ -3774,7 +4243,7 @@
         </p:nvSpPr>
         <p:spPr>
           <a:xfrm>
-            <a:off x="1860721" y="5049794"/>
+            <a:off x="1851727" y="4068887"/>
             <a:ext cx="8454082" cy="1293341"/>
           </a:xfrm>
           <a:prstGeom prst="roundRect">
@@ -3801,10 +4270,18 @@
           <a:p>
             <a:pPr algn="ctr"/>
             <a:r>
-              <a:rPr kumimoji="1" lang="ja-JP" altLang="en-US" sz="2800" dirty="0" smtClean="0"/>
+              <a:rPr lang="ja-JP" altLang="en-US" sz="2800" dirty="0" smtClean="0">
+                <a:solidFill>
+                  <a:prstClr val="black"/>
+                </a:solidFill>
+              </a:rPr>
               <a:t>本システムは高齢者の方が使用する可能性が高い</a:t>
             </a:r>
-            <a:endParaRPr kumimoji="1" lang="ja-JP" altLang="en-US" sz="2800" dirty="0"/>
+            <a:endParaRPr lang="ja-JP" altLang="en-US" sz="2800" dirty="0">
+              <a:solidFill>
+                <a:prstClr val="black"/>
+              </a:solidFill>
+            </a:endParaRPr>
           </a:p>
         </p:txBody>
       </p:sp>
@@ -3816,7 +4293,7 @@
         </p:nvSpPr>
         <p:spPr>
           <a:xfrm>
-            <a:off x="5564658" y="4110680"/>
+            <a:off x="5555664" y="3129773"/>
             <a:ext cx="1046206" cy="873211"/>
           </a:xfrm>
           <a:prstGeom prst="downArrow">
@@ -3844,7 +4321,11 @@
           <a:lstStyle/>
           <a:p>
             <a:pPr algn="ctr"/>
-            <a:endParaRPr kumimoji="1" lang="ja-JP" altLang="en-US"/>
+            <a:endParaRPr lang="ja-JP" altLang="en-US">
+              <a:solidFill>
+                <a:prstClr val="white"/>
+              </a:solidFill>
+            </a:endParaRPr>
           </a:p>
         </p:txBody>
       </p:sp>
@@ -3856,7 +4337,7 @@
         </p:nvSpPr>
         <p:spPr>
           <a:xfrm>
-            <a:off x="5692345" y="4462845"/>
+            <a:off x="5683351" y="3481938"/>
             <a:ext cx="1655805" cy="369332"/>
           </a:xfrm>
           <a:prstGeom prst="rect">
@@ -3871,25 +4352,83 @@
           <a:lstStyle/>
           <a:p>
             <a:r>
-              <a:rPr kumimoji="1" lang="ja-JP" altLang="en-US" dirty="0" smtClean="0">
+              <a:rPr lang="ja-JP" altLang="en-US" dirty="0" smtClean="0">
                 <a:solidFill>
-                  <a:schemeClr val="bg1"/>
+                  <a:prstClr val="white"/>
                 </a:solidFill>
               </a:rPr>
               <a:t>なぜ？</a:t>
             </a:r>
-            <a:endParaRPr kumimoji="1" lang="ja-JP" altLang="en-US" dirty="0">
+            <a:endParaRPr lang="ja-JP" altLang="en-US" dirty="0">
               <a:solidFill>
-                <a:schemeClr val="bg1"/>
+                <a:prstClr val="white"/>
               </a:solidFill>
             </a:endParaRPr>
+          </a:p>
+        </p:txBody>
+      </p:sp>
+      <p:sp>
+        <p:nvSpPr>
+          <p:cNvPr id="8" name="円形吹き出し 7"/>
+          <p:cNvSpPr/>
+          <p:nvPr/>
+        </p:nvSpPr>
+        <p:spPr>
+          <a:xfrm>
+            <a:off x="164757" y="1690688"/>
+            <a:ext cx="1521940" cy="1161535"/>
+          </a:xfrm>
+          <a:prstGeom prst="wedgeEllipseCallout">
+            <a:avLst>
+              <a:gd name="adj1" fmla="val 55766"/>
+              <a:gd name="adj2" fmla="val 40514"/>
+            </a:avLst>
+          </a:prstGeom>
+        </p:spPr>
+        <p:style>
+          <a:lnRef idx="2">
+            <a:schemeClr val="accent2">
+              <a:shade val="50000"/>
+            </a:schemeClr>
+          </a:lnRef>
+          <a:fillRef idx="1">
+            <a:schemeClr val="accent2"/>
+          </a:fillRef>
+          <a:effectRef idx="0">
+            <a:schemeClr val="accent2"/>
+          </a:effectRef>
+          <a:fontRef idx="minor">
+            <a:schemeClr val="lt1"/>
+          </a:fontRef>
+        </p:style>
+        <p:txBody>
+          <a:bodyPr rtlCol="0" anchor="ctr"/>
+          <a:lstStyle/>
+          <a:p>
+            <a:pPr algn="ctr"/>
+            <a:r>
+              <a:rPr lang="ja-JP" altLang="en-US" sz="2400" dirty="0" smtClean="0">
+                <a:solidFill>
+                  <a:prstClr val="white"/>
+                </a:solidFill>
+              </a:rPr>
+              <a:t>しか</a:t>
+            </a:r>
+            <a:r>
+              <a:rPr lang="ja-JP" altLang="en-US" sz="2400" dirty="0">
+                <a:solidFill>
+                  <a:prstClr val="white"/>
+                </a:solidFill>
+              </a:rPr>
+              <a:t>し</a:t>
+            </a:r>
           </a:p>
         </p:txBody>
       </p:sp>
     </p:spTree>
     <p:extLst>
       <p:ext uri="{BB962C8B-B14F-4D97-AF65-F5344CB8AC3E}">
-        <p14:creationId xmlns:p14="http://schemas.microsoft.com/office/powerpoint/2010/main" val="4177067601"/>
+        <p14:creationId xmlns:p14="http://schemas.microsoft.com/office/powerpoint/2010/main" val="119292369"/>
       </p:ext>
     </p:extLst>
   </p:cSld>
@@ -4356,26 +4895,13 @@
               <a:t>280</a:t>
             </a:r>
             <a:r>
-              <a:rPr lang="ja-JP" altLang="en-US" sz="2800" dirty="0">
+              <a:rPr lang="ja-JP" altLang="en-US" sz="2800" dirty="0" smtClean="0">
                 <a:solidFill>
                   <a:prstClr val="black"/>
                 </a:solidFill>
               </a:rPr>
               <a:t>時間</a:t>
             </a:r>
-            <a:endParaRPr lang="en-US" altLang="ja-JP" sz="2800" dirty="0" smtClean="0">
-              <a:solidFill>
-                <a:prstClr val="black"/>
-              </a:solidFill>
-            </a:endParaRPr>
-          </a:p>
-          <a:p>
-            <a:pPr algn="ctr"/>
-            <a:endParaRPr lang="en-US" altLang="ja-JP" sz="2800" dirty="0">
-              <a:solidFill>
-                <a:prstClr val="black"/>
-              </a:solidFill>
-            </a:endParaRPr>
           </a:p>
         </p:txBody>
       </p:sp>
@@ -4492,7 +5018,7 @@
     </p:spTree>
     <p:extLst>
       <p:ext uri="{BB962C8B-B14F-4D97-AF65-F5344CB8AC3E}">
-        <p14:creationId xmlns:p14="http://schemas.microsoft.com/office/powerpoint/2010/main" val="649511906"/>
+        <p14:creationId xmlns:p14="http://schemas.microsoft.com/office/powerpoint/2010/main" val="464894918"/>
       </p:ext>
     </p:extLst>
   </p:cSld>
@@ -4529,12 +5055,7 @@
             <p:ph type="title"/>
           </p:nvPr>
         </p:nvSpPr>
-        <p:spPr>
-          <a:xfrm>
-            <a:off x="838200" y="373363"/>
-            <a:ext cx="10515600" cy="1325563"/>
-          </a:xfrm>
-        </p:spPr>
+        <p:spPr/>
         <p:txBody>
           <a:bodyPr>
             <a:normAutofit/>
@@ -4542,7 +5063,11 @@
           <a:lstStyle/>
           <a:p>
             <a:r>
-              <a:rPr lang="ja-JP" altLang="en-US" dirty="0"/>
+              <a:rPr lang="ja-JP" altLang="en-US" dirty="0">
+                <a:solidFill>
+                  <a:prstClr val="black"/>
+                </a:solidFill>
+              </a:rPr>
               <a:t>Ｑ</a:t>
             </a:r>
             <a:r>
@@ -4554,22 +5079,30 @@
               <a:t>Ｃ</a:t>
             </a:r>
             <a:r>
-              <a:rPr lang="ja-JP" altLang="en-US" dirty="0"/>
-              <a:t>Ｄ</a:t>
-            </a:r>
-            <a:r>
-              <a:rPr kumimoji="1" lang="ja-JP" altLang="en-US" dirty="0" smtClean="0"/>
-              <a:t>評価</a:t>
-            </a:r>
-            <a:r>
-              <a:rPr kumimoji="1" lang="en-US" altLang="ja-JP" dirty="0" smtClean="0"/>
+              <a:rPr lang="ja-JP" altLang="en-US" dirty="0">
+                <a:solidFill>
+                  <a:prstClr val="black"/>
+                </a:solidFill>
+              </a:rPr>
+              <a:t>Ｄ評価</a:t>
+            </a:r>
+            <a:r>
+              <a:rPr lang="en-US" altLang="ja-JP" dirty="0">
+                <a:solidFill>
+                  <a:prstClr val="black"/>
+                </a:solidFill>
+              </a:rPr>
               <a:t/>
             </a:r>
             <a:br>
-              <a:rPr kumimoji="1" lang="en-US" altLang="ja-JP" dirty="0" smtClean="0"/>
+              <a:rPr lang="en-US" altLang="ja-JP" dirty="0">
+                <a:solidFill>
+                  <a:prstClr val="black"/>
+                </a:solidFill>
+              </a:rPr>
             </a:br>
             <a:r>
-              <a:rPr lang="en-US" altLang="ja-JP" sz="3200" dirty="0" smtClean="0">
+              <a:rPr lang="en-US" altLang="ja-JP" sz="3200" dirty="0">
                 <a:solidFill>
                   <a:srgbClr val="00B0F0"/>
                 </a:solidFill>
@@ -4577,11 +5110,15 @@
               <a:t>Cost</a:t>
             </a:r>
             <a:r>
-              <a:rPr lang="en-US" altLang="ja-JP" dirty="0" smtClean="0"/>
+              <a:rPr lang="en-US" altLang="ja-JP" dirty="0">
+                <a:solidFill>
+                  <a:prstClr val="black"/>
+                </a:solidFill>
+              </a:rPr>
               <a:t> </a:t>
             </a:r>
             <a:r>
-              <a:rPr lang="en-US" altLang="ja-JP" sz="3200" dirty="0" smtClean="0">
+              <a:rPr lang="en-US" altLang="ja-JP" sz="3200" dirty="0">
                 <a:solidFill>
                   <a:srgbClr val="00B0F0"/>
                 </a:solidFill>
@@ -4594,7 +5131,385 @@
       </p:sp>
       <p:sp>
         <p:nvSpPr>
-          <p:cNvPr id="4" name="角丸四角形 3"/>
+          <p:cNvPr id="7" name="角丸四角形 6"/>
+          <p:cNvSpPr/>
+          <p:nvPr/>
+        </p:nvSpPr>
+        <p:spPr>
+          <a:xfrm>
+            <a:off x="1868959" y="1770529"/>
+            <a:ext cx="8454081" cy="1293341"/>
+          </a:xfrm>
+          <a:prstGeom prst="roundRect">
+            <a:avLst/>
+          </a:prstGeom>
+        </p:spPr>
+        <p:style>
+          <a:lnRef idx="2">
+            <a:schemeClr val="accent1"/>
+          </a:lnRef>
+          <a:fillRef idx="1">
+            <a:schemeClr val="lt1"/>
+          </a:fillRef>
+          <a:effectRef idx="0">
+            <a:schemeClr val="accent1"/>
+          </a:effectRef>
+          <a:fontRef idx="minor">
+            <a:schemeClr val="dk1"/>
+          </a:fontRef>
+        </p:style>
+        <p:txBody>
+          <a:bodyPr rtlCol="0" anchor="ctr"/>
+          <a:lstStyle/>
+          <a:p>
+            <a:pPr algn="ctr"/>
+            <a:r>
+              <a:rPr lang="ja-JP" altLang="ja-JP" sz="2800" dirty="0"/>
+              <a:t>成果物ごとの計画稼働時間が想定作業時間の見積と異なった</a:t>
+            </a:r>
+            <a:endParaRPr lang="en-US" altLang="ja-JP" sz="2800" dirty="0" smtClean="0">
+              <a:solidFill>
+                <a:prstClr val="black"/>
+              </a:solidFill>
+            </a:endParaRPr>
+          </a:p>
+        </p:txBody>
+      </p:sp>
+      <p:sp>
+        <p:nvSpPr>
+          <p:cNvPr id="14" name="角丸四角形 13"/>
+          <p:cNvSpPr/>
+          <p:nvPr/>
+        </p:nvSpPr>
+        <p:spPr>
+          <a:xfrm>
+            <a:off x="1851727" y="4068887"/>
+            <a:ext cx="8454082" cy="1293341"/>
+          </a:xfrm>
+          <a:prstGeom prst="roundRect">
+            <a:avLst/>
+          </a:prstGeom>
+        </p:spPr>
+        <p:style>
+          <a:lnRef idx="2">
+            <a:schemeClr val="accent2"/>
+          </a:lnRef>
+          <a:fillRef idx="1">
+            <a:schemeClr val="lt1"/>
+          </a:fillRef>
+          <a:effectRef idx="0">
+            <a:schemeClr val="accent2"/>
+          </a:effectRef>
+          <a:fontRef idx="minor">
+            <a:schemeClr val="dk1"/>
+          </a:fontRef>
+        </p:style>
+        <p:txBody>
+          <a:bodyPr rtlCol="0" anchor="ctr"/>
+          <a:lstStyle/>
+          <a:p>
+            <a:pPr algn="ctr"/>
+            <a:r>
+              <a:rPr lang="ja-JP" altLang="ja-JP" sz="2800" dirty="0"/>
+              <a:t>作業を引き継いだ際</a:t>
+            </a:r>
+            <a:r>
+              <a:rPr lang="ja-JP" altLang="ja-JP" sz="2800" dirty="0" smtClean="0"/>
+              <a:t>に成果物</a:t>
+            </a:r>
+            <a:r>
+              <a:rPr lang="ja-JP" altLang="ja-JP" sz="2800" dirty="0"/>
+              <a:t>ごとのコスト見積</a:t>
+            </a:r>
+            <a:r>
+              <a:rPr lang="ja-JP" altLang="ja-JP" sz="2800" dirty="0" smtClean="0"/>
+              <a:t>の</a:t>
+            </a:r>
+            <a:r>
+              <a:rPr lang="ja-JP" altLang="en-US" sz="2800" dirty="0" smtClean="0"/>
+              <a:t>　　　</a:t>
+            </a:r>
+            <a:r>
+              <a:rPr lang="ja-JP" altLang="ja-JP" sz="2800" dirty="0" smtClean="0"/>
+              <a:t>見直し</a:t>
+            </a:r>
+            <a:r>
+              <a:rPr lang="ja-JP" altLang="ja-JP" sz="2800" dirty="0"/>
+              <a:t>が</a:t>
+            </a:r>
+            <a:r>
+              <a:rPr lang="ja-JP" altLang="ja-JP" sz="2800" dirty="0" smtClean="0"/>
+              <a:t>甘</a:t>
+            </a:r>
+            <a:r>
+              <a:rPr lang="ja-JP" altLang="en-US" sz="2800" dirty="0" smtClean="0"/>
+              <a:t>かった</a:t>
+            </a:r>
+            <a:endParaRPr lang="ja-JP" altLang="en-US" sz="2800" dirty="0">
+              <a:solidFill>
+                <a:prstClr val="black"/>
+              </a:solidFill>
+            </a:endParaRPr>
+          </a:p>
+        </p:txBody>
+      </p:sp>
+      <p:sp>
+        <p:nvSpPr>
+          <p:cNvPr id="15" name="下矢印 14"/>
+          <p:cNvSpPr/>
+          <p:nvPr/>
+        </p:nvSpPr>
+        <p:spPr>
+          <a:xfrm>
+            <a:off x="5555664" y="3129773"/>
+            <a:ext cx="1046206" cy="873211"/>
+          </a:xfrm>
+          <a:prstGeom prst="downArrow">
+            <a:avLst/>
+          </a:prstGeom>
+        </p:spPr>
+        <p:style>
+          <a:lnRef idx="2">
+            <a:schemeClr val="accent1">
+              <a:shade val="50000"/>
+            </a:schemeClr>
+          </a:lnRef>
+          <a:fillRef idx="1">
+            <a:schemeClr val="accent1"/>
+          </a:fillRef>
+          <a:effectRef idx="0">
+            <a:schemeClr val="accent1"/>
+          </a:effectRef>
+          <a:fontRef idx="minor">
+            <a:schemeClr val="lt1"/>
+          </a:fontRef>
+        </p:style>
+        <p:txBody>
+          <a:bodyPr rtlCol="0" anchor="ctr"/>
+          <a:lstStyle/>
+          <a:p>
+            <a:pPr algn="ctr"/>
+            <a:endParaRPr lang="ja-JP" altLang="en-US">
+              <a:solidFill>
+                <a:prstClr val="white"/>
+              </a:solidFill>
+            </a:endParaRPr>
+          </a:p>
+        </p:txBody>
+      </p:sp>
+      <p:sp>
+        <p:nvSpPr>
+          <p:cNvPr id="16" name="テキスト ボックス 15"/>
+          <p:cNvSpPr txBox="1"/>
+          <p:nvPr/>
+        </p:nvSpPr>
+        <p:spPr>
+          <a:xfrm>
+            <a:off x="5683351" y="3481938"/>
+            <a:ext cx="1655805" cy="369332"/>
+          </a:xfrm>
+          <a:prstGeom prst="rect">
+            <a:avLst/>
+          </a:prstGeom>
+          <a:noFill/>
+        </p:spPr>
+        <p:txBody>
+          <a:bodyPr wrap="square" rtlCol="0">
+            <a:spAutoFit/>
+          </a:bodyPr>
+          <a:lstStyle/>
+          <a:p>
+            <a:r>
+              <a:rPr lang="ja-JP" altLang="en-US" dirty="0" smtClean="0">
+                <a:solidFill>
+                  <a:prstClr val="white"/>
+                </a:solidFill>
+              </a:rPr>
+              <a:t>なぜ？</a:t>
+            </a:r>
+            <a:endParaRPr lang="ja-JP" altLang="en-US" dirty="0">
+              <a:solidFill>
+                <a:prstClr val="white"/>
+              </a:solidFill>
+            </a:endParaRPr>
+          </a:p>
+        </p:txBody>
+      </p:sp>
+      <p:sp>
+        <p:nvSpPr>
+          <p:cNvPr id="8" name="円形吹き出し 7"/>
+          <p:cNvSpPr/>
+          <p:nvPr/>
+        </p:nvSpPr>
+        <p:spPr>
+          <a:xfrm>
+            <a:off x="164757" y="1690688"/>
+            <a:ext cx="1521940" cy="1161535"/>
+          </a:xfrm>
+          <a:prstGeom prst="wedgeEllipseCallout">
+            <a:avLst>
+              <a:gd name="adj1" fmla="val 55766"/>
+              <a:gd name="adj2" fmla="val 40514"/>
+            </a:avLst>
+          </a:prstGeom>
+        </p:spPr>
+        <p:style>
+          <a:lnRef idx="2">
+            <a:schemeClr val="accent2">
+              <a:shade val="50000"/>
+            </a:schemeClr>
+          </a:lnRef>
+          <a:fillRef idx="1">
+            <a:schemeClr val="accent2"/>
+          </a:fillRef>
+          <a:effectRef idx="0">
+            <a:schemeClr val="accent2"/>
+          </a:effectRef>
+          <a:fontRef idx="minor">
+            <a:schemeClr val="lt1"/>
+          </a:fontRef>
+        </p:style>
+        <p:txBody>
+          <a:bodyPr rtlCol="0" anchor="ctr"/>
+          <a:lstStyle/>
+          <a:p>
+            <a:pPr algn="ctr"/>
+            <a:r>
+              <a:rPr lang="ja-JP" altLang="en-US" sz="2400" dirty="0" smtClean="0">
+                <a:solidFill>
+                  <a:prstClr val="white"/>
+                </a:solidFill>
+              </a:rPr>
+              <a:t>しか</a:t>
+            </a:r>
+            <a:r>
+              <a:rPr lang="ja-JP" altLang="en-US" sz="2400" dirty="0">
+                <a:solidFill>
+                  <a:prstClr val="white"/>
+                </a:solidFill>
+              </a:rPr>
+              <a:t>し</a:t>
+            </a:r>
+          </a:p>
+        </p:txBody>
+      </p:sp>
+    </p:spTree>
+    <p:extLst>
+      <p:ext uri="{BB962C8B-B14F-4D97-AF65-F5344CB8AC3E}">
+        <p14:creationId xmlns:p14="http://schemas.microsoft.com/office/powerpoint/2010/main" val="3744287521"/>
+      </p:ext>
+    </p:extLst>
+  </p:cSld>
+  <p:clrMapOvr>
+    <a:masterClrMapping/>
+  </p:clrMapOvr>
+</p:sld>
+</file>
+
+<file path=ppt/slides/slide7.xml><?xml version="1.0" encoding="utf-8"?>
+<p:sld xmlns:a="http://schemas.openxmlformats.org/drawingml/2006/main" xmlns:r="http://schemas.openxmlformats.org/officeDocument/2006/relationships" xmlns:p="http://schemas.openxmlformats.org/presentationml/2006/main">
+  <p:cSld>
+    <p:spTree>
+      <p:nvGrpSpPr>
+        <p:cNvPr id="1" name=""/>
+        <p:cNvGrpSpPr/>
+        <p:nvPr/>
+      </p:nvGrpSpPr>
+      <p:grpSpPr>
+        <a:xfrm>
+          <a:off x="0" y="0"/>
+          <a:ext cx="0" cy="0"/>
+          <a:chOff x="0" y="0"/>
+          <a:chExt cx="0" cy="0"/>
+        </a:xfrm>
+      </p:grpSpPr>
+      <p:sp>
+        <p:nvSpPr>
+          <p:cNvPr id="2" name="タイトル 1"/>
+          <p:cNvSpPr>
+            <a:spLocks noGrp="1"/>
+          </p:cNvSpPr>
+          <p:nvPr>
+            <p:ph type="title"/>
+          </p:nvPr>
+        </p:nvSpPr>
+        <p:spPr/>
+        <p:txBody>
+          <a:bodyPr>
+            <a:normAutofit/>
+          </a:bodyPr>
+          <a:lstStyle/>
+          <a:p>
+            <a:r>
+              <a:rPr lang="ja-JP" altLang="en-US" dirty="0">
+                <a:solidFill>
+                  <a:prstClr val="black"/>
+                </a:solidFill>
+              </a:rPr>
+              <a:t>Ｑ</a:t>
+            </a:r>
+            <a:r>
+              <a:rPr lang="ja-JP" altLang="en-US" dirty="0">
+                <a:solidFill>
+                  <a:srgbClr val="00B0F0"/>
+                </a:solidFill>
+              </a:rPr>
+              <a:t>Ｃ</a:t>
+            </a:r>
+            <a:r>
+              <a:rPr lang="ja-JP" altLang="en-US" dirty="0">
+                <a:solidFill>
+                  <a:prstClr val="black"/>
+                </a:solidFill>
+              </a:rPr>
+              <a:t>Ｄ評価</a:t>
+            </a:r>
+            <a:r>
+              <a:rPr lang="en-US" altLang="ja-JP" dirty="0">
+                <a:solidFill>
+                  <a:prstClr val="black"/>
+                </a:solidFill>
+              </a:rPr>
+              <a:t/>
+            </a:r>
+            <a:br>
+              <a:rPr lang="en-US" altLang="ja-JP" dirty="0">
+                <a:solidFill>
+                  <a:prstClr val="black"/>
+                </a:solidFill>
+              </a:rPr>
+            </a:br>
+            <a:r>
+              <a:rPr lang="en-US" altLang="ja-JP" sz="3200" dirty="0">
+                <a:solidFill>
+                  <a:srgbClr val="00B0F0"/>
+                </a:solidFill>
+              </a:rPr>
+              <a:t>Cost</a:t>
+            </a:r>
+            <a:r>
+              <a:rPr lang="en-US" altLang="ja-JP" dirty="0">
+                <a:solidFill>
+                  <a:prstClr val="black"/>
+                </a:solidFill>
+              </a:rPr>
+              <a:t> </a:t>
+            </a:r>
+            <a:r>
+              <a:rPr lang="en-US" altLang="ja-JP" sz="3200" dirty="0">
+                <a:solidFill>
+                  <a:srgbClr val="00B0F0"/>
+                </a:solidFill>
+              </a:rPr>
+              <a:t>assessment</a:t>
+            </a:r>
+            <a:endParaRPr kumimoji="1" lang="ja-JP" altLang="en-US" sz="3200" dirty="0"/>
+          </a:p>
+        </p:txBody>
+      </p:sp>
+      <p:sp>
+        <p:nvSpPr>
+          <p:cNvPr id="6" name="角丸四角形 5"/>
           <p:cNvSpPr/>
           <p:nvPr/>
         </p:nvSpPr>
@@ -4627,61 +5542,9 @@
           <a:p>
             <a:pPr algn="ctr"/>
             <a:r>
-              <a:rPr lang="ja-JP" altLang="en-US" sz="2800" dirty="0">
-                <a:solidFill>
-                  <a:prstClr val="black"/>
-                </a:solidFill>
-              </a:rPr>
-              <a:t>コスト</a:t>
-            </a:r>
-            <a:r>
-              <a:rPr lang="ja-JP" altLang="ja-JP" sz="2800" dirty="0" smtClean="0">
-                <a:solidFill>
-                  <a:prstClr val="black"/>
-                </a:solidFill>
-              </a:rPr>
-              <a:t>目標</a:t>
-            </a:r>
-            <a:r>
-              <a:rPr lang="ja-JP" altLang="en-US" sz="2800" dirty="0" smtClean="0">
-                <a:solidFill>
-                  <a:prstClr val="black"/>
-                </a:solidFill>
-              </a:rPr>
-              <a:t>：下流工程の想定</a:t>
-            </a:r>
-            <a:r>
-              <a:rPr lang="ja-JP" altLang="en-US" sz="2800" dirty="0">
-                <a:solidFill>
-                  <a:prstClr val="black"/>
-                </a:solidFill>
-              </a:rPr>
-              <a:t>作業時間は</a:t>
-            </a:r>
-            <a:r>
-              <a:rPr lang="en-US" altLang="ja-JP" sz="2800" dirty="0">
-                <a:solidFill>
-                  <a:prstClr val="black"/>
-                </a:solidFill>
-              </a:rPr>
-              <a:t>280</a:t>
-            </a:r>
-            <a:r>
-              <a:rPr lang="ja-JP" altLang="en-US" sz="2800" dirty="0">
-                <a:solidFill>
-                  <a:prstClr val="black"/>
-                </a:solidFill>
-              </a:rPr>
-              <a:t>時間</a:t>
-            </a:r>
-            <a:endParaRPr lang="en-US" altLang="ja-JP" sz="2800" dirty="0" smtClean="0">
-              <a:solidFill>
-                <a:prstClr val="black"/>
-              </a:solidFill>
-            </a:endParaRPr>
-          </a:p>
-          <a:p>
-            <a:pPr algn="ctr"/>
+              <a:rPr lang="ja-JP" altLang="ja-JP" sz="2800" dirty="0"/>
+              <a:t>見積もり方法を組み合わせて見直しの精度を上げる</a:t>
+            </a:r>
             <a:endParaRPr lang="en-US" altLang="ja-JP" sz="2800" dirty="0">
               <a:solidFill>
                 <a:prstClr val="black"/>
@@ -4692,7 +5555,62 @@
       </p:sp>
       <p:sp>
         <p:nvSpPr>
-          <p:cNvPr id="5" name="角丸四角形 4"/>
+          <p:cNvPr id="11" name="円形吹き出し 10"/>
+          <p:cNvSpPr/>
+          <p:nvPr/>
+        </p:nvSpPr>
+        <p:spPr>
+          <a:xfrm>
+            <a:off x="164757" y="1690688"/>
+            <a:ext cx="1521940" cy="1161535"/>
+          </a:xfrm>
+          <a:prstGeom prst="wedgeEllipseCallout">
+            <a:avLst>
+              <a:gd name="adj1" fmla="val 55766"/>
+              <a:gd name="adj2" fmla="val 40514"/>
+            </a:avLst>
+          </a:prstGeom>
+        </p:spPr>
+        <p:style>
+          <a:lnRef idx="2">
+            <a:schemeClr val="accent2">
+              <a:shade val="50000"/>
+            </a:schemeClr>
+          </a:lnRef>
+          <a:fillRef idx="1">
+            <a:schemeClr val="accent2"/>
+          </a:fillRef>
+          <a:effectRef idx="0">
+            <a:schemeClr val="accent2"/>
+          </a:effectRef>
+          <a:fontRef idx="minor">
+            <a:schemeClr val="lt1"/>
+          </a:fontRef>
+        </p:style>
+        <p:txBody>
+          <a:bodyPr rtlCol="0" anchor="ctr"/>
+          <a:lstStyle/>
+          <a:p>
+            <a:pPr algn="ctr"/>
+            <a:r>
+              <a:rPr lang="ja-JP" altLang="en-US" sz="2400" dirty="0" smtClean="0">
+                <a:solidFill>
+                  <a:prstClr val="white"/>
+                </a:solidFill>
+              </a:rPr>
+              <a:t>なので</a:t>
+            </a:r>
+            <a:endParaRPr lang="ja-JP" altLang="en-US" sz="2400" dirty="0">
+              <a:solidFill>
+                <a:prstClr val="white"/>
+              </a:solidFill>
+            </a:endParaRPr>
+          </a:p>
+        </p:txBody>
+      </p:sp>
+      <p:sp>
+        <p:nvSpPr>
+          <p:cNvPr id="12" name="角丸四角形 11"/>
           <p:cNvSpPr/>
           <p:nvPr/>
         </p:nvSpPr>
@@ -4730,25 +5648,9 @@
                   <a:prstClr val="black"/>
                 </a:solidFill>
               </a:rPr>
-              <a:t>実際に掛かった時間は</a:t>
-            </a:r>
-            <a:r>
-              <a:rPr lang="en-US" altLang="ja-JP" sz="2800" dirty="0" smtClean="0">
-                <a:solidFill>
-                  <a:prstClr val="black"/>
-                </a:solidFill>
-              </a:rPr>
-              <a:t>213</a:t>
-            </a:r>
-            <a:r>
-              <a:rPr lang="ja-JP" altLang="en-US" sz="2800" dirty="0" smtClean="0">
-                <a:solidFill>
-                  <a:prstClr val="black"/>
-                </a:solidFill>
-              </a:rPr>
-              <a:t>時間であった</a:t>
-            </a:r>
-            <a:endParaRPr lang="ja-JP" altLang="en-US" sz="2800" dirty="0">
+              <a:t>類推見積りを基本にその他の見積り方法も使用する</a:t>
+            </a:r>
+            <a:endParaRPr lang="en-US" altLang="ja-JP" sz="2800" dirty="0">
               <a:solidFill>
                 <a:prstClr val="black"/>
               </a:solidFill>
@@ -4758,7 +5660,7 @@
       </p:sp>
       <p:sp>
         <p:nvSpPr>
-          <p:cNvPr id="6" name="下矢印 5"/>
+          <p:cNvPr id="13" name="下矢印 12"/>
           <p:cNvSpPr/>
           <p:nvPr/>
         </p:nvSpPr>
@@ -4792,7 +5694,7 @@
           <a:lstStyle/>
           <a:p>
             <a:pPr algn="ctr"/>
-            <a:endParaRPr lang="ja-JP" altLang="en-US" dirty="0">
+            <a:endParaRPr lang="ja-JP" altLang="en-US">
               <a:solidFill>
                 <a:prstClr val="white"/>
               </a:solidFill>
@@ -4803,7 +5705,116 @@
     </p:spTree>
     <p:extLst>
       <p:ext uri="{BB962C8B-B14F-4D97-AF65-F5344CB8AC3E}">
-        <p14:creationId xmlns:p14="http://schemas.microsoft.com/office/powerpoint/2010/main" val="464894918"/>
+        <p14:creationId xmlns:p14="http://schemas.microsoft.com/office/powerpoint/2010/main" val="1209027771"/>
+      </p:ext>
+    </p:extLst>
+  </p:cSld>
+  <p:clrMapOvr>
+    <a:masterClrMapping/>
+  </p:clrMapOvr>
+</p:sld>
+</file>
+
+<file path=ppt/slides/slide8.xml><?xml version="1.0" encoding="utf-8"?>
+<p:sld xmlns:a="http://schemas.openxmlformats.org/drawingml/2006/main" xmlns:r="http://schemas.openxmlformats.org/officeDocument/2006/relationships" xmlns:p="http://schemas.openxmlformats.org/presentationml/2006/main">
+  <p:cSld>
+    <p:spTree>
+      <p:nvGrpSpPr>
+        <p:cNvPr id="1" name=""/>
+        <p:cNvGrpSpPr/>
+        <p:nvPr/>
+      </p:nvGrpSpPr>
+      <p:grpSpPr>
+        <a:xfrm>
+          <a:off x="0" y="0"/>
+          <a:ext cx="0" cy="0"/>
+          <a:chOff x="0" y="0"/>
+          <a:chExt cx="0" cy="0"/>
+        </a:xfrm>
+      </p:grpSpPr>
+      <p:graphicFrame>
+        <p:nvGraphicFramePr>
+          <p:cNvPr id="4" name="コンテンツ プレースホルダー 3"/>
+          <p:cNvGraphicFramePr>
+            <a:graphicFrameLocks noGrp="1"/>
+          </p:cNvGraphicFramePr>
+          <p:nvPr>
+            <p:ph idx="1"/>
+            <p:extLst>
+              <p:ext uri="{D42A27DB-BD31-4B8C-83A1-F6EECF244321}">
+                <p14:modId xmlns:p14="http://schemas.microsoft.com/office/powerpoint/2010/main" val="546655980"/>
+              </p:ext>
+            </p:extLst>
+          </p:nvPr>
+        </p:nvGraphicFramePr>
+        <p:xfrm>
+          <a:off x="970005" y="998376"/>
+          <a:ext cx="10342764" cy="5285193"/>
+        </p:xfrm>
+        <a:graphic>
+          <a:graphicData uri="http://schemas.openxmlformats.org/drawingml/2006/chart">
+            <c:chart xmlns:c="http://schemas.openxmlformats.org/drawingml/2006/chart" xmlns:r="http://schemas.openxmlformats.org/officeDocument/2006/relationships" r:id="rId2"/>
+          </a:graphicData>
+        </a:graphic>
+      </p:graphicFrame>
+      <p:sp>
+        <p:nvSpPr>
+          <p:cNvPr id="5" name="正方形/長方形 4"/>
+          <p:cNvSpPr/>
+          <p:nvPr/>
+        </p:nvSpPr>
+        <p:spPr>
+          <a:xfrm>
+            <a:off x="847529" y="307759"/>
+            <a:ext cx="6096000" cy="1046440"/>
+          </a:xfrm>
+          <a:prstGeom prst="rect">
+            <a:avLst/>
+          </a:prstGeom>
+        </p:spPr>
+        <p:txBody>
+          <a:bodyPr>
+            <a:spAutoFit/>
+          </a:bodyPr>
+          <a:lstStyle/>
+          <a:p>
+            <a:r>
+              <a:rPr lang="ja-JP" altLang="en-US" sz="4400" dirty="0" smtClean="0">
+                <a:solidFill>
+                  <a:prstClr val="black"/>
+                </a:solidFill>
+                <a:latin typeface="Calibri Light" panose="020F0302020204030204"/>
+                <a:cs typeface="+mj-cs"/>
+              </a:rPr>
+              <a:t>マネジメントレポート</a:t>
+            </a:r>
+            <a:r>
+              <a:rPr lang="en-US" altLang="ja-JP" sz="4400" dirty="0">
+                <a:solidFill>
+                  <a:prstClr val="black"/>
+                </a:solidFill>
+                <a:latin typeface="Calibri Light" panose="020F0302020204030204"/>
+                <a:cs typeface="+mj-cs"/>
+              </a:rPr>
+              <a:t/>
+            </a:r>
+            <a:br>
+              <a:rPr lang="en-US" altLang="ja-JP" sz="4400" dirty="0">
+                <a:solidFill>
+                  <a:prstClr val="black"/>
+                </a:solidFill>
+                <a:latin typeface="Calibri Light" panose="020F0302020204030204"/>
+                <a:cs typeface="+mj-cs"/>
+              </a:rPr>
+            </a:br>
+            <a:endParaRPr lang="ja-JP" altLang="en-US" dirty="0"/>
+          </a:p>
+        </p:txBody>
+      </p:sp>
+    </p:spTree>
+    <p:extLst>
+      <p:ext uri="{BB962C8B-B14F-4D97-AF65-F5344CB8AC3E}">
+        <p14:creationId xmlns:p14="http://schemas.microsoft.com/office/powerpoint/2010/main" val="334732577"/>
       </p:ext>
     </p:extLst>
   </p:cSld>
@@ -5072,4 +6083,285 @@
     </a:ext>
   </a:extLst>
 </a:theme>
+</file>
+
+<file path=ppt/theme/themeOverride1.xml><?xml version="1.0" encoding="utf-8"?>
+<a:themeOverride xmlns:a="http://schemas.openxmlformats.org/drawingml/2006/main">
+  <a:clrScheme name="Office">
+    <a:dk1>
+      <a:sysClr val="windowText" lastClr="000000"/>
+    </a:dk1>
+    <a:lt1>
+      <a:sysClr val="window" lastClr="FFFFFF"/>
+    </a:lt1>
+    <a:dk2>
+      <a:srgbClr val="1F497D"/>
+    </a:dk2>
+    <a:lt2>
+      <a:srgbClr val="EEECE1"/>
+    </a:lt2>
+    <a:accent1>
+      <a:srgbClr val="4F81BD"/>
+    </a:accent1>
+    <a:accent2>
+      <a:srgbClr val="C0504D"/>
+    </a:accent2>
+    <a:accent3>
+      <a:srgbClr val="9BBB59"/>
+    </a:accent3>
+    <a:accent4>
+      <a:srgbClr val="8064A2"/>
+    </a:accent4>
+    <a:accent5>
+      <a:srgbClr val="4BACC6"/>
+    </a:accent5>
+    <a:accent6>
+      <a:srgbClr val="F79646"/>
+    </a:accent6>
+    <a:hlink>
+      <a:srgbClr val="0000FF"/>
+    </a:hlink>
+    <a:folHlink>
+      <a:srgbClr val="800080"/>
+    </a:folHlink>
+  </a:clrScheme>
+  <a:fontScheme name="Office">
+    <a:majorFont>
+      <a:latin typeface="Cambria" panose="020F0302020204030204"/>
+      <a:ea typeface=""/>
+      <a:cs typeface=""/>
+      <a:font script="Jpan" typeface="ＭＳ Ｐゴシック"/>
+      <a:font script="Hang" typeface="맑은 고딕"/>
+      <a:font script="Hans" typeface="宋体"/>
+      <a:font script="Hant" typeface="新細明體"/>
+      <a:font script="Arab" typeface="Times New Roman"/>
+      <a:font script="Hebr" typeface="Times New Roman"/>
+      <a:font script="Thai" typeface="Tahoma"/>
+      <a:font script="Ethi" typeface="Nyala"/>
+      <a:font script="Beng" typeface="Vrinda"/>
+      <a:font script="Gujr" typeface="Shruti"/>
+      <a:font script="Khmr" typeface="MoolBoran"/>
+      <a:font script="Knda" typeface="Tunga"/>
+      <a:font script="Guru" typeface="Raavi"/>
+      <a:font script="Cans" typeface="Euphemia"/>
+      <a:font script="Cher" typeface="Plantagenet Cherokee"/>
+      <a:font script="Yiii" typeface="Microsoft Yi Baiti"/>
+      <a:font script="Tibt" typeface="Microsoft Himalaya"/>
+      <a:font script="Thaa" typeface="MV Boli"/>
+      <a:font script="Deva" typeface="Mangal"/>
+      <a:font script="Telu" typeface="Gautami"/>
+      <a:font script="Taml" typeface="Latha"/>
+      <a:font script="Syrc" typeface="Estrangelo Edessa"/>
+      <a:font script="Orya" typeface="Kalinga"/>
+      <a:font script="Mlym" typeface="Kartika"/>
+      <a:font script="Laoo" typeface="DokChampa"/>
+      <a:font script="Sinh" typeface="Iskoola Pota"/>
+      <a:font script="Mong" typeface="Mongolian Baiti"/>
+      <a:font script="Viet" typeface="Times New Roman"/>
+      <a:font script="Uigh" typeface="Microsoft Uighur"/>
+      <a:font script="Geor" typeface="Sylfaen"/>
+    </a:majorFont>
+    <a:minorFont>
+      <a:latin typeface="Calibri" panose="020F0502020204030204"/>
+      <a:ea typeface=""/>
+      <a:cs typeface=""/>
+      <a:font script="Jpan" typeface="ＭＳ Ｐゴシック"/>
+      <a:font script="Hang" typeface="맑은 고딕"/>
+      <a:font script="Hans" typeface="宋体"/>
+      <a:font script="Hant" typeface="新細明體"/>
+      <a:font script="Arab" typeface="Arial"/>
+      <a:font script="Hebr" typeface="Arial"/>
+      <a:font script="Thai" typeface="Tahoma"/>
+      <a:font script="Ethi" typeface="Nyala"/>
+      <a:font script="Beng" typeface="Vrinda"/>
+      <a:font script="Gujr" typeface="Shruti"/>
+      <a:font script="Khmr" typeface="DaunPenh"/>
+      <a:font script="Knda" typeface="Tunga"/>
+      <a:font script="Guru" typeface="Raavi"/>
+      <a:font script="Cans" typeface="Euphemia"/>
+      <a:font script="Cher" typeface="Plantagenet Cherokee"/>
+      <a:font script="Yiii" typeface="Microsoft Yi Baiti"/>
+      <a:font script="Tibt" typeface="Microsoft Himalaya"/>
+      <a:font script="Thaa" typeface="MV Boli"/>
+      <a:font script="Deva" typeface="Mangal"/>
+      <a:font script="Telu" typeface="Gautami"/>
+      <a:font script="Taml" typeface="Latha"/>
+      <a:font script="Syrc" typeface="Estrangelo Edessa"/>
+      <a:font script="Orya" typeface="Kalinga"/>
+      <a:font script="Mlym" typeface="Kartika"/>
+      <a:font script="Laoo" typeface="DokChampa"/>
+      <a:font script="Sinh" typeface="Iskoola Pota"/>
+      <a:font script="Mong" typeface="Mongolian Baiti"/>
+      <a:font script="Viet" typeface="Arial"/>
+      <a:font script="Uigh" typeface="Microsoft Uighur"/>
+      <a:font script="Geor" typeface="Sylfaen"/>
+    </a:minorFont>
+  </a:fontScheme>
+  <a:fmtScheme name="Office">
+    <a:fillStyleLst>
+      <a:solidFill>
+        <a:schemeClr val="phClr"/>
+      </a:solidFill>
+      <a:gradFill rotWithShape="1">
+        <a:gsLst>
+          <a:gs pos="0">
+            <a:schemeClr val="phClr">
+              <a:tint val="50000"/>
+              <a:satMod val="300000"/>
+            </a:schemeClr>
+          </a:gs>
+          <a:gs pos="35000">
+            <a:schemeClr val="phClr">
+              <a:tint val="37000"/>
+              <a:satMod val="300000"/>
+            </a:schemeClr>
+          </a:gs>
+          <a:gs pos="100000">
+            <a:schemeClr val="phClr">
+              <a:tint val="15000"/>
+              <a:satMod val="350000"/>
+            </a:schemeClr>
+          </a:gs>
+        </a:gsLst>
+        <a:lin ang="16200000" scaled="1"/>
+      </a:gradFill>
+      <a:gradFill rotWithShape="1">
+        <a:gsLst>
+          <a:gs pos="0">
+            <a:schemeClr val="phClr">
+              <a:shade val="51000"/>
+              <a:satMod val="130000"/>
+            </a:schemeClr>
+          </a:gs>
+          <a:gs pos="80000">
+            <a:schemeClr val="phClr">
+              <a:shade val="93000"/>
+              <a:satMod val="130000"/>
+            </a:schemeClr>
+          </a:gs>
+          <a:gs pos="100000">
+            <a:schemeClr val="phClr">
+              <a:shade val="94000"/>
+              <a:satMod val="135000"/>
+            </a:schemeClr>
+          </a:gs>
+        </a:gsLst>
+        <a:lin ang="16200000" scaled="0"/>
+      </a:gradFill>
+    </a:fillStyleLst>
+    <a:lnStyleLst>
+      <a:ln w="9525" cap="flat" cmpd="sng" algn="ctr">
+        <a:solidFill>
+          <a:schemeClr val="phClr">
+            <a:shade val="95000"/>
+            <a:satMod val="105000"/>
+          </a:schemeClr>
+        </a:solidFill>
+        <a:prstDash val="solid"/>
+      </a:ln>
+      <a:ln w="25400" cap="flat" cmpd="sng" algn="ctr">
+        <a:solidFill>
+          <a:schemeClr val="phClr"/>
+        </a:solidFill>
+        <a:prstDash val="solid"/>
+      </a:ln>
+      <a:ln w="38100" cap="flat" cmpd="sng" algn="ctr">
+        <a:solidFill>
+          <a:schemeClr val="phClr"/>
+        </a:solidFill>
+        <a:prstDash val="solid"/>
+      </a:ln>
+    </a:lnStyleLst>
+    <a:effectStyleLst>
+      <a:effectStyle>
+        <a:effectLst>
+          <a:outerShdw blurRad="40000" dist="20000" dir="5400000" rotWithShape="0">
+            <a:srgbClr val="000000">
+              <a:alpha val="38000"/>
+            </a:srgbClr>
+          </a:outerShdw>
+        </a:effectLst>
+      </a:effectStyle>
+      <a:effectStyle>
+        <a:effectLst>
+          <a:outerShdw blurRad="40000" dist="23000" dir="5400000" rotWithShape="0">
+            <a:srgbClr val="000000">
+              <a:alpha val="35000"/>
+            </a:srgbClr>
+          </a:outerShdw>
+        </a:effectLst>
+      </a:effectStyle>
+      <a:effectStyle>
+        <a:effectLst>
+          <a:outerShdw blurRad="40000" dist="23000" dir="5400000" rotWithShape="0">
+            <a:srgbClr val="000000">
+              <a:alpha val="35000"/>
+            </a:srgbClr>
+          </a:outerShdw>
+        </a:effectLst>
+        <a:scene3d>
+          <a:camera prst="orthographicFront">
+            <a:rot lat="0" lon="0" rev="0"/>
+          </a:camera>
+          <a:lightRig rig="threePt" dir="t">
+            <a:rot lat="0" lon="0" rev="1200000"/>
+          </a:lightRig>
+        </a:scene3d>
+        <a:sp3d>
+          <a:bevelT w="63500" h="25400"/>
+        </a:sp3d>
+      </a:effectStyle>
+    </a:effectStyleLst>
+    <a:bgFillStyleLst>
+      <a:solidFill>
+        <a:schemeClr val="phClr"/>
+      </a:solidFill>
+      <a:gradFill rotWithShape="1">
+        <a:gsLst>
+          <a:gs pos="0">
+            <a:schemeClr val="phClr">
+              <a:tint val="40000"/>
+              <a:satMod val="350000"/>
+            </a:schemeClr>
+          </a:gs>
+          <a:gs pos="40000">
+            <a:schemeClr val="phClr">
+              <a:tint val="45000"/>
+              <a:shade val="99000"/>
+              <a:satMod val="350000"/>
+            </a:schemeClr>
+          </a:gs>
+          <a:gs pos="100000">
+            <a:schemeClr val="phClr">
+              <a:shade val="20000"/>
+              <a:satMod val="255000"/>
+            </a:schemeClr>
+          </a:gs>
+        </a:gsLst>
+        <a:path path="circle">
+          <a:fillToRect l="50000" t="-80000" r="50000" b="180000"/>
+        </a:path>
+      </a:gradFill>
+      <a:gradFill rotWithShape="1">
+        <a:gsLst>
+          <a:gs pos="0">
+            <a:schemeClr val="phClr">
+              <a:tint val="80000"/>
+              <a:satMod val="300000"/>
+            </a:schemeClr>
+          </a:gs>
+          <a:gs pos="100000">
+            <a:schemeClr val="phClr">
+              <a:shade val="30000"/>
+              <a:satMod val="200000"/>
+            </a:schemeClr>
+          </a:gs>
+        </a:gsLst>
+        <a:path path="circle">
+          <a:fillToRect l="50000" t="50000" r="50000" b="50000"/>
+        </a:path>
+      </a:gradFill>
+    </a:bgFillStyleLst>
+  </a:fmtScheme>
+</a:themeOverride>
 </file>
--- a/最終発表/最終発表.pptx
+++ b/最終発表/最終発表.pptx
@@ -6,13 +6,19 @@
   </p:sldMasterIdLst>
   <p:sldIdLst>
     <p:sldId id="256" r:id="rId2"/>
-    <p:sldId id="258" r:id="rId3"/>
-    <p:sldId id="265" r:id="rId4"/>
-    <p:sldId id="260" r:id="rId5"/>
-    <p:sldId id="264" r:id="rId6"/>
-    <p:sldId id="266" r:id="rId7"/>
-    <p:sldId id="267" r:id="rId8"/>
-    <p:sldId id="268" r:id="rId9"/>
+    <p:sldId id="268" r:id="rId3"/>
+    <p:sldId id="258" r:id="rId4"/>
+    <p:sldId id="265" r:id="rId5"/>
+    <p:sldId id="260" r:id="rId6"/>
+    <p:sldId id="264" r:id="rId7"/>
+    <p:sldId id="266" r:id="rId8"/>
+    <p:sldId id="267" r:id="rId9"/>
+    <p:sldId id="269" r:id="rId10"/>
+    <p:sldId id="270" r:id="rId11"/>
+    <p:sldId id="271" r:id="rId12"/>
+    <p:sldId id="272" r:id="rId13"/>
+    <p:sldId id="273" r:id="rId14"/>
+    <p:sldId id="274" r:id="rId15"/>
   </p:sldIdLst>
   <p:sldSz cx="12192000" cy="6858000"/>
   <p:notesSz cx="6858000" cy="9144000"/>
@@ -548,11 +554,11 @@
           <c:showBubbleSize val="0"/>
         </c:dLbls>
         <c:smooth val="0"/>
-        <c:axId val="284108608"/>
-        <c:axId val="284110568"/>
+        <c:axId val="291777328"/>
+        <c:axId val="291779288"/>
       </c:lineChart>
       <c:dateAx>
-        <c:axId val="284108608"/>
+        <c:axId val="291777328"/>
         <c:scaling>
           <c:orientation val="minMax"/>
         </c:scaling>
@@ -562,14 +568,14 @@
         <c:majorTickMark val="out"/>
         <c:minorTickMark val="none"/>
         <c:tickLblPos val="nextTo"/>
-        <c:crossAx val="284110568"/>
+        <c:crossAx val="291779288"/>
         <c:crosses val="autoZero"/>
         <c:auto val="1"/>
         <c:lblOffset val="100"/>
         <c:baseTimeUnit val="days"/>
       </c:dateAx>
       <c:valAx>
-        <c:axId val="284110568"/>
+        <c:axId val="291779288"/>
         <c:scaling>
           <c:orientation val="minMax"/>
         </c:scaling>
@@ -590,7 +596,7 @@
             <a:endParaRPr lang="ja-JP"/>
           </a:p>
         </c:txPr>
-        <c:crossAx val="284108608"/>
+        <c:crossAx val="291777328"/>
         <c:crosses val="autoZero"/>
         <c:crossBetween val="between"/>
       </c:valAx>
@@ -3786,14 +3792,35 @@
         </p:nvSpPr>
         <p:spPr/>
         <p:txBody>
-          <a:bodyPr/>
+          <a:bodyPr>
+            <a:normAutofit/>
+          </a:bodyPr>
           <a:lstStyle/>
           <a:p>
             <a:r>
               <a:rPr kumimoji="1" lang="ja-JP" altLang="en-US" dirty="0" smtClean="0"/>
-              <a:t>最終発表</a:t>
-            </a:r>
-            <a:endParaRPr kumimoji="1" lang="ja-JP" altLang="en-US" dirty="0"/>
+              <a:t>最終</a:t>
+            </a:r>
+            <a:r>
+              <a:rPr kumimoji="1" lang="ja-JP" altLang="en-US" dirty="0" smtClean="0"/>
+              <a:t>発表</a:t>
+            </a:r>
+            <a:r>
+              <a:rPr lang="en-US" altLang="ja-JP" dirty="0"/>
+              <a:t/>
+            </a:r>
+            <a:br>
+              <a:rPr lang="en-US" altLang="ja-JP" dirty="0"/>
+            </a:br>
+            <a:r>
+              <a:rPr lang="en-US" altLang="ja-JP" sz="3200" dirty="0"/>
+              <a:t>QR</a:t>
+            </a:r>
+            <a:r>
+              <a:rPr lang="ja-JP" altLang="en-US" sz="3200" dirty="0"/>
+              <a:t>コードを使い，野菜の詳細情報を伝えるシステム</a:t>
+            </a:r>
+            <a:endParaRPr kumimoji="1" lang="ja-JP" altLang="en-US" sz="3200" dirty="0"/>
           </a:p>
         </p:txBody>
       </p:sp>
@@ -3807,9 +3834,16 @@
             <p:ph type="subTitle" idx="1"/>
           </p:nvPr>
         </p:nvSpPr>
-        <p:spPr/>
-        <p:txBody>
-          <a:bodyPr/>
+        <p:spPr>
+          <a:xfrm>
+            <a:off x="1524000" y="4310492"/>
+            <a:ext cx="9144000" cy="409789"/>
+          </a:xfrm>
+        </p:spPr>
+        <p:txBody>
+          <a:bodyPr>
+            <a:normAutofit lnSpcReduction="10000"/>
+          </a:bodyPr>
           <a:lstStyle/>
           <a:p>
             <a:r>
@@ -3824,7 +3858,76 @@
               <a:rPr kumimoji="1" lang="ja-JP" altLang="en-US" dirty="0" smtClean="0"/>
               <a:t>班</a:t>
             </a:r>
+            <a:endParaRPr lang="en-US" altLang="ja-JP" dirty="0"/>
+          </a:p>
+          <a:p>
+            <a:pPr algn="r"/>
             <a:endParaRPr kumimoji="1" lang="ja-JP" altLang="en-US" dirty="0"/>
+          </a:p>
+        </p:txBody>
+      </p:sp>
+      <p:sp>
+        <p:nvSpPr>
+          <p:cNvPr id="4" name="テキスト ボックス 3"/>
+          <p:cNvSpPr txBox="1"/>
+          <p:nvPr/>
+        </p:nvSpPr>
+        <p:spPr>
+          <a:xfrm>
+            <a:off x="8830963" y="4992129"/>
+            <a:ext cx="3220994" cy="1200329"/>
+          </a:xfrm>
+          <a:prstGeom prst="rect">
+            <a:avLst/>
+          </a:prstGeom>
+          <a:noFill/>
+        </p:spPr>
+        <p:txBody>
+          <a:bodyPr wrap="square" rtlCol="0">
+            <a:spAutoFit/>
+          </a:bodyPr>
+          <a:lstStyle/>
+          <a:p>
+            <a:r>
+              <a:rPr lang="en-US" altLang="ja-JP" dirty="0"/>
+              <a:t>1342014</a:t>
+            </a:r>
+            <a:r>
+              <a:rPr lang="ja-JP" altLang="en-US" dirty="0"/>
+              <a:t>　泉雄太</a:t>
+            </a:r>
+            <a:endParaRPr lang="en-US" altLang="ja-JP" dirty="0"/>
+          </a:p>
+          <a:p>
+            <a:r>
+              <a:rPr lang="en-US" altLang="ja-JP" dirty="0"/>
+              <a:t>1342011</a:t>
+            </a:r>
+            <a:r>
+              <a:rPr lang="ja-JP" altLang="en-US" dirty="0"/>
+              <a:t>　石川大貴</a:t>
+            </a:r>
+          </a:p>
+          <a:p>
+            <a:r>
+              <a:rPr lang="en-US" altLang="ja-JP" dirty="0"/>
+              <a:t>1342066</a:t>
+            </a:r>
+            <a:r>
+              <a:rPr lang="ja-JP" altLang="en-US" dirty="0"/>
+              <a:t>　島田樹</a:t>
+            </a:r>
+          </a:p>
+          <a:p>
+            <a:r>
+              <a:rPr lang="en-US" altLang="ja-JP" dirty="0"/>
+              <a:t>1342100</a:t>
+            </a:r>
+            <a:r>
+              <a:rPr lang="ja-JP" altLang="en-US" dirty="0"/>
+              <a:t>　春川直幸</a:t>
+            </a:r>
+            <a:endParaRPr lang="ja-JP" altLang="en-US" dirty="0"/>
           </a:p>
         </p:txBody>
       </p:sp>
@@ -3841,7 +3944,7 @@
 </p:sld>
 </file>
 
-<file path=ppt/slides/slide2.xml><?xml version="1.0" encoding="utf-8"?>
+<file path=ppt/slides/slide10.xml><?xml version="1.0" encoding="utf-8"?>
 <p:sld xmlns:a="http://schemas.openxmlformats.org/drawingml/2006/main" xmlns:r="http://schemas.openxmlformats.org/officeDocument/2006/relationships" xmlns:p="http://schemas.openxmlformats.org/presentationml/2006/main">
   <p:cSld>
     <p:spTree>
@@ -3860,78 +3963,13 @@
       </p:grpSpPr>
       <p:sp>
         <p:nvSpPr>
-          <p:cNvPr id="2" name="タイトル 1"/>
-          <p:cNvSpPr>
-            <a:spLocks noGrp="1"/>
-          </p:cNvSpPr>
-          <p:nvPr>
-            <p:ph type="title"/>
-          </p:nvPr>
-        </p:nvSpPr>
-        <p:spPr>
-          <a:xfrm>
-            <a:off x="838200" y="373363"/>
-            <a:ext cx="10515600" cy="1325563"/>
-          </a:xfrm>
-        </p:spPr>
-        <p:txBody>
-          <a:bodyPr>
-            <a:normAutofit/>
-          </a:bodyPr>
-          <a:lstStyle/>
-          <a:p>
-            <a:r>
-              <a:rPr lang="ja-JP" altLang="en-US" dirty="0">
-                <a:solidFill>
-                  <a:srgbClr val="00B0F0"/>
-                </a:solidFill>
-              </a:rPr>
-              <a:t>Ｑ</a:t>
-            </a:r>
-            <a:r>
-              <a:rPr lang="ja-JP" altLang="en-US" dirty="0"/>
-              <a:t>ＣＤ</a:t>
-            </a:r>
-            <a:r>
-              <a:rPr kumimoji="1" lang="ja-JP" altLang="en-US" dirty="0" smtClean="0"/>
-              <a:t>評価</a:t>
-            </a:r>
-            <a:r>
-              <a:rPr kumimoji="1" lang="en-US" altLang="ja-JP" dirty="0" smtClean="0"/>
-              <a:t/>
-            </a:r>
-            <a:br>
-              <a:rPr kumimoji="1" lang="en-US" altLang="ja-JP" dirty="0" smtClean="0"/>
-            </a:br>
-            <a:r>
-              <a:rPr lang="en-US" altLang="ja-JP" sz="3200" dirty="0">
-                <a:solidFill>
-                  <a:srgbClr val="00B0F0"/>
-                </a:solidFill>
-              </a:rPr>
-              <a:t>Quality </a:t>
-            </a:r>
-            <a:r>
-              <a:rPr lang="en-US" altLang="ja-JP" sz="3200" dirty="0" smtClean="0">
-                <a:solidFill>
-                  <a:srgbClr val="00B0F0"/>
-                </a:solidFill>
-              </a:rPr>
-              <a:t>assessment</a:t>
-            </a:r>
-            <a:endParaRPr kumimoji="1" lang="ja-JP" altLang="en-US" sz="3200" dirty="0"/>
-          </a:p>
-        </p:txBody>
-      </p:sp>
-      <p:sp>
-        <p:nvSpPr>
-          <p:cNvPr id="4" name="角丸四角形 3"/>
+          <p:cNvPr id="7" name="角丸四角形 6"/>
           <p:cNvSpPr/>
           <p:nvPr/>
         </p:nvSpPr>
         <p:spPr>
           <a:xfrm>
-            <a:off x="1851454" y="1779372"/>
+            <a:off x="1851727" y="1770530"/>
             <a:ext cx="8454081" cy="1293341"/>
           </a:xfrm>
           <a:prstGeom prst="roundRect">
@@ -3958,50 +3996,34 @@
           <a:p>
             <a:pPr algn="ctr"/>
             <a:r>
-              <a:rPr lang="ja-JP" altLang="ja-JP" sz="2800" dirty="0"/>
-              <a:t>品質</a:t>
-            </a:r>
-            <a:r>
-              <a:rPr lang="ja-JP" altLang="ja-JP" sz="2800" dirty="0" smtClean="0"/>
-              <a:t>目標</a:t>
-            </a:r>
+              <a:rPr lang="ja-JP" altLang="en-US" sz="2800" dirty="0" smtClean="0"/>
+              <a:t>各種ドキュメント見直しと内部設計書は遅延</a:t>
+            </a:r>
+            <a:endParaRPr lang="en-US" altLang="ja-JP" sz="2800" dirty="0" smtClean="0"/>
+          </a:p>
+          <a:p>
+            <a:pPr algn="ctr"/>
             <a:r>
               <a:rPr lang="ja-JP" altLang="en-US" sz="2800" dirty="0"/>
-              <a:t>：</a:t>
+              <a:t>影響</a:t>
             </a:r>
             <a:r>
               <a:rPr lang="ja-JP" altLang="en-US" sz="2800" dirty="0" smtClean="0"/>
-              <a:t>システムテスト</a:t>
-            </a:r>
-            <a:r>
-              <a:rPr lang="ja-JP" altLang="en-US" sz="2800" dirty="0"/>
-              <a:t>の項目のうち８割以上</a:t>
-            </a:r>
-            <a:r>
-              <a:rPr lang="ja-JP" altLang="en-US" sz="2800" dirty="0" smtClean="0"/>
-              <a:t>を</a:t>
+              <a:t>はプログラムにも</a:t>
             </a:r>
             <a:endParaRPr lang="en-US" altLang="ja-JP" sz="2800" dirty="0" smtClean="0"/>
           </a:p>
-          <a:p>
-            <a:pPr algn="ctr"/>
-            <a:r>
-              <a:rPr lang="ja-JP" altLang="en-US" sz="2800" dirty="0" smtClean="0"/>
-              <a:t>成功させること</a:t>
-            </a:r>
-            <a:endParaRPr lang="en-US" altLang="ja-JP" sz="2800" dirty="0"/>
-          </a:p>
-        </p:txBody>
-      </p:sp>
-      <p:sp>
-        <p:nvSpPr>
-          <p:cNvPr id="5" name="角丸四角形 4"/>
+        </p:txBody>
+      </p:sp>
+      <p:sp>
+        <p:nvSpPr>
+          <p:cNvPr id="14" name="角丸四角形 13"/>
           <p:cNvSpPr/>
           <p:nvPr/>
         </p:nvSpPr>
         <p:spPr>
           <a:xfrm>
-            <a:off x="1851453" y="4440194"/>
+            <a:off x="1851453" y="4424324"/>
             <a:ext cx="8454082" cy="1293341"/>
           </a:xfrm>
           <a:prstGeom prst="roundRect">
@@ -4028,28 +4050,24 @@
           <a:p>
             <a:pPr algn="ctr"/>
             <a:r>
-              <a:rPr lang="ja-JP" altLang="ja-JP" sz="2800" dirty="0"/>
-              <a:t>テスト報告の</a:t>
-            </a:r>
-            <a:r>
-              <a:rPr lang="en-US" altLang="ja-JP" sz="2800" dirty="0"/>
-              <a:t>35</a:t>
-            </a:r>
-            <a:r>
-              <a:rPr lang="ja-JP" altLang="ja-JP" sz="2800" dirty="0"/>
-              <a:t>項目中</a:t>
-            </a:r>
-            <a:r>
-              <a:rPr lang="en-US" altLang="ja-JP" sz="2800" dirty="0"/>
-              <a:t>34</a:t>
-            </a:r>
-            <a:r>
-              <a:rPr lang="ja-JP" altLang="ja-JP" sz="2800" dirty="0"/>
-              <a:t>項目のチェックに成功</a:t>
-            </a:r>
-            <a:r>
-              <a:rPr lang="ja-JP" altLang="ja-JP" sz="2800" dirty="0" smtClean="0"/>
-              <a:t>した</a:t>
+              <a:rPr lang="ja-JP" altLang="en-US" sz="2800" dirty="0" smtClean="0"/>
+              <a:t>直接の原因は</a:t>
+            </a:r>
+            <a:r>
+              <a:rPr lang="en-US" altLang="ja-JP" sz="2800" dirty="0" smtClean="0"/>
+              <a:t>PM</a:t>
+            </a:r>
+            <a:r>
+              <a:rPr lang="ja-JP" altLang="en-US" sz="2800" dirty="0" smtClean="0"/>
+              <a:t>の体調不良</a:t>
+            </a:r>
+            <a:endParaRPr lang="en-US" altLang="ja-JP" sz="2800" dirty="0" smtClean="0"/>
+          </a:p>
+          <a:p>
+            <a:pPr algn="ctr"/>
+            <a:r>
+              <a:rPr kumimoji="1" lang="ja-JP" altLang="en-US" sz="2800" dirty="0" smtClean="0"/>
+              <a:t>根本にあるのは不十分なリスク洗い出し</a:t>
             </a:r>
             <a:endParaRPr kumimoji="1" lang="ja-JP" altLang="en-US" sz="2800" dirty="0"/>
           </a:p>
@@ -4057,7 +4075,161 @@
       </p:sp>
       <p:sp>
         <p:nvSpPr>
-          <p:cNvPr id="6" name="下矢印 5"/>
+          <p:cNvPr id="16" name="テキスト ボックス 15"/>
+          <p:cNvSpPr txBox="1"/>
+          <p:nvPr/>
+        </p:nvSpPr>
+        <p:spPr>
+          <a:xfrm>
+            <a:off x="5683351" y="3481938"/>
+            <a:ext cx="1655805" cy="369332"/>
+          </a:xfrm>
+          <a:prstGeom prst="rect">
+            <a:avLst/>
+          </a:prstGeom>
+          <a:noFill/>
+        </p:spPr>
+        <p:txBody>
+          <a:bodyPr wrap="square" rtlCol="0">
+            <a:spAutoFit/>
+          </a:bodyPr>
+          <a:lstStyle/>
+          <a:p>
+            <a:r>
+              <a:rPr kumimoji="1" lang="ja-JP" altLang="en-US" dirty="0" smtClean="0">
+                <a:solidFill>
+                  <a:schemeClr val="bg1"/>
+                </a:solidFill>
+              </a:rPr>
+              <a:t>なぜ？</a:t>
+            </a:r>
+            <a:endParaRPr kumimoji="1" lang="ja-JP" altLang="en-US" dirty="0">
+              <a:solidFill>
+                <a:schemeClr val="bg1"/>
+              </a:solidFill>
+            </a:endParaRPr>
+          </a:p>
+        </p:txBody>
+      </p:sp>
+      <p:sp>
+        <p:nvSpPr>
+          <p:cNvPr id="8" name="円形吹き出し 7"/>
+          <p:cNvSpPr/>
+          <p:nvPr/>
+        </p:nvSpPr>
+        <p:spPr>
+          <a:xfrm>
+            <a:off x="164757" y="1690688"/>
+            <a:ext cx="1521940" cy="1161535"/>
+          </a:xfrm>
+          <a:prstGeom prst="wedgeEllipseCallout">
+            <a:avLst>
+              <a:gd name="adj1" fmla="val 55766"/>
+              <a:gd name="adj2" fmla="val 40514"/>
+            </a:avLst>
+          </a:prstGeom>
+        </p:spPr>
+        <p:style>
+          <a:lnRef idx="2">
+            <a:schemeClr val="accent2">
+              <a:shade val="50000"/>
+            </a:schemeClr>
+          </a:lnRef>
+          <a:fillRef idx="1">
+            <a:schemeClr val="accent2"/>
+          </a:fillRef>
+          <a:effectRef idx="0">
+            <a:schemeClr val="accent2"/>
+          </a:effectRef>
+          <a:fontRef idx="minor">
+            <a:schemeClr val="lt1"/>
+          </a:fontRef>
+        </p:style>
+        <p:txBody>
+          <a:bodyPr rtlCol="0" anchor="ctr"/>
+          <a:lstStyle/>
+          <a:p>
+            <a:pPr algn="ctr"/>
+            <a:r>
+              <a:rPr lang="ja-JP" altLang="en-US" sz="2400" dirty="0" smtClean="0"/>
+              <a:t>しか</a:t>
+            </a:r>
+            <a:r>
+              <a:rPr lang="ja-JP" altLang="en-US" sz="2400" dirty="0"/>
+              <a:t>し</a:t>
+            </a:r>
+            <a:endParaRPr kumimoji="1" lang="ja-JP" altLang="en-US" sz="2400" dirty="0"/>
+          </a:p>
+        </p:txBody>
+      </p:sp>
+      <p:sp>
+        <p:nvSpPr>
+          <p:cNvPr id="9" name="タイトル 1"/>
+          <p:cNvSpPr>
+            <a:spLocks noGrp="1"/>
+          </p:cNvSpPr>
+          <p:nvPr>
+            <p:ph type="title"/>
+          </p:nvPr>
+        </p:nvSpPr>
+        <p:spPr>
+          <a:xfrm>
+            <a:off x="838200" y="373363"/>
+            <a:ext cx="10515600" cy="1325563"/>
+          </a:xfrm>
+        </p:spPr>
+        <p:txBody>
+          <a:bodyPr>
+            <a:normAutofit/>
+          </a:bodyPr>
+          <a:lstStyle/>
+          <a:p>
+            <a:r>
+              <a:rPr lang="ja-JP" altLang="en-US" dirty="0"/>
+              <a:t>ＱＣ</a:t>
+            </a:r>
+            <a:r>
+              <a:rPr lang="ja-JP" altLang="en-US" dirty="0">
+                <a:solidFill>
+                  <a:srgbClr val="00B0F0"/>
+                </a:solidFill>
+              </a:rPr>
+              <a:t>Ｄ</a:t>
+            </a:r>
+            <a:r>
+              <a:rPr kumimoji="1" lang="ja-JP" altLang="en-US" dirty="0" smtClean="0"/>
+              <a:t>評価</a:t>
+            </a:r>
+            <a:r>
+              <a:rPr kumimoji="1" lang="en-US" altLang="ja-JP" dirty="0" smtClean="0"/>
+              <a:t/>
+            </a:r>
+            <a:br>
+              <a:rPr kumimoji="1" lang="en-US" altLang="ja-JP" dirty="0" smtClean="0"/>
+            </a:br>
+            <a:r>
+              <a:rPr lang="en-US" altLang="ja-JP" sz="3200" dirty="0">
+                <a:solidFill>
+                  <a:srgbClr val="00B0F0"/>
+                </a:solidFill>
+              </a:rPr>
+              <a:t>Delivery</a:t>
+            </a:r>
+            <a:r>
+              <a:rPr lang="en-US" altLang="ja-JP" sz="3200" dirty="0" smtClean="0">
+                <a:solidFill>
+                  <a:srgbClr val="00B0F0"/>
+                </a:solidFill>
+              </a:rPr>
+              <a:t> assessment</a:t>
+            </a:r>
+            <a:endParaRPr kumimoji="1" lang="ja-JP" altLang="en-US" sz="3200" dirty="0"/>
+          </a:p>
+        </p:txBody>
+      </p:sp>
+      <p:sp>
+        <p:nvSpPr>
+          <p:cNvPr id="10" name="下矢印 9"/>
           <p:cNvSpPr/>
           <p:nvPr/>
         </p:nvSpPr>
@@ -4091,14 +4263,52 @@
           <a:lstStyle/>
           <a:p>
             <a:pPr algn="ctr"/>
-            <a:endParaRPr kumimoji="1" lang="ja-JP" altLang="en-US" dirty="0"/>
+            <a:endParaRPr kumimoji="1" lang="ja-JP" altLang="en-US"/>
+          </a:p>
+        </p:txBody>
+      </p:sp>
+      <p:sp>
+        <p:nvSpPr>
+          <p:cNvPr id="4" name="テキスト ボックス 3"/>
+          <p:cNvSpPr txBox="1"/>
+          <p:nvPr/>
+        </p:nvSpPr>
+        <p:spPr>
+          <a:xfrm>
+            <a:off x="5769847" y="3768465"/>
+            <a:ext cx="741406" cy="369332"/>
+          </a:xfrm>
+          <a:prstGeom prst="rect">
+            <a:avLst/>
+          </a:prstGeom>
+          <a:noFill/>
+        </p:spPr>
+        <p:txBody>
+          <a:bodyPr wrap="square" rtlCol="0">
+            <a:spAutoFit/>
+          </a:bodyPr>
+          <a:lstStyle/>
+          <a:p>
+            <a:r>
+              <a:rPr kumimoji="1" lang="ja-JP" altLang="en-US" dirty="0" smtClean="0">
+                <a:solidFill>
+                  <a:schemeClr val="bg1"/>
+                </a:solidFill>
+              </a:rPr>
+              <a:t>なぜ</a:t>
+            </a:r>
+            <a:endParaRPr kumimoji="1" lang="ja-JP" altLang="en-US" dirty="0">
+              <a:solidFill>
+                <a:schemeClr val="bg1"/>
+              </a:solidFill>
+            </a:endParaRPr>
           </a:p>
         </p:txBody>
       </p:sp>
     </p:spTree>
     <p:extLst>
       <p:ext uri="{BB962C8B-B14F-4D97-AF65-F5344CB8AC3E}">
-        <p14:creationId xmlns:p14="http://schemas.microsoft.com/office/powerpoint/2010/main" val="2053477789"/>
+        <p14:creationId xmlns:p14="http://schemas.microsoft.com/office/powerpoint/2010/main" val="4133060176"/>
       </p:ext>
     </p:extLst>
   </p:cSld>
@@ -4108,7 +4318,7 @@
 </p:sld>
 </file>
 
-<file path=ppt/slides/slide3.xml><?xml version="1.0" encoding="utf-8"?>
+<file path=ppt/slides/slide11.xml><?xml version="1.0" encoding="utf-8"?>
 <p:sld xmlns:a="http://schemas.openxmlformats.org/drawingml/2006/main" xmlns:r="http://schemas.openxmlformats.org/officeDocument/2006/relationships" xmlns:p="http://schemas.openxmlformats.org/presentationml/2006/main">
   <p:cSld>
     <p:spTree>
@@ -4127,73 +4337,13 @@
       </p:grpSpPr>
       <p:sp>
         <p:nvSpPr>
-          <p:cNvPr id="2" name="タイトル 1"/>
-          <p:cNvSpPr>
-            <a:spLocks noGrp="1"/>
-          </p:cNvSpPr>
-          <p:nvPr>
-            <p:ph type="title"/>
-          </p:nvPr>
-        </p:nvSpPr>
-        <p:spPr/>
-        <p:txBody>
-          <a:bodyPr>
-            <a:normAutofit/>
-          </a:bodyPr>
-          <a:lstStyle/>
-          <a:p>
-            <a:r>
-              <a:rPr lang="ja-JP" altLang="en-US" dirty="0">
-                <a:solidFill>
-                  <a:srgbClr val="00B0F0"/>
-                </a:solidFill>
-              </a:rPr>
-              <a:t>Ｑ</a:t>
-            </a:r>
-            <a:r>
-              <a:rPr lang="ja-JP" altLang="en-US" dirty="0"/>
-              <a:t>ＣＤ</a:t>
-            </a:r>
-            <a:r>
-              <a:rPr kumimoji="1" lang="ja-JP" altLang="en-US" dirty="0" smtClean="0"/>
-              <a:t>評価</a:t>
-            </a:r>
-            <a:r>
-              <a:rPr kumimoji="1" lang="en-US" altLang="ja-JP" dirty="0" smtClean="0"/>
-              <a:t/>
-            </a:r>
-            <a:br>
-              <a:rPr kumimoji="1" lang="en-US" altLang="ja-JP" dirty="0" smtClean="0"/>
-            </a:br>
-            <a:r>
-              <a:rPr lang="en-US" altLang="ja-JP" sz="3200" dirty="0">
-                <a:solidFill>
-                  <a:srgbClr val="00B0F0"/>
-                </a:solidFill>
-              </a:rPr>
-              <a:t>Quality </a:t>
-            </a:r>
-            <a:r>
-              <a:rPr lang="en-US" altLang="ja-JP" sz="3200" dirty="0" smtClean="0">
-                <a:solidFill>
-                  <a:srgbClr val="00B0F0"/>
-                </a:solidFill>
-              </a:rPr>
-              <a:t>assessment</a:t>
-            </a:r>
-            <a:endParaRPr kumimoji="1" lang="ja-JP" altLang="en-US" sz="3200" dirty="0"/>
-          </a:p>
-        </p:txBody>
-      </p:sp>
-      <p:sp>
-        <p:nvSpPr>
-          <p:cNvPr id="7" name="角丸四角形 6"/>
+          <p:cNvPr id="6" name="角丸四角形 5"/>
           <p:cNvSpPr/>
           <p:nvPr/>
         </p:nvSpPr>
         <p:spPr>
           <a:xfrm>
-            <a:off x="1851727" y="1770530"/>
+            <a:off x="1851454" y="1779372"/>
             <a:ext cx="8454081" cy="1293341"/>
           </a:xfrm>
           <a:prstGeom prst="roundRect">
@@ -4220,30 +4370,69 @@
           <a:p>
             <a:pPr algn="ctr"/>
             <a:r>
-              <a:rPr lang="ja-JP" altLang="en-US" sz="2800" dirty="0" smtClean="0">
-                <a:solidFill>
-                  <a:prstClr val="black"/>
-                </a:solidFill>
-              </a:rPr>
-              <a:t>ユーザビリティの面では品質が高いとはいえない</a:t>
-            </a:r>
-            <a:endParaRPr lang="en-US" altLang="ja-JP" sz="2800" dirty="0" smtClean="0">
-              <a:solidFill>
-                <a:prstClr val="black"/>
-              </a:solidFill>
-            </a:endParaRPr>
-          </a:p>
-        </p:txBody>
-      </p:sp>
-      <p:sp>
-        <p:nvSpPr>
-          <p:cNvPr id="14" name="角丸四角形 13"/>
+              <a:rPr lang="ja-JP" altLang="en-US" sz="2800" dirty="0" smtClean="0"/>
+              <a:t>より正確なリスク洗い出しを行う</a:t>
+            </a:r>
+            <a:endParaRPr lang="en-US" altLang="ja-JP" sz="2800" dirty="0"/>
+          </a:p>
+        </p:txBody>
+      </p:sp>
+      <p:sp>
+        <p:nvSpPr>
+          <p:cNvPr id="11" name="円形吹き出し 10"/>
           <p:cNvSpPr/>
           <p:nvPr/>
         </p:nvSpPr>
         <p:spPr>
           <a:xfrm>
-            <a:off x="1851727" y="4068887"/>
+            <a:off x="164757" y="1690688"/>
+            <a:ext cx="1521940" cy="1161535"/>
+          </a:xfrm>
+          <a:prstGeom prst="wedgeEllipseCallout">
+            <a:avLst>
+              <a:gd name="adj1" fmla="val 55766"/>
+              <a:gd name="adj2" fmla="val 40514"/>
+            </a:avLst>
+          </a:prstGeom>
+        </p:spPr>
+        <p:style>
+          <a:lnRef idx="2">
+            <a:schemeClr val="accent2">
+              <a:shade val="50000"/>
+            </a:schemeClr>
+          </a:lnRef>
+          <a:fillRef idx="1">
+            <a:schemeClr val="accent2"/>
+          </a:fillRef>
+          <a:effectRef idx="0">
+            <a:schemeClr val="accent2"/>
+          </a:effectRef>
+          <a:fontRef idx="minor">
+            <a:schemeClr val="lt1"/>
+          </a:fontRef>
+        </p:style>
+        <p:txBody>
+          <a:bodyPr rtlCol="0" anchor="ctr"/>
+          <a:lstStyle/>
+          <a:p>
+            <a:pPr algn="ctr"/>
+            <a:r>
+              <a:rPr kumimoji="1" lang="ja-JP" altLang="en-US" sz="2400" dirty="0" smtClean="0"/>
+              <a:t>なので</a:t>
+            </a:r>
+            <a:endParaRPr kumimoji="1" lang="ja-JP" altLang="en-US" sz="2400" dirty="0"/>
+          </a:p>
+        </p:txBody>
+      </p:sp>
+      <p:sp>
+        <p:nvSpPr>
+          <p:cNvPr id="12" name="角丸四角形 11"/>
+          <p:cNvSpPr/>
+          <p:nvPr/>
+        </p:nvSpPr>
+        <p:spPr>
+          <a:xfrm>
+            <a:off x="1851453" y="4440194"/>
             <a:ext cx="8454082" cy="1293341"/>
           </a:xfrm>
           <a:prstGeom prst="roundRect">
@@ -4270,31 +4459,31 @@
           <a:p>
             <a:pPr algn="ctr"/>
             <a:r>
-              <a:rPr lang="ja-JP" altLang="en-US" sz="2800" dirty="0" smtClean="0">
-                <a:solidFill>
-                  <a:prstClr val="black"/>
-                </a:solidFill>
-              </a:rPr>
-              <a:t>本システムは高齢者の方が使用する可能性が高い</a:t>
-            </a:r>
-            <a:endParaRPr lang="ja-JP" altLang="en-US" sz="2800" dirty="0">
-              <a:solidFill>
-                <a:prstClr val="black"/>
-              </a:solidFill>
-            </a:endParaRPr>
-          </a:p>
-        </p:txBody>
-      </p:sp>
-      <p:sp>
-        <p:nvSpPr>
-          <p:cNvPr id="15" name="下矢印 14"/>
+              <a:rPr lang="ja-JP" altLang="en-US" sz="2800" dirty="0" smtClean="0"/>
+              <a:t>９つの知識エリアをフレームワークとした</a:t>
+            </a:r>
+            <a:endParaRPr lang="en-US" altLang="ja-JP" sz="2800" dirty="0" smtClean="0"/>
+          </a:p>
+          <a:p>
+            <a:pPr algn="ctr"/>
+            <a:r>
+              <a:rPr lang="ja-JP" altLang="en-US" sz="2800" dirty="0" smtClean="0"/>
+              <a:t>影響要因別リスクマトリックスを作成</a:t>
+            </a:r>
+            <a:endParaRPr lang="en-US" altLang="ja-JP" sz="2800" dirty="0"/>
+          </a:p>
+        </p:txBody>
+      </p:sp>
+      <p:sp>
+        <p:nvSpPr>
+          <p:cNvPr id="13" name="下矢印 12"/>
           <p:cNvSpPr/>
           <p:nvPr/>
         </p:nvSpPr>
         <p:spPr>
           <a:xfrm>
-            <a:off x="5555664" y="3129773"/>
-            <a:ext cx="1046206" cy="873211"/>
+            <a:off x="5567748" y="3146854"/>
+            <a:ext cx="1021492" cy="1194487"/>
           </a:xfrm>
           <a:prstGeom prst="downArrow">
             <a:avLst/>
@@ -4321,24 +4510,85 @@
           <a:lstStyle/>
           <a:p>
             <a:pPr algn="ctr"/>
-            <a:endParaRPr lang="ja-JP" altLang="en-US">
-              <a:solidFill>
-                <a:prstClr val="white"/>
-              </a:solidFill>
-            </a:endParaRPr>
-          </a:p>
-        </p:txBody>
-      </p:sp>
-      <p:sp>
-        <p:nvSpPr>
-          <p:cNvPr id="16" name="テキスト ボックス 15"/>
+            <a:endParaRPr kumimoji="1" lang="ja-JP" altLang="en-US"/>
+          </a:p>
+        </p:txBody>
+      </p:sp>
+      <p:sp>
+        <p:nvSpPr>
+          <p:cNvPr id="8" name="タイトル 1"/>
+          <p:cNvSpPr>
+            <a:spLocks noGrp="1"/>
+          </p:cNvSpPr>
+          <p:nvPr>
+            <p:ph type="title"/>
+          </p:nvPr>
+        </p:nvSpPr>
+        <p:spPr>
+          <a:xfrm>
+            <a:off x="838200" y="373363"/>
+            <a:ext cx="10515600" cy="1325563"/>
+          </a:xfrm>
+        </p:spPr>
+        <p:txBody>
+          <a:bodyPr>
+            <a:normAutofit/>
+          </a:bodyPr>
+          <a:lstStyle/>
+          <a:p>
+            <a:r>
+              <a:rPr lang="ja-JP" altLang="en-US" dirty="0"/>
+              <a:t>ＱＣ</a:t>
+            </a:r>
+            <a:r>
+              <a:rPr lang="ja-JP" altLang="en-US" dirty="0">
+                <a:solidFill>
+                  <a:srgbClr val="00B0F0"/>
+                </a:solidFill>
+              </a:rPr>
+              <a:t>Ｄ</a:t>
+            </a:r>
+            <a:r>
+              <a:rPr kumimoji="1" lang="ja-JP" altLang="en-US" dirty="0" smtClean="0"/>
+              <a:t>評価</a:t>
+            </a:r>
+            <a:r>
+              <a:rPr kumimoji="1" lang="en-US" altLang="ja-JP" dirty="0" smtClean="0"/>
+              <a:t/>
+            </a:r>
+            <a:br>
+              <a:rPr kumimoji="1" lang="en-US" altLang="ja-JP" dirty="0" smtClean="0"/>
+            </a:br>
+            <a:r>
+              <a:rPr lang="en-US" altLang="ja-JP" sz="3200" dirty="0">
+                <a:solidFill>
+                  <a:srgbClr val="00B0F0"/>
+                </a:solidFill>
+              </a:rPr>
+              <a:t>Delivery</a:t>
+            </a:r>
+            <a:r>
+              <a:rPr lang="en-US" altLang="ja-JP" sz="3200" dirty="0" smtClean="0">
+                <a:solidFill>
+                  <a:srgbClr val="00B0F0"/>
+                </a:solidFill>
+              </a:rPr>
+              <a:t> assessment</a:t>
+            </a:r>
+            <a:endParaRPr kumimoji="1" lang="ja-JP" altLang="en-US" sz="3200" dirty="0"/>
+          </a:p>
+        </p:txBody>
+      </p:sp>
+      <p:sp>
+        <p:nvSpPr>
+          <p:cNvPr id="9" name="テキスト ボックス 8"/>
           <p:cNvSpPr txBox="1"/>
           <p:nvPr/>
         </p:nvSpPr>
         <p:spPr>
           <a:xfrm>
-            <a:off x="5683351" y="3481938"/>
-            <a:ext cx="1655805" cy="369332"/>
+            <a:off x="5769847" y="3768465"/>
+            <a:ext cx="741406" cy="369332"/>
           </a:xfrm>
           <a:prstGeom prst="rect">
             <a:avLst/>
@@ -4352,18 +4602,148 @@
           <a:lstStyle/>
           <a:p>
             <a:r>
-              <a:rPr lang="ja-JP" altLang="en-US" dirty="0" smtClean="0">
-                <a:solidFill>
-                  <a:prstClr val="white"/>
+              <a:rPr lang="ja-JP" altLang="en-US" dirty="0">
+                <a:solidFill>
+                  <a:schemeClr val="bg1"/>
                 </a:solidFill>
               </a:rPr>
-              <a:t>なぜ？</a:t>
-            </a:r>
-            <a:endParaRPr lang="ja-JP" altLang="en-US" dirty="0">
+              <a:t>方法</a:t>
+            </a:r>
+            <a:endParaRPr kumimoji="1" lang="ja-JP" altLang="en-US" dirty="0">
               <a:solidFill>
-                <a:prstClr val="white"/>
+                <a:schemeClr val="bg1"/>
               </a:solidFill>
             </a:endParaRPr>
+          </a:p>
+        </p:txBody>
+      </p:sp>
+    </p:spTree>
+    <p:extLst>
+      <p:ext uri="{BB962C8B-B14F-4D97-AF65-F5344CB8AC3E}">
+        <p14:creationId xmlns:p14="http://schemas.microsoft.com/office/powerpoint/2010/main" val="412816011"/>
+      </p:ext>
+    </p:extLst>
+  </p:cSld>
+  <p:clrMapOvr>
+    <a:masterClrMapping/>
+  </p:clrMapOvr>
+</p:sld>
+</file>
+
+<file path=ppt/slides/slide12.xml><?xml version="1.0" encoding="utf-8"?>
+<p:sld xmlns:a="http://schemas.openxmlformats.org/drawingml/2006/main" xmlns:r="http://schemas.openxmlformats.org/officeDocument/2006/relationships" xmlns:p="http://schemas.openxmlformats.org/presentationml/2006/main">
+  <p:cSld>
+    <p:spTree>
+      <p:nvGrpSpPr>
+        <p:cNvPr id="1" name=""/>
+        <p:cNvGrpSpPr/>
+        <p:nvPr/>
+      </p:nvGrpSpPr>
+      <p:grpSpPr>
+        <a:xfrm>
+          <a:off x="0" y="0"/>
+          <a:ext cx="0" cy="0"/>
+          <a:chOff x="0" y="0"/>
+          <a:chExt cx="0" cy="0"/>
+        </a:xfrm>
+      </p:grpSpPr>
+      <p:sp>
+        <p:nvSpPr>
+          <p:cNvPr id="7" name="角丸四角形 6"/>
+          <p:cNvSpPr/>
+          <p:nvPr/>
+        </p:nvSpPr>
+        <p:spPr>
+          <a:xfrm>
+            <a:off x="1851727" y="1770530"/>
+            <a:ext cx="8454081" cy="1293341"/>
+          </a:xfrm>
+          <a:prstGeom prst="roundRect">
+            <a:avLst/>
+          </a:prstGeom>
+        </p:spPr>
+        <p:style>
+          <a:lnRef idx="2">
+            <a:schemeClr val="accent1"/>
+          </a:lnRef>
+          <a:fillRef idx="1">
+            <a:schemeClr val="lt1"/>
+          </a:fillRef>
+          <a:effectRef idx="0">
+            <a:schemeClr val="accent1"/>
+          </a:effectRef>
+          <a:fontRef idx="minor">
+            <a:schemeClr val="dk1"/>
+          </a:fontRef>
+        </p:style>
+        <p:txBody>
+          <a:bodyPr rtlCol="0" anchor="ctr"/>
+          <a:lstStyle/>
+          <a:p>
+            <a:pPr algn="ctr"/>
+            <a:r>
+              <a:rPr lang="ja-JP" altLang="en-US" sz="2800" dirty="0" smtClean="0"/>
+              <a:t>最終的に納期に間に合った理由はプログラミングが</a:t>
+            </a:r>
+            <a:endParaRPr lang="en-US" altLang="ja-JP" sz="2800" dirty="0" smtClean="0"/>
+          </a:p>
+          <a:p>
+            <a:pPr algn="ctr"/>
+            <a:r>
+              <a:rPr lang="ja-JP" altLang="en-US" sz="2800" dirty="0" smtClean="0"/>
+              <a:t>想定より早く終わったため</a:t>
+            </a:r>
+            <a:endParaRPr lang="en-US" altLang="ja-JP" sz="2800" dirty="0" smtClean="0"/>
+          </a:p>
+        </p:txBody>
+      </p:sp>
+      <p:sp>
+        <p:nvSpPr>
+          <p:cNvPr id="14" name="角丸四角形 13"/>
+          <p:cNvSpPr/>
+          <p:nvPr/>
+        </p:nvSpPr>
+        <p:spPr>
+          <a:xfrm>
+            <a:off x="1851453" y="4424324"/>
+            <a:ext cx="8454082" cy="1293341"/>
+          </a:xfrm>
+          <a:prstGeom prst="roundRect">
+            <a:avLst/>
+          </a:prstGeom>
+        </p:spPr>
+        <p:style>
+          <a:lnRef idx="2">
+            <a:schemeClr val="accent2"/>
+          </a:lnRef>
+          <a:fillRef idx="1">
+            <a:schemeClr val="lt1"/>
+          </a:fillRef>
+          <a:effectRef idx="0">
+            <a:schemeClr val="accent2"/>
+          </a:effectRef>
+          <a:fontRef idx="minor">
+            <a:schemeClr val="dk1"/>
+          </a:fontRef>
+        </p:style>
+        <p:txBody>
+          <a:bodyPr rtlCol="0" anchor="ctr"/>
+          <a:lstStyle/>
+          <a:p>
+            <a:pPr algn="ctr"/>
+            <a:r>
+              <a:rPr kumimoji="1" lang="ja-JP" altLang="en-US" sz="2800" dirty="0" smtClean="0"/>
+              <a:t>原因はプログラマの技術が想定より高かったことと</a:t>
+            </a:r>
+            <a:endParaRPr kumimoji="1" lang="en-US" altLang="ja-JP" sz="2800" dirty="0" smtClean="0"/>
+          </a:p>
+          <a:p>
+            <a:pPr algn="ctr"/>
+            <a:r>
+              <a:rPr kumimoji="1" lang="ja-JP" altLang="en-US" sz="2800" dirty="0" smtClean="0"/>
+              <a:t>良質な参考書物の存在</a:t>
+            </a:r>
+            <a:endParaRPr kumimoji="1" lang="ja-JP" altLang="en-US" sz="2800" dirty="0"/>
           </a:p>
         </p:txBody>
       </p:sp>
@@ -4407,28 +4787,126 @@
           <a:p>
             <a:pPr algn="ctr"/>
             <a:r>
-              <a:rPr lang="ja-JP" altLang="en-US" sz="2400" dirty="0" smtClean="0">
-                <a:solidFill>
-                  <a:prstClr val="white"/>
+              <a:rPr lang="ja-JP" altLang="en-US" sz="2400" dirty="0" smtClean="0"/>
+              <a:t>な</a:t>
+            </a:r>
+            <a:r>
+              <a:rPr lang="ja-JP" altLang="en-US" sz="2400" dirty="0"/>
+              <a:t>お</a:t>
+            </a:r>
+            <a:endParaRPr kumimoji="1" lang="ja-JP" altLang="en-US" sz="2400" dirty="0"/>
+          </a:p>
+        </p:txBody>
+      </p:sp>
+      <p:sp>
+        <p:nvSpPr>
+          <p:cNvPr id="9" name="タイトル 1"/>
+          <p:cNvSpPr>
+            <a:spLocks noGrp="1"/>
+          </p:cNvSpPr>
+          <p:nvPr>
+            <p:ph type="title"/>
+          </p:nvPr>
+        </p:nvSpPr>
+        <p:spPr>
+          <a:xfrm>
+            <a:off x="838200" y="373363"/>
+            <a:ext cx="10515600" cy="1325563"/>
+          </a:xfrm>
+        </p:spPr>
+        <p:txBody>
+          <a:bodyPr>
+            <a:normAutofit/>
+          </a:bodyPr>
+          <a:lstStyle/>
+          <a:p>
+            <a:r>
+              <a:rPr lang="ja-JP" altLang="en-US" dirty="0"/>
+              <a:t>ＱＣ</a:t>
+            </a:r>
+            <a:r>
+              <a:rPr lang="ja-JP" altLang="en-US" dirty="0">
+                <a:solidFill>
+                  <a:srgbClr val="00B0F0"/>
                 </a:solidFill>
               </a:rPr>
-              <a:t>しか</a:t>
-            </a:r>
-            <a:r>
-              <a:rPr lang="ja-JP" altLang="en-US" sz="2400" dirty="0">
-                <a:solidFill>
-                  <a:prstClr val="white"/>
+              <a:t>Ｄ</a:t>
+            </a:r>
+            <a:r>
+              <a:rPr kumimoji="1" lang="ja-JP" altLang="en-US" dirty="0" smtClean="0"/>
+              <a:t>評価</a:t>
+            </a:r>
+            <a:r>
+              <a:rPr kumimoji="1" lang="en-US" altLang="ja-JP" dirty="0" smtClean="0"/>
+              <a:t/>
+            </a:r>
+            <a:br>
+              <a:rPr kumimoji="1" lang="en-US" altLang="ja-JP" dirty="0" smtClean="0"/>
+            </a:br>
+            <a:r>
+              <a:rPr lang="en-US" altLang="ja-JP" sz="3200" dirty="0">
+                <a:solidFill>
+                  <a:srgbClr val="00B0F0"/>
                 </a:solidFill>
               </a:rPr>
-              <a:t>し</a:t>
-            </a:r>
+              <a:t>Delivery</a:t>
+            </a:r>
+            <a:r>
+              <a:rPr lang="en-US" altLang="ja-JP" sz="3200" dirty="0" smtClean="0">
+                <a:solidFill>
+                  <a:srgbClr val="00B0F0"/>
+                </a:solidFill>
+              </a:rPr>
+              <a:t> assessment</a:t>
+            </a:r>
+            <a:endParaRPr kumimoji="1" lang="ja-JP" altLang="en-US" sz="3200" dirty="0"/>
+          </a:p>
+        </p:txBody>
+      </p:sp>
+      <p:sp>
+        <p:nvSpPr>
+          <p:cNvPr id="10" name="下矢印 9"/>
+          <p:cNvSpPr/>
+          <p:nvPr/>
+        </p:nvSpPr>
+        <p:spPr>
+          <a:xfrm>
+            <a:off x="5567748" y="3146854"/>
+            <a:ext cx="1021492" cy="1194487"/>
+          </a:xfrm>
+          <a:prstGeom prst="downArrow">
+            <a:avLst/>
+          </a:prstGeom>
+        </p:spPr>
+        <p:style>
+          <a:lnRef idx="2">
+            <a:schemeClr val="accent1">
+              <a:shade val="50000"/>
+            </a:schemeClr>
+          </a:lnRef>
+          <a:fillRef idx="1">
+            <a:schemeClr val="accent1"/>
+          </a:fillRef>
+          <a:effectRef idx="0">
+            <a:schemeClr val="accent1"/>
+          </a:effectRef>
+          <a:fontRef idx="minor">
+            <a:schemeClr val="lt1"/>
+          </a:fontRef>
+        </p:style>
+        <p:txBody>
+          <a:bodyPr rtlCol="0" anchor="ctr"/>
+          <a:lstStyle/>
+          <a:p>
+            <a:pPr algn="ctr"/>
+            <a:endParaRPr kumimoji="1" lang="ja-JP" altLang="en-US"/>
           </a:p>
         </p:txBody>
       </p:sp>
     </p:spTree>
     <p:extLst>
       <p:ext uri="{BB962C8B-B14F-4D97-AF65-F5344CB8AC3E}">
-        <p14:creationId xmlns:p14="http://schemas.microsoft.com/office/powerpoint/2010/main" val="119292369"/>
+        <p14:creationId xmlns:p14="http://schemas.microsoft.com/office/powerpoint/2010/main" val="1243618555"/>
       </p:ext>
     </p:extLst>
   </p:cSld>
@@ -4438,7 +4916,7 @@
 </p:sld>
 </file>
 
-<file path=ppt/slides/slide4.xml><?xml version="1.0" encoding="utf-8"?>
+<file path=ppt/slides/slide13.xml><?xml version="1.0" encoding="utf-8"?>
 <p:sld xmlns:a="http://schemas.openxmlformats.org/drawingml/2006/main" xmlns:r="http://schemas.openxmlformats.org/officeDocument/2006/relationships" xmlns:p="http://schemas.openxmlformats.org/presentationml/2006/main">
   <p:cSld>
     <p:spTree>
@@ -4455,272 +4933,40 @@
           <a:chExt cx="0" cy="0"/>
         </a:xfrm>
       </p:grpSpPr>
-      <p:sp>
-        <p:nvSpPr>
-          <p:cNvPr id="2" name="タイトル 1"/>
-          <p:cNvSpPr>
-            <a:spLocks noGrp="1"/>
-          </p:cNvSpPr>
-          <p:nvPr>
-            <p:ph type="title"/>
-          </p:nvPr>
-        </p:nvSpPr>
-        <p:spPr/>
-        <p:txBody>
-          <a:bodyPr>
-            <a:normAutofit/>
-          </a:bodyPr>
-          <a:lstStyle/>
-          <a:p>
-            <a:r>
-              <a:rPr lang="ja-JP" altLang="en-US" dirty="0">
-                <a:solidFill>
-                  <a:srgbClr val="00B0F0"/>
-                </a:solidFill>
-              </a:rPr>
-              <a:t>Ｑ</a:t>
-            </a:r>
-            <a:r>
-              <a:rPr lang="ja-JP" altLang="en-US" dirty="0"/>
-              <a:t>ＣＤ</a:t>
-            </a:r>
-            <a:r>
-              <a:rPr kumimoji="1" lang="ja-JP" altLang="en-US" dirty="0" smtClean="0"/>
-              <a:t>評価</a:t>
-            </a:r>
-            <a:r>
-              <a:rPr kumimoji="1" lang="en-US" altLang="ja-JP" dirty="0" smtClean="0"/>
-              <a:t/>
-            </a:r>
-            <a:br>
-              <a:rPr kumimoji="1" lang="en-US" altLang="ja-JP" dirty="0" smtClean="0"/>
-            </a:br>
-            <a:r>
-              <a:rPr lang="en-US" altLang="ja-JP" sz="3200" dirty="0">
-                <a:solidFill>
-                  <a:srgbClr val="00B0F0"/>
-                </a:solidFill>
-              </a:rPr>
-              <a:t>Quality </a:t>
-            </a:r>
-            <a:r>
-              <a:rPr lang="en-US" altLang="ja-JP" sz="3200" dirty="0" smtClean="0">
-                <a:solidFill>
-                  <a:srgbClr val="00B0F0"/>
-                </a:solidFill>
-              </a:rPr>
-              <a:t>assessment</a:t>
-            </a:r>
-            <a:endParaRPr kumimoji="1" lang="ja-JP" altLang="en-US" sz="3200" dirty="0"/>
-          </a:p>
-        </p:txBody>
-      </p:sp>
-      <p:sp>
-        <p:nvSpPr>
-          <p:cNvPr id="6" name="角丸四角形 5"/>
-          <p:cNvSpPr/>
+      <p:pic>
+        <p:nvPicPr>
+          <p:cNvPr id="4" name="図 3"/>
+          <p:cNvPicPr>
+            <a:picLocks noChangeAspect="1"/>
+          </p:cNvPicPr>
           <p:nvPr/>
-        </p:nvSpPr>
-        <p:spPr>
-          <a:xfrm>
-            <a:off x="1851454" y="1779372"/>
-            <a:ext cx="8454081" cy="1293341"/>
-          </a:xfrm>
-          <a:prstGeom prst="roundRect">
+        </p:nvPicPr>
+        <p:blipFill>
+          <a:blip r:embed="rId2">
+            <a:extLst>
+              <a:ext uri="{28A0092B-C50C-407E-A947-70E740481C1C}">
+                <a14:useLocalDpi xmlns:a14="http://schemas.microsoft.com/office/drawing/2010/main" val="0"/>
+              </a:ext>
+            </a:extLst>
+          </a:blip>
+          <a:stretch>
+            <a:fillRect/>
+          </a:stretch>
+        </p:blipFill>
+        <p:spPr>
+          <a:xfrm>
+            <a:off x="3425550" y="0"/>
+            <a:ext cx="5340900" cy="6858000"/>
+          </a:xfrm>
+          <a:prstGeom prst="rect">
             <a:avLst/>
           </a:prstGeom>
         </p:spPr>
-        <p:style>
-          <a:lnRef idx="2">
-            <a:schemeClr val="accent1"/>
-          </a:lnRef>
-          <a:fillRef idx="1">
-            <a:schemeClr val="lt1"/>
-          </a:fillRef>
-          <a:effectRef idx="0">
-            <a:schemeClr val="accent1"/>
-          </a:effectRef>
-          <a:fontRef idx="minor">
-            <a:schemeClr val="dk1"/>
-          </a:fontRef>
-        </p:style>
-        <p:txBody>
-          <a:bodyPr rtlCol="0" anchor="ctr"/>
-          <a:lstStyle/>
-          <a:p>
-            <a:pPr algn="ctr"/>
-            <a:r>
-              <a:rPr lang="ja-JP" altLang="en-US" sz="2800" dirty="0" smtClean="0"/>
-              <a:t>アクセシビリティ向上を図る</a:t>
-            </a:r>
-            <a:endParaRPr lang="en-US" altLang="ja-JP" sz="2800" dirty="0" smtClean="0"/>
-          </a:p>
-          <a:p>
-            <a:pPr algn="ctr"/>
-            <a:r>
-              <a:rPr lang="en-US" altLang="ja-JP" sz="2000" dirty="0" smtClean="0"/>
-              <a:t>※</a:t>
-            </a:r>
-            <a:r>
-              <a:rPr lang="ja-JP" altLang="en-US" sz="2000" dirty="0" smtClean="0"/>
-              <a:t>アクセシビリティ：ハンディを持つ人にとってどの程度利用しやすいか</a:t>
-            </a:r>
-            <a:endParaRPr lang="en-US" altLang="ja-JP" sz="2000" dirty="0"/>
-          </a:p>
-        </p:txBody>
-      </p:sp>
-      <p:sp>
-        <p:nvSpPr>
-          <p:cNvPr id="11" name="円形吹き出し 10"/>
-          <p:cNvSpPr/>
-          <p:nvPr/>
-        </p:nvSpPr>
-        <p:spPr>
-          <a:xfrm>
-            <a:off x="164757" y="1690688"/>
-            <a:ext cx="1521940" cy="1161535"/>
-          </a:xfrm>
-          <a:prstGeom prst="wedgeEllipseCallout">
-            <a:avLst>
-              <a:gd name="adj1" fmla="val 55766"/>
-              <a:gd name="adj2" fmla="val 40514"/>
-            </a:avLst>
-          </a:prstGeom>
-        </p:spPr>
-        <p:style>
-          <a:lnRef idx="2">
-            <a:schemeClr val="accent2">
-              <a:shade val="50000"/>
-            </a:schemeClr>
-          </a:lnRef>
-          <a:fillRef idx="1">
-            <a:schemeClr val="accent2"/>
-          </a:fillRef>
-          <a:effectRef idx="0">
-            <a:schemeClr val="accent2"/>
-          </a:effectRef>
-          <a:fontRef idx="minor">
-            <a:schemeClr val="lt1"/>
-          </a:fontRef>
-        </p:style>
-        <p:txBody>
-          <a:bodyPr rtlCol="0" anchor="ctr"/>
-          <a:lstStyle/>
-          <a:p>
-            <a:pPr algn="ctr"/>
-            <a:r>
-              <a:rPr kumimoji="1" lang="ja-JP" altLang="en-US" sz="2400" dirty="0" smtClean="0"/>
-              <a:t>なので</a:t>
-            </a:r>
-            <a:endParaRPr kumimoji="1" lang="ja-JP" altLang="en-US" sz="2400" dirty="0"/>
-          </a:p>
-        </p:txBody>
-      </p:sp>
-      <p:sp>
-        <p:nvSpPr>
-          <p:cNvPr id="12" name="角丸四角形 11"/>
-          <p:cNvSpPr/>
-          <p:nvPr/>
-        </p:nvSpPr>
-        <p:spPr>
-          <a:xfrm>
-            <a:off x="1851453" y="4440194"/>
-            <a:ext cx="8454082" cy="1293341"/>
-          </a:xfrm>
-          <a:prstGeom prst="roundRect">
-            <a:avLst/>
-          </a:prstGeom>
-        </p:spPr>
-        <p:style>
-          <a:lnRef idx="2">
-            <a:schemeClr val="accent2"/>
-          </a:lnRef>
-          <a:fillRef idx="1">
-            <a:schemeClr val="lt1"/>
-          </a:fillRef>
-          <a:effectRef idx="0">
-            <a:schemeClr val="accent2"/>
-          </a:effectRef>
-          <a:fontRef idx="minor">
-            <a:schemeClr val="dk1"/>
-          </a:fontRef>
-        </p:style>
-        <p:txBody>
-          <a:bodyPr rtlCol="0" anchor="ctr"/>
-          <a:lstStyle/>
-          <a:p>
-            <a:pPr algn="ctr"/>
-            <a:r>
-              <a:rPr kumimoji="1" lang="en-US" altLang="ja-JP" sz="2800" dirty="0" smtClean="0"/>
-              <a:t>WCAG</a:t>
-            </a:r>
-            <a:r>
-              <a:rPr kumimoji="1" lang="ja-JP" altLang="en-US" sz="2800" dirty="0" smtClean="0"/>
-              <a:t>に則ったアクセシビリティチェックリストの使用</a:t>
-            </a:r>
-            <a:endParaRPr kumimoji="1" lang="en-US" altLang="ja-JP" sz="2800" dirty="0" smtClean="0"/>
-          </a:p>
-          <a:p>
-            <a:pPr algn="ctr"/>
-            <a:r>
-              <a:rPr lang="en-US" altLang="ja-JP" sz="2000" dirty="0" smtClean="0"/>
-              <a:t>※WCAG</a:t>
-            </a:r>
-            <a:r>
-              <a:rPr lang="ja-JP" altLang="en-US" sz="2000" dirty="0" smtClean="0"/>
-              <a:t>：</a:t>
-            </a:r>
-            <a:r>
-              <a:rPr lang="en-US" altLang="ja-JP" sz="2000" dirty="0"/>
-              <a:t>Web Content Accessibility Guidelines</a:t>
-            </a:r>
-          </a:p>
-        </p:txBody>
-      </p:sp>
-      <p:sp>
-        <p:nvSpPr>
-          <p:cNvPr id="13" name="下矢印 12"/>
-          <p:cNvSpPr/>
-          <p:nvPr/>
-        </p:nvSpPr>
-        <p:spPr>
-          <a:xfrm>
-            <a:off x="5567748" y="3146854"/>
-            <a:ext cx="1021492" cy="1194487"/>
-          </a:xfrm>
-          <a:prstGeom prst="downArrow">
-            <a:avLst/>
-          </a:prstGeom>
-        </p:spPr>
-        <p:style>
-          <a:lnRef idx="2">
-            <a:schemeClr val="accent1">
-              <a:shade val="50000"/>
-            </a:schemeClr>
-          </a:lnRef>
-          <a:fillRef idx="1">
-            <a:schemeClr val="accent1"/>
-          </a:fillRef>
-          <a:effectRef idx="0">
-            <a:schemeClr val="accent1"/>
-          </a:effectRef>
-          <a:fontRef idx="minor">
-            <a:schemeClr val="lt1"/>
-          </a:fontRef>
-        </p:style>
-        <p:txBody>
-          <a:bodyPr rtlCol="0" anchor="ctr"/>
-          <a:lstStyle/>
-          <a:p>
-            <a:pPr algn="ctr"/>
-            <a:endParaRPr kumimoji="1" lang="ja-JP" altLang="en-US"/>
-          </a:p>
-        </p:txBody>
-      </p:sp>
+      </p:pic>
     </p:spTree>
     <p:extLst>
       <p:ext uri="{BB962C8B-B14F-4D97-AF65-F5344CB8AC3E}">
-        <p14:creationId xmlns:p14="http://schemas.microsoft.com/office/powerpoint/2010/main" val="2924618613"/>
+        <p14:creationId xmlns:p14="http://schemas.microsoft.com/office/powerpoint/2010/main" val="1730505135"/>
       </p:ext>
     </p:extLst>
   </p:cSld>
@@ -4730,7 +4976,7 @@
 </p:sld>
 </file>
 
-<file path=ppt/slides/slide5.xml><?xml version="1.0" encoding="utf-8"?>
+<file path=ppt/slides/slide14.xml><?xml version="1.0" encoding="utf-8"?>
 <p:sld xmlns:a="http://schemas.openxmlformats.org/drawingml/2006/main" xmlns:r="http://schemas.openxmlformats.org/officeDocument/2006/relationships" xmlns:p="http://schemas.openxmlformats.org/presentationml/2006/main">
   <p:cSld>
     <p:spTree>
@@ -4749,276 +4995,38 @@
       </p:grpSpPr>
       <p:sp>
         <p:nvSpPr>
-          <p:cNvPr id="2" name="タイトル 1"/>
-          <p:cNvSpPr>
-            <a:spLocks noGrp="1"/>
-          </p:cNvSpPr>
-          <p:nvPr>
-            <p:ph type="title"/>
-          </p:nvPr>
-        </p:nvSpPr>
-        <p:spPr>
-          <a:xfrm>
-            <a:off x="838200" y="373363"/>
-            <a:ext cx="10515600" cy="1325563"/>
-          </a:xfrm>
-        </p:spPr>
-        <p:txBody>
-          <a:bodyPr>
-            <a:normAutofit/>
-          </a:bodyPr>
-          <a:lstStyle/>
-          <a:p>
-            <a:r>
-              <a:rPr lang="ja-JP" altLang="en-US" dirty="0"/>
-              <a:t>Ｑ</a:t>
-            </a:r>
-            <a:r>
-              <a:rPr lang="ja-JP" altLang="en-US" dirty="0">
-                <a:solidFill>
-                  <a:srgbClr val="00B0F0"/>
-                </a:solidFill>
-              </a:rPr>
-              <a:t>Ｃ</a:t>
-            </a:r>
-            <a:r>
-              <a:rPr lang="ja-JP" altLang="en-US" dirty="0"/>
-              <a:t>Ｄ</a:t>
-            </a:r>
-            <a:r>
-              <a:rPr kumimoji="1" lang="ja-JP" altLang="en-US" dirty="0" smtClean="0"/>
-              <a:t>評価</a:t>
-            </a:r>
-            <a:r>
-              <a:rPr kumimoji="1" lang="en-US" altLang="ja-JP" dirty="0" smtClean="0"/>
-              <a:t/>
-            </a:r>
-            <a:br>
-              <a:rPr kumimoji="1" lang="en-US" altLang="ja-JP" dirty="0" smtClean="0"/>
-            </a:br>
-            <a:r>
-              <a:rPr lang="en-US" altLang="ja-JP" sz="3200" dirty="0" smtClean="0">
-                <a:solidFill>
-                  <a:srgbClr val="00B0F0"/>
-                </a:solidFill>
-              </a:rPr>
-              <a:t>Cost</a:t>
-            </a:r>
-            <a:r>
-              <a:rPr lang="en-US" altLang="ja-JP" dirty="0" smtClean="0"/>
-              <a:t> </a:t>
-            </a:r>
-            <a:r>
-              <a:rPr lang="en-US" altLang="ja-JP" sz="3200" dirty="0" smtClean="0">
-                <a:solidFill>
-                  <a:srgbClr val="00B0F0"/>
-                </a:solidFill>
-              </a:rPr>
-              <a:t>assessment</a:t>
-            </a:r>
-            <a:endParaRPr kumimoji="1" lang="ja-JP" altLang="en-US" sz="3200" dirty="0"/>
-          </a:p>
-        </p:txBody>
-      </p:sp>
-      <p:sp>
-        <p:nvSpPr>
-          <p:cNvPr id="4" name="角丸四角形 3"/>
-          <p:cNvSpPr/>
+          <p:cNvPr id="4" name="テキスト ボックス 3"/>
+          <p:cNvSpPr txBox="1"/>
           <p:nvPr/>
         </p:nvSpPr>
         <p:spPr>
           <a:xfrm>
-            <a:off x="1851454" y="1779372"/>
-            <a:ext cx="8454081" cy="1293341"/>
-          </a:xfrm>
-          <a:prstGeom prst="roundRect">
+            <a:off x="4407243" y="2619632"/>
+            <a:ext cx="3509319" cy="1569660"/>
+          </a:xfrm>
+          <a:prstGeom prst="rect">
             <a:avLst/>
           </a:prstGeom>
-        </p:spPr>
-        <p:style>
-          <a:lnRef idx="2">
-            <a:schemeClr val="accent1"/>
-          </a:lnRef>
-          <a:fillRef idx="1">
-            <a:schemeClr val="lt1"/>
-          </a:fillRef>
-          <a:effectRef idx="0">
-            <a:schemeClr val="accent1"/>
-          </a:effectRef>
-          <a:fontRef idx="minor">
-            <a:schemeClr val="dk1"/>
-          </a:fontRef>
-        </p:style>
-        <p:txBody>
-          <a:bodyPr rtlCol="0" anchor="ctr"/>
-          <a:lstStyle/>
-          <a:p>
-            <a:pPr algn="ctr"/>
-            <a:r>
-              <a:rPr lang="ja-JP" altLang="en-US" sz="2800" dirty="0">
-                <a:solidFill>
-                  <a:prstClr val="black"/>
-                </a:solidFill>
-              </a:rPr>
-              <a:t>コスト</a:t>
-            </a:r>
-            <a:r>
-              <a:rPr lang="ja-JP" altLang="ja-JP" sz="2800" dirty="0" smtClean="0">
-                <a:solidFill>
-                  <a:prstClr val="black"/>
-                </a:solidFill>
-              </a:rPr>
-              <a:t>目標</a:t>
-            </a:r>
-            <a:r>
-              <a:rPr lang="ja-JP" altLang="en-US" sz="2800" dirty="0" smtClean="0">
-                <a:solidFill>
-                  <a:prstClr val="black"/>
-                </a:solidFill>
-              </a:rPr>
-              <a:t>：下流工程の想定</a:t>
-            </a:r>
-            <a:r>
-              <a:rPr lang="ja-JP" altLang="en-US" sz="2800" dirty="0">
-                <a:solidFill>
-                  <a:prstClr val="black"/>
-                </a:solidFill>
-              </a:rPr>
-              <a:t>作業時間は</a:t>
-            </a:r>
-            <a:r>
-              <a:rPr lang="en-US" altLang="ja-JP" sz="2800" dirty="0">
-                <a:solidFill>
-                  <a:prstClr val="black"/>
-                </a:solidFill>
-              </a:rPr>
-              <a:t>280</a:t>
-            </a:r>
-            <a:r>
-              <a:rPr lang="ja-JP" altLang="en-US" sz="2800" dirty="0" smtClean="0">
-                <a:solidFill>
-                  <a:prstClr val="black"/>
-                </a:solidFill>
-              </a:rPr>
-              <a:t>時間</a:t>
-            </a:r>
-          </a:p>
-        </p:txBody>
-      </p:sp>
-      <p:sp>
-        <p:nvSpPr>
-          <p:cNvPr id="5" name="角丸四角形 4"/>
-          <p:cNvSpPr/>
-          <p:nvPr/>
-        </p:nvSpPr>
-        <p:spPr>
-          <a:xfrm>
-            <a:off x="1851453" y="4440194"/>
-            <a:ext cx="8454082" cy="1293341"/>
-          </a:xfrm>
-          <a:prstGeom prst="roundRect">
-            <a:avLst/>
-          </a:prstGeom>
-        </p:spPr>
-        <p:style>
-          <a:lnRef idx="2">
-            <a:schemeClr val="accent2"/>
-          </a:lnRef>
-          <a:fillRef idx="1">
-            <a:schemeClr val="lt1"/>
-          </a:fillRef>
-          <a:effectRef idx="0">
-            <a:schemeClr val="accent2"/>
-          </a:effectRef>
-          <a:fontRef idx="minor">
-            <a:schemeClr val="dk1"/>
-          </a:fontRef>
-        </p:style>
-        <p:txBody>
-          <a:bodyPr rtlCol="0" anchor="ctr"/>
-          <a:lstStyle/>
-          <a:p>
-            <a:pPr algn="ctr"/>
-            <a:r>
-              <a:rPr lang="ja-JP" altLang="en-US" sz="2800" dirty="0" smtClean="0">
-                <a:solidFill>
-                  <a:prstClr val="black"/>
-                </a:solidFill>
-              </a:rPr>
-              <a:t>実際に掛かった時間は</a:t>
-            </a:r>
-            <a:r>
-              <a:rPr lang="en-US" altLang="ja-JP" sz="2800" dirty="0" smtClean="0">
-                <a:solidFill>
-                  <a:prstClr val="black"/>
-                </a:solidFill>
-              </a:rPr>
-              <a:t>213</a:t>
-            </a:r>
-            <a:r>
-              <a:rPr lang="ja-JP" altLang="en-US" sz="2800" dirty="0" smtClean="0">
-                <a:solidFill>
-                  <a:prstClr val="black"/>
-                </a:solidFill>
-              </a:rPr>
-              <a:t>時間であった</a:t>
-            </a:r>
-            <a:endParaRPr lang="ja-JP" altLang="en-US" sz="2800" dirty="0">
-              <a:solidFill>
-                <a:prstClr val="black"/>
-              </a:solidFill>
-            </a:endParaRPr>
-          </a:p>
-        </p:txBody>
-      </p:sp>
-      <p:sp>
-        <p:nvSpPr>
-          <p:cNvPr id="6" name="下矢印 5"/>
-          <p:cNvSpPr/>
-          <p:nvPr/>
-        </p:nvSpPr>
-        <p:spPr>
-          <a:xfrm>
-            <a:off x="5567748" y="3146854"/>
-            <a:ext cx="1021492" cy="1194487"/>
-          </a:xfrm>
-          <a:prstGeom prst="downArrow">
-            <a:avLst/>
-          </a:prstGeom>
-        </p:spPr>
-        <p:style>
-          <a:lnRef idx="2">
-            <a:schemeClr val="accent1">
-              <a:shade val="50000"/>
-            </a:schemeClr>
-          </a:lnRef>
-          <a:fillRef idx="1">
-            <a:schemeClr val="accent1"/>
-          </a:fillRef>
-          <a:effectRef idx="0">
-            <a:schemeClr val="accent1"/>
-          </a:effectRef>
-          <a:fontRef idx="minor">
-            <a:schemeClr val="lt1"/>
-          </a:fontRef>
-        </p:style>
-        <p:txBody>
-          <a:bodyPr rtlCol="0" anchor="ctr"/>
-          <a:lstStyle/>
-          <a:p>
-            <a:pPr algn="ctr"/>
-            <a:endParaRPr lang="ja-JP" altLang="en-US" dirty="0">
-              <a:solidFill>
-                <a:prstClr val="white"/>
-              </a:solidFill>
-            </a:endParaRPr>
+          <a:noFill/>
+        </p:spPr>
+        <p:txBody>
+          <a:bodyPr wrap="square" rtlCol="0">
+            <a:spAutoFit/>
+          </a:bodyPr>
+          <a:lstStyle/>
+          <a:p>
+            <a:r>
+              <a:rPr kumimoji="1" lang="ja-JP" altLang="en-US" sz="9600" dirty="0" smtClean="0"/>
+              <a:t>まとめ</a:t>
+            </a:r>
+            <a:endParaRPr kumimoji="1" lang="ja-JP" altLang="en-US" sz="9600" dirty="0"/>
           </a:p>
         </p:txBody>
       </p:sp>
     </p:spTree>
     <p:extLst>
       <p:ext uri="{BB962C8B-B14F-4D97-AF65-F5344CB8AC3E}">
-        <p14:creationId xmlns:p14="http://schemas.microsoft.com/office/powerpoint/2010/main" val="464894918"/>
+        <p14:creationId xmlns:p14="http://schemas.microsoft.com/office/powerpoint/2010/main" val="3678058989"/>
       </p:ext>
     </p:extLst>
   </p:cSld>
@@ -5028,694 +5036,7 @@
 </p:sld>
 </file>
 
-<file path=ppt/slides/slide6.xml><?xml version="1.0" encoding="utf-8"?>
-<p:sld xmlns:a="http://schemas.openxmlformats.org/drawingml/2006/main" xmlns:r="http://schemas.openxmlformats.org/officeDocument/2006/relationships" xmlns:p="http://schemas.openxmlformats.org/presentationml/2006/main">
-  <p:cSld>
-    <p:spTree>
-      <p:nvGrpSpPr>
-        <p:cNvPr id="1" name=""/>
-        <p:cNvGrpSpPr/>
-        <p:nvPr/>
-      </p:nvGrpSpPr>
-      <p:grpSpPr>
-        <a:xfrm>
-          <a:off x="0" y="0"/>
-          <a:ext cx="0" cy="0"/>
-          <a:chOff x="0" y="0"/>
-          <a:chExt cx="0" cy="0"/>
-        </a:xfrm>
-      </p:grpSpPr>
-      <p:sp>
-        <p:nvSpPr>
-          <p:cNvPr id="2" name="タイトル 1"/>
-          <p:cNvSpPr>
-            <a:spLocks noGrp="1"/>
-          </p:cNvSpPr>
-          <p:nvPr>
-            <p:ph type="title"/>
-          </p:nvPr>
-        </p:nvSpPr>
-        <p:spPr/>
-        <p:txBody>
-          <a:bodyPr>
-            <a:normAutofit/>
-          </a:bodyPr>
-          <a:lstStyle/>
-          <a:p>
-            <a:r>
-              <a:rPr lang="ja-JP" altLang="en-US" dirty="0">
-                <a:solidFill>
-                  <a:prstClr val="black"/>
-                </a:solidFill>
-              </a:rPr>
-              <a:t>Ｑ</a:t>
-            </a:r>
-            <a:r>
-              <a:rPr lang="ja-JP" altLang="en-US" dirty="0">
-                <a:solidFill>
-                  <a:srgbClr val="00B0F0"/>
-                </a:solidFill>
-              </a:rPr>
-              <a:t>Ｃ</a:t>
-            </a:r>
-            <a:r>
-              <a:rPr lang="ja-JP" altLang="en-US" dirty="0">
-                <a:solidFill>
-                  <a:prstClr val="black"/>
-                </a:solidFill>
-              </a:rPr>
-              <a:t>Ｄ評価</a:t>
-            </a:r>
-            <a:r>
-              <a:rPr lang="en-US" altLang="ja-JP" dirty="0">
-                <a:solidFill>
-                  <a:prstClr val="black"/>
-                </a:solidFill>
-              </a:rPr>
-              <a:t/>
-            </a:r>
-            <a:br>
-              <a:rPr lang="en-US" altLang="ja-JP" dirty="0">
-                <a:solidFill>
-                  <a:prstClr val="black"/>
-                </a:solidFill>
-              </a:rPr>
-            </a:br>
-            <a:r>
-              <a:rPr lang="en-US" altLang="ja-JP" sz="3200" dirty="0">
-                <a:solidFill>
-                  <a:srgbClr val="00B0F0"/>
-                </a:solidFill>
-              </a:rPr>
-              <a:t>Cost</a:t>
-            </a:r>
-            <a:r>
-              <a:rPr lang="en-US" altLang="ja-JP" dirty="0">
-                <a:solidFill>
-                  <a:prstClr val="black"/>
-                </a:solidFill>
-              </a:rPr>
-              <a:t> </a:t>
-            </a:r>
-            <a:r>
-              <a:rPr lang="en-US" altLang="ja-JP" sz="3200" dirty="0">
-                <a:solidFill>
-                  <a:srgbClr val="00B0F0"/>
-                </a:solidFill>
-              </a:rPr>
-              <a:t>assessment</a:t>
-            </a:r>
-            <a:endParaRPr kumimoji="1" lang="ja-JP" altLang="en-US" sz="3200" dirty="0"/>
-          </a:p>
-        </p:txBody>
-      </p:sp>
-      <p:sp>
-        <p:nvSpPr>
-          <p:cNvPr id="7" name="角丸四角形 6"/>
-          <p:cNvSpPr/>
-          <p:nvPr/>
-        </p:nvSpPr>
-        <p:spPr>
-          <a:xfrm>
-            <a:off x="1868959" y="1770529"/>
-            <a:ext cx="8454081" cy="1293341"/>
-          </a:xfrm>
-          <a:prstGeom prst="roundRect">
-            <a:avLst/>
-          </a:prstGeom>
-        </p:spPr>
-        <p:style>
-          <a:lnRef idx="2">
-            <a:schemeClr val="accent1"/>
-          </a:lnRef>
-          <a:fillRef idx="1">
-            <a:schemeClr val="lt1"/>
-          </a:fillRef>
-          <a:effectRef idx="0">
-            <a:schemeClr val="accent1"/>
-          </a:effectRef>
-          <a:fontRef idx="minor">
-            <a:schemeClr val="dk1"/>
-          </a:fontRef>
-        </p:style>
-        <p:txBody>
-          <a:bodyPr rtlCol="0" anchor="ctr"/>
-          <a:lstStyle/>
-          <a:p>
-            <a:pPr algn="ctr"/>
-            <a:r>
-              <a:rPr lang="ja-JP" altLang="ja-JP" sz="2800" dirty="0"/>
-              <a:t>成果物ごとの計画稼働時間が想定作業時間の見積と異なった</a:t>
-            </a:r>
-            <a:endParaRPr lang="en-US" altLang="ja-JP" sz="2800" dirty="0" smtClean="0">
-              <a:solidFill>
-                <a:prstClr val="black"/>
-              </a:solidFill>
-            </a:endParaRPr>
-          </a:p>
-        </p:txBody>
-      </p:sp>
-      <p:sp>
-        <p:nvSpPr>
-          <p:cNvPr id="14" name="角丸四角形 13"/>
-          <p:cNvSpPr/>
-          <p:nvPr/>
-        </p:nvSpPr>
-        <p:spPr>
-          <a:xfrm>
-            <a:off x="1851727" y="4068887"/>
-            <a:ext cx="8454082" cy="1293341"/>
-          </a:xfrm>
-          <a:prstGeom prst="roundRect">
-            <a:avLst/>
-          </a:prstGeom>
-        </p:spPr>
-        <p:style>
-          <a:lnRef idx="2">
-            <a:schemeClr val="accent2"/>
-          </a:lnRef>
-          <a:fillRef idx="1">
-            <a:schemeClr val="lt1"/>
-          </a:fillRef>
-          <a:effectRef idx="0">
-            <a:schemeClr val="accent2"/>
-          </a:effectRef>
-          <a:fontRef idx="minor">
-            <a:schemeClr val="dk1"/>
-          </a:fontRef>
-        </p:style>
-        <p:txBody>
-          <a:bodyPr rtlCol="0" anchor="ctr"/>
-          <a:lstStyle/>
-          <a:p>
-            <a:pPr algn="ctr"/>
-            <a:r>
-              <a:rPr lang="ja-JP" altLang="ja-JP" sz="2800" dirty="0"/>
-              <a:t>作業を引き継いだ際</a:t>
-            </a:r>
-            <a:r>
-              <a:rPr lang="ja-JP" altLang="ja-JP" sz="2800" dirty="0" smtClean="0"/>
-              <a:t>に成果物</a:t>
-            </a:r>
-            <a:r>
-              <a:rPr lang="ja-JP" altLang="ja-JP" sz="2800" dirty="0"/>
-              <a:t>ごとのコスト見積</a:t>
-            </a:r>
-            <a:r>
-              <a:rPr lang="ja-JP" altLang="ja-JP" sz="2800" dirty="0" smtClean="0"/>
-              <a:t>の</a:t>
-            </a:r>
-            <a:r>
-              <a:rPr lang="ja-JP" altLang="en-US" sz="2800" dirty="0" smtClean="0"/>
-              <a:t>　　　</a:t>
-            </a:r>
-            <a:r>
-              <a:rPr lang="ja-JP" altLang="ja-JP" sz="2800" dirty="0" smtClean="0"/>
-              <a:t>見直し</a:t>
-            </a:r>
-            <a:r>
-              <a:rPr lang="ja-JP" altLang="ja-JP" sz="2800" dirty="0"/>
-              <a:t>が</a:t>
-            </a:r>
-            <a:r>
-              <a:rPr lang="ja-JP" altLang="ja-JP" sz="2800" dirty="0" smtClean="0"/>
-              <a:t>甘</a:t>
-            </a:r>
-            <a:r>
-              <a:rPr lang="ja-JP" altLang="en-US" sz="2800" dirty="0" smtClean="0"/>
-              <a:t>かった</a:t>
-            </a:r>
-            <a:endParaRPr lang="ja-JP" altLang="en-US" sz="2800" dirty="0">
-              <a:solidFill>
-                <a:prstClr val="black"/>
-              </a:solidFill>
-            </a:endParaRPr>
-          </a:p>
-        </p:txBody>
-      </p:sp>
-      <p:sp>
-        <p:nvSpPr>
-          <p:cNvPr id="15" name="下矢印 14"/>
-          <p:cNvSpPr/>
-          <p:nvPr/>
-        </p:nvSpPr>
-        <p:spPr>
-          <a:xfrm>
-            <a:off x="5555664" y="3129773"/>
-            <a:ext cx="1046206" cy="873211"/>
-          </a:xfrm>
-          <a:prstGeom prst="downArrow">
-            <a:avLst/>
-          </a:prstGeom>
-        </p:spPr>
-        <p:style>
-          <a:lnRef idx="2">
-            <a:schemeClr val="accent1">
-              <a:shade val="50000"/>
-            </a:schemeClr>
-          </a:lnRef>
-          <a:fillRef idx="1">
-            <a:schemeClr val="accent1"/>
-          </a:fillRef>
-          <a:effectRef idx="0">
-            <a:schemeClr val="accent1"/>
-          </a:effectRef>
-          <a:fontRef idx="minor">
-            <a:schemeClr val="lt1"/>
-          </a:fontRef>
-        </p:style>
-        <p:txBody>
-          <a:bodyPr rtlCol="0" anchor="ctr"/>
-          <a:lstStyle/>
-          <a:p>
-            <a:pPr algn="ctr"/>
-            <a:endParaRPr lang="ja-JP" altLang="en-US">
-              <a:solidFill>
-                <a:prstClr val="white"/>
-              </a:solidFill>
-            </a:endParaRPr>
-          </a:p>
-        </p:txBody>
-      </p:sp>
-      <p:sp>
-        <p:nvSpPr>
-          <p:cNvPr id="16" name="テキスト ボックス 15"/>
-          <p:cNvSpPr txBox="1"/>
-          <p:nvPr/>
-        </p:nvSpPr>
-        <p:spPr>
-          <a:xfrm>
-            <a:off x="5683351" y="3481938"/>
-            <a:ext cx="1655805" cy="369332"/>
-          </a:xfrm>
-          <a:prstGeom prst="rect">
-            <a:avLst/>
-          </a:prstGeom>
-          <a:noFill/>
-        </p:spPr>
-        <p:txBody>
-          <a:bodyPr wrap="square" rtlCol="0">
-            <a:spAutoFit/>
-          </a:bodyPr>
-          <a:lstStyle/>
-          <a:p>
-            <a:r>
-              <a:rPr lang="ja-JP" altLang="en-US" dirty="0" smtClean="0">
-                <a:solidFill>
-                  <a:prstClr val="white"/>
-                </a:solidFill>
-              </a:rPr>
-              <a:t>なぜ？</a:t>
-            </a:r>
-            <a:endParaRPr lang="ja-JP" altLang="en-US" dirty="0">
-              <a:solidFill>
-                <a:prstClr val="white"/>
-              </a:solidFill>
-            </a:endParaRPr>
-          </a:p>
-        </p:txBody>
-      </p:sp>
-      <p:sp>
-        <p:nvSpPr>
-          <p:cNvPr id="8" name="円形吹き出し 7"/>
-          <p:cNvSpPr/>
-          <p:nvPr/>
-        </p:nvSpPr>
-        <p:spPr>
-          <a:xfrm>
-            <a:off x="164757" y="1690688"/>
-            <a:ext cx="1521940" cy="1161535"/>
-          </a:xfrm>
-          <a:prstGeom prst="wedgeEllipseCallout">
-            <a:avLst>
-              <a:gd name="adj1" fmla="val 55766"/>
-              <a:gd name="adj2" fmla="val 40514"/>
-            </a:avLst>
-          </a:prstGeom>
-        </p:spPr>
-        <p:style>
-          <a:lnRef idx="2">
-            <a:schemeClr val="accent2">
-              <a:shade val="50000"/>
-            </a:schemeClr>
-          </a:lnRef>
-          <a:fillRef idx="1">
-            <a:schemeClr val="accent2"/>
-          </a:fillRef>
-          <a:effectRef idx="0">
-            <a:schemeClr val="accent2"/>
-          </a:effectRef>
-          <a:fontRef idx="minor">
-            <a:schemeClr val="lt1"/>
-          </a:fontRef>
-        </p:style>
-        <p:txBody>
-          <a:bodyPr rtlCol="0" anchor="ctr"/>
-          <a:lstStyle/>
-          <a:p>
-            <a:pPr algn="ctr"/>
-            <a:r>
-              <a:rPr lang="ja-JP" altLang="en-US" sz="2400" dirty="0" smtClean="0">
-                <a:solidFill>
-                  <a:prstClr val="white"/>
-                </a:solidFill>
-              </a:rPr>
-              <a:t>しか</a:t>
-            </a:r>
-            <a:r>
-              <a:rPr lang="ja-JP" altLang="en-US" sz="2400" dirty="0">
-                <a:solidFill>
-                  <a:prstClr val="white"/>
-                </a:solidFill>
-              </a:rPr>
-              <a:t>し</a:t>
-            </a:r>
-          </a:p>
-        </p:txBody>
-      </p:sp>
-    </p:spTree>
-    <p:extLst>
-      <p:ext uri="{BB962C8B-B14F-4D97-AF65-F5344CB8AC3E}">
-        <p14:creationId xmlns:p14="http://schemas.microsoft.com/office/powerpoint/2010/main" val="3744287521"/>
-      </p:ext>
-    </p:extLst>
-  </p:cSld>
-  <p:clrMapOvr>
-    <a:masterClrMapping/>
-  </p:clrMapOvr>
-</p:sld>
-</file>
-
-<file path=ppt/slides/slide7.xml><?xml version="1.0" encoding="utf-8"?>
-<p:sld xmlns:a="http://schemas.openxmlformats.org/drawingml/2006/main" xmlns:r="http://schemas.openxmlformats.org/officeDocument/2006/relationships" xmlns:p="http://schemas.openxmlformats.org/presentationml/2006/main">
-  <p:cSld>
-    <p:spTree>
-      <p:nvGrpSpPr>
-        <p:cNvPr id="1" name=""/>
-        <p:cNvGrpSpPr/>
-        <p:nvPr/>
-      </p:nvGrpSpPr>
-      <p:grpSpPr>
-        <a:xfrm>
-          <a:off x="0" y="0"/>
-          <a:ext cx="0" cy="0"/>
-          <a:chOff x="0" y="0"/>
-          <a:chExt cx="0" cy="0"/>
-        </a:xfrm>
-      </p:grpSpPr>
-      <p:sp>
-        <p:nvSpPr>
-          <p:cNvPr id="2" name="タイトル 1"/>
-          <p:cNvSpPr>
-            <a:spLocks noGrp="1"/>
-          </p:cNvSpPr>
-          <p:nvPr>
-            <p:ph type="title"/>
-          </p:nvPr>
-        </p:nvSpPr>
-        <p:spPr/>
-        <p:txBody>
-          <a:bodyPr>
-            <a:normAutofit/>
-          </a:bodyPr>
-          <a:lstStyle/>
-          <a:p>
-            <a:r>
-              <a:rPr lang="ja-JP" altLang="en-US" dirty="0">
-                <a:solidFill>
-                  <a:prstClr val="black"/>
-                </a:solidFill>
-              </a:rPr>
-              <a:t>Ｑ</a:t>
-            </a:r>
-            <a:r>
-              <a:rPr lang="ja-JP" altLang="en-US" dirty="0">
-                <a:solidFill>
-                  <a:srgbClr val="00B0F0"/>
-                </a:solidFill>
-              </a:rPr>
-              <a:t>Ｃ</a:t>
-            </a:r>
-            <a:r>
-              <a:rPr lang="ja-JP" altLang="en-US" dirty="0">
-                <a:solidFill>
-                  <a:prstClr val="black"/>
-                </a:solidFill>
-              </a:rPr>
-              <a:t>Ｄ評価</a:t>
-            </a:r>
-            <a:r>
-              <a:rPr lang="en-US" altLang="ja-JP" dirty="0">
-                <a:solidFill>
-                  <a:prstClr val="black"/>
-                </a:solidFill>
-              </a:rPr>
-              <a:t/>
-            </a:r>
-            <a:br>
-              <a:rPr lang="en-US" altLang="ja-JP" dirty="0">
-                <a:solidFill>
-                  <a:prstClr val="black"/>
-                </a:solidFill>
-              </a:rPr>
-            </a:br>
-            <a:r>
-              <a:rPr lang="en-US" altLang="ja-JP" sz="3200" dirty="0">
-                <a:solidFill>
-                  <a:srgbClr val="00B0F0"/>
-                </a:solidFill>
-              </a:rPr>
-              <a:t>Cost</a:t>
-            </a:r>
-            <a:r>
-              <a:rPr lang="en-US" altLang="ja-JP" dirty="0">
-                <a:solidFill>
-                  <a:prstClr val="black"/>
-                </a:solidFill>
-              </a:rPr>
-              <a:t> </a:t>
-            </a:r>
-            <a:r>
-              <a:rPr lang="en-US" altLang="ja-JP" sz="3200" dirty="0">
-                <a:solidFill>
-                  <a:srgbClr val="00B0F0"/>
-                </a:solidFill>
-              </a:rPr>
-              <a:t>assessment</a:t>
-            </a:r>
-            <a:endParaRPr kumimoji="1" lang="ja-JP" altLang="en-US" sz="3200" dirty="0"/>
-          </a:p>
-        </p:txBody>
-      </p:sp>
-      <p:sp>
-        <p:nvSpPr>
-          <p:cNvPr id="6" name="角丸四角形 5"/>
-          <p:cNvSpPr/>
-          <p:nvPr/>
-        </p:nvSpPr>
-        <p:spPr>
-          <a:xfrm>
-            <a:off x="1851454" y="1779372"/>
-            <a:ext cx="8454081" cy="1293341"/>
-          </a:xfrm>
-          <a:prstGeom prst="roundRect">
-            <a:avLst/>
-          </a:prstGeom>
-        </p:spPr>
-        <p:style>
-          <a:lnRef idx="2">
-            <a:schemeClr val="accent1"/>
-          </a:lnRef>
-          <a:fillRef idx="1">
-            <a:schemeClr val="lt1"/>
-          </a:fillRef>
-          <a:effectRef idx="0">
-            <a:schemeClr val="accent1"/>
-          </a:effectRef>
-          <a:fontRef idx="minor">
-            <a:schemeClr val="dk1"/>
-          </a:fontRef>
-        </p:style>
-        <p:txBody>
-          <a:bodyPr rtlCol="0" anchor="ctr"/>
-          <a:lstStyle/>
-          <a:p>
-            <a:pPr algn="ctr"/>
-            <a:r>
-              <a:rPr lang="ja-JP" altLang="ja-JP" sz="2800" dirty="0"/>
-              <a:t>見積もり方法を組み合わせて見直しの精度を上げる</a:t>
-            </a:r>
-            <a:endParaRPr lang="en-US" altLang="ja-JP" sz="2800" dirty="0">
-              <a:solidFill>
-                <a:prstClr val="black"/>
-              </a:solidFill>
-            </a:endParaRPr>
-          </a:p>
-        </p:txBody>
-      </p:sp>
-      <p:sp>
-        <p:nvSpPr>
-          <p:cNvPr id="11" name="円形吹き出し 10"/>
-          <p:cNvSpPr/>
-          <p:nvPr/>
-        </p:nvSpPr>
-        <p:spPr>
-          <a:xfrm>
-            <a:off x="164757" y="1690688"/>
-            <a:ext cx="1521940" cy="1161535"/>
-          </a:xfrm>
-          <a:prstGeom prst="wedgeEllipseCallout">
-            <a:avLst>
-              <a:gd name="adj1" fmla="val 55766"/>
-              <a:gd name="adj2" fmla="val 40514"/>
-            </a:avLst>
-          </a:prstGeom>
-        </p:spPr>
-        <p:style>
-          <a:lnRef idx="2">
-            <a:schemeClr val="accent2">
-              <a:shade val="50000"/>
-            </a:schemeClr>
-          </a:lnRef>
-          <a:fillRef idx="1">
-            <a:schemeClr val="accent2"/>
-          </a:fillRef>
-          <a:effectRef idx="0">
-            <a:schemeClr val="accent2"/>
-          </a:effectRef>
-          <a:fontRef idx="minor">
-            <a:schemeClr val="lt1"/>
-          </a:fontRef>
-        </p:style>
-        <p:txBody>
-          <a:bodyPr rtlCol="0" anchor="ctr"/>
-          <a:lstStyle/>
-          <a:p>
-            <a:pPr algn="ctr"/>
-            <a:r>
-              <a:rPr lang="ja-JP" altLang="en-US" sz="2400" dirty="0" smtClean="0">
-                <a:solidFill>
-                  <a:prstClr val="white"/>
-                </a:solidFill>
-              </a:rPr>
-              <a:t>なので</a:t>
-            </a:r>
-            <a:endParaRPr lang="ja-JP" altLang="en-US" sz="2400" dirty="0">
-              <a:solidFill>
-                <a:prstClr val="white"/>
-              </a:solidFill>
-            </a:endParaRPr>
-          </a:p>
-        </p:txBody>
-      </p:sp>
-      <p:sp>
-        <p:nvSpPr>
-          <p:cNvPr id="12" name="角丸四角形 11"/>
-          <p:cNvSpPr/>
-          <p:nvPr/>
-        </p:nvSpPr>
-        <p:spPr>
-          <a:xfrm>
-            <a:off x="1851453" y="4440194"/>
-            <a:ext cx="8454082" cy="1293341"/>
-          </a:xfrm>
-          <a:prstGeom prst="roundRect">
-            <a:avLst/>
-          </a:prstGeom>
-        </p:spPr>
-        <p:style>
-          <a:lnRef idx="2">
-            <a:schemeClr val="accent2"/>
-          </a:lnRef>
-          <a:fillRef idx="1">
-            <a:schemeClr val="lt1"/>
-          </a:fillRef>
-          <a:effectRef idx="0">
-            <a:schemeClr val="accent2"/>
-          </a:effectRef>
-          <a:fontRef idx="minor">
-            <a:schemeClr val="dk1"/>
-          </a:fontRef>
-        </p:style>
-        <p:txBody>
-          <a:bodyPr rtlCol="0" anchor="ctr"/>
-          <a:lstStyle/>
-          <a:p>
-            <a:pPr algn="ctr"/>
-            <a:r>
-              <a:rPr lang="ja-JP" altLang="en-US" sz="2800" dirty="0" smtClean="0">
-                <a:solidFill>
-                  <a:prstClr val="black"/>
-                </a:solidFill>
-              </a:rPr>
-              <a:t>類推見積りを基本にその他の見積り方法も使用する</a:t>
-            </a:r>
-            <a:endParaRPr lang="en-US" altLang="ja-JP" sz="2800" dirty="0">
-              <a:solidFill>
-                <a:prstClr val="black"/>
-              </a:solidFill>
-            </a:endParaRPr>
-          </a:p>
-        </p:txBody>
-      </p:sp>
-      <p:sp>
-        <p:nvSpPr>
-          <p:cNvPr id="13" name="下矢印 12"/>
-          <p:cNvSpPr/>
-          <p:nvPr/>
-        </p:nvSpPr>
-        <p:spPr>
-          <a:xfrm>
-            <a:off x="5567748" y="3146854"/>
-            <a:ext cx="1021492" cy="1194487"/>
-          </a:xfrm>
-          <a:prstGeom prst="downArrow">
-            <a:avLst/>
-          </a:prstGeom>
-        </p:spPr>
-        <p:style>
-          <a:lnRef idx="2">
-            <a:schemeClr val="accent1">
-              <a:shade val="50000"/>
-            </a:schemeClr>
-          </a:lnRef>
-          <a:fillRef idx="1">
-            <a:schemeClr val="accent1"/>
-          </a:fillRef>
-          <a:effectRef idx="0">
-            <a:schemeClr val="accent1"/>
-          </a:effectRef>
-          <a:fontRef idx="minor">
-            <a:schemeClr val="lt1"/>
-          </a:fontRef>
-        </p:style>
-        <p:txBody>
-          <a:bodyPr rtlCol="0" anchor="ctr"/>
-          <a:lstStyle/>
-          <a:p>
-            <a:pPr algn="ctr"/>
-            <a:endParaRPr lang="ja-JP" altLang="en-US">
-              <a:solidFill>
-                <a:prstClr val="white"/>
-              </a:solidFill>
-            </a:endParaRPr>
-          </a:p>
-        </p:txBody>
-      </p:sp>
-    </p:spTree>
-    <p:extLst>
-      <p:ext uri="{BB962C8B-B14F-4D97-AF65-F5344CB8AC3E}">
-        <p14:creationId xmlns:p14="http://schemas.microsoft.com/office/powerpoint/2010/main" val="1209027771"/>
-      </p:ext>
-    </p:extLst>
-  </p:cSld>
-  <p:clrMapOvr>
-    <a:masterClrMapping/>
-  </p:clrMapOvr>
-</p:sld>
-</file>
-
-<file path=ppt/slides/slide8.xml><?xml version="1.0" encoding="utf-8"?>
+<file path=ppt/slides/slide2.xml><?xml version="1.0" encoding="utf-8"?>
 <p:sld xmlns:a="http://schemas.openxmlformats.org/drawingml/2006/main" xmlns:r="http://schemas.openxmlformats.org/officeDocument/2006/relationships" xmlns:p="http://schemas.openxmlformats.org/presentationml/2006/main">
   <p:cSld>
     <p:spTree>
@@ -5765,48 +5086,39 @@
         </p:nvSpPr>
         <p:spPr>
           <a:xfrm>
-            <a:off x="847529" y="307759"/>
-            <a:ext cx="6096000" cy="1046440"/>
+            <a:off x="4974686" y="579607"/>
+            <a:ext cx="3065444" cy="769441"/>
           </a:xfrm>
           <a:prstGeom prst="rect">
             <a:avLst/>
           </a:prstGeom>
         </p:spPr>
         <p:txBody>
-          <a:bodyPr>
+          <a:bodyPr wrap="square">
             <a:spAutoFit/>
           </a:bodyPr>
           <a:lstStyle/>
           <a:p>
             <a:r>
-              <a:rPr lang="ja-JP" altLang="en-US" sz="4400" dirty="0" smtClean="0">
+              <a:rPr lang="en-US" altLang="ja-JP" sz="4400" b="1" dirty="0" smtClean="0">
                 <a:solidFill>
                   <a:prstClr val="black"/>
                 </a:solidFill>
                 <a:latin typeface="Calibri Light" panose="020F0302020204030204"/>
                 <a:cs typeface="+mj-cs"/>
               </a:rPr>
-              <a:t>マネジメントレポート</a:t>
-            </a:r>
-            <a:r>
-              <a:rPr lang="en-US" altLang="ja-JP" sz="4400" dirty="0">
+              <a:t>EVMS</a:t>
+            </a:r>
+            <a:r>
+              <a:rPr lang="ja-JP" altLang="en-US" sz="4400" dirty="0" smtClean="0">
                 <a:solidFill>
                   <a:prstClr val="black"/>
                 </a:solidFill>
                 <a:latin typeface="Calibri Light" panose="020F0302020204030204"/>
                 <a:cs typeface="+mj-cs"/>
               </a:rPr>
-              <a:t/>
-            </a:r>
-            <a:br>
-              <a:rPr lang="en-US" altLang="ja-JP" sz="4400" dirty="0">
-                <a:solidFill>
-                  <a:prstClr val="black"/>
-                </a:solidFill>
-                <a:latin typeface="Calibri Light" panose="020F0302020204030204"/>
-                <a:cs typeface="+mj-cs"/>
-              </a:rPr>
-            </a:br>
+              <a:t>グラフ</a:t>
+            </a:r>
             <a:endParaRPr lang="ja-JP" altLang="en-US" dirty="0"/>
           </a:p>
         </p:txBody>
@@ -5815,6 +5127,2325 @@
     <p:extLst>
       <p:ext uri="{BB962C8B-B14F-4D97-AF65-F5344CB8AC3E}">
         <p14:creationId xmlns:p14="http://schemas.microsoft.com/office/powerpoint/2010/main" val="334732577"/>
+      </p:ext>
+    </p:extLst>
+  </p:cSld>
+  <p:clrMapOvr>
+    <a:masterClrMapping/>
+  </p:clrMapOvr>
+</p:sld>
+</file>
+
+<file path=ppt/slides/slide3.xml><?xml version="1.0" encoding="utf-8"?>
+<p:sld xmlns:a="http://schemas.openxmlformats.org/drawingml/2006/main" xmlns:r="http://schemas.openxmlformats.org/officeDocument/2006/relationships" xmlns:p="http://schemas.openxmlformats.org/presentationml/2006/main">
+  <p:cSld>
+    <p:spTree>
+      <p:nvGrpSpPr>
+        <p:cNvPr id="1" name=""/>
+        <p:cNvGrpSpPr/>
+        <p:nvPr/>
+      </p:nvGrpSpPr>
+      <p:grpSpPr>
+        <a:xfrm>
+          <a:off x="0" y="0"/>
+          <a:ext cx="0" cy="0"/>
+          <a:chOff x="0" y="0"/>
+          <a:chExt cx="0" cy="0"/>
+        </a:xfrm>
+      </p:grpSpPr>
+      <p:sp>
+        <p:nvSpPr>
+          <p:cNvPr id="2" name="タイトル 1"/>
+          <p:cNvSpPr>
+            <a:spLocks noGrp="1"/>
+          </p:cNvSpPr>
+          <p:nvPr>
+            <p:ph type="title"/>
+          </p:nvPr>
+        </p:nvSpPr>
+        <p:spPr>
+          <a:xfrm>
+            <a:off x="838200" y="373363"/>
+            <a:ext cx="10515600" cy="1325563"/>
+          </a:xfrm>
+        </p:spPr>
+        <p:txBody>
+          <a:bodyPr>
+            <a:normAutofit/>
+          </a:bodyPr>
+          <a:lstStyle/>
+          <a:p>
+            <a:r>
+              <a:rPr lang="ja-JP" altLang="en-US" dirty="0">
+                <a:solidFill>
+                  <a:srgbClr val="00B0F0"/>
+                </a:solidFill>
+              </a:rPr>
+              <a:t>Ｑ</a:t>
+            </a:r>
+            <a:r>
+              <a:rPr lang="ja-JP" altLang="en-US" dirty="0"/>
+              <a:t>ＣＤ</a:t>
+            </a:r>
+            <a:r>
+              <a:rPr kumimoji="1" lang="ja-JP" altLang="en-US" dirty="0" smtClean="0"/>
+              <a:t>評価</a:t>
+            </a:r>
+            <a:r>
+              <a:rPr kumimoji="1" lang="en-US" altLang="ja-JP" dirty="0" smtClean="0"/>
+              <a:t/>
+            </a:r>
+            <a:br>
+              <a:rPr kumimoji="1" lang="en-US" altLang="ja-JP" dirty="0" smtClean="0"/>
+            </a:br>
+            <a:r>
+              <a:rPr lang="en-US" altLang="ja-JP" sz="3200" dirty="0">
+                <a:solidFill>
+                  <a:srgbClr val="00B0F0"/>
+                </a:solidFill>
+              </a:rPr>
+              <a:t>Quality </a:t>
+            </a:r>
+            <a:r>
+              <a:rPr lang="en-US" altLang="ja-JP" sz="3200" dirty="0" smtClean="0">
+                <a:solidFill>
+                  <a:srgbClr val="00B0F0"/>
+                </a:solidFill>
+              </a:rPr>
+              <a:t>assessment</a:t>
+            </a:r>
+            <a:endParaRPr kumimoji="1" lang="ja-JP" altLang="en-US" sz="3200" dirty="0"/>
+          </a:p>
+        </p:txBody>
+      </p:sp>
+      <p:sp>
+        <p:nvSpPr>
+          <p:cNvPr id="4" name="角丸四角形 3"/>
+          <p:cNvSpPr/>
+          <p:nvPr/>
+        </p:nvSpPr>
+        <p:spPr>
+          <a:xfrm>
+            <a:off x="1851454" y="1779372"/>
+            <a:ext cx="8454081" cy="1293341"/>
+          </a:xfrm>
+          <a:prstGeom prst="roundRect">
+            <a:avLst/>
+          </a:prstGeom>
+        </p:spPr>
+        <p:style>
+          <a:lnRef idx="2">
+            <a:schemeClr val="accent1"/>
+          </a:lnRef>
+          <a:fillRef idx="1">
+            <a:schemeClr val="lt1"/>
+          </a:fillRef>
+          <a:effectRef idx="0">
+            <a:schemeClr val="accent1"/>
+          </a:effectRef>
+          <a:fontRef idx="minor">
+            <a:schemeClr val="dk1"/>
+          </a:fontRef>
+        </p:style>
+        <p:txBody>
+          <a:bodyPr rtlCol="0" anchor="ctr"/>
+          <a:lstStyle/>
+          <a:p>
+            <a:pPr algn="ctr"/>
+            <a:r>
+              <a:rPr lang="ja-JP" altLang="ja-JP" sz="2800" dirty="0"/>
+              <a:t>品質</a:t>
+            </a:r>
+            <a:r>
+              <a:rPr lang="ja-JP" altLang="ja-JP" sz="2800" dirty="0" smtClean="0"/>
+              <a:t>目標</a:t>
+            </a:r>
+            <a:r>
+              <a:rPr lang="ja-JP" altLang="en-US" sz="2800" dirty="0"/>
+              <a:t>：</a:t>
+            </a:r>
+            <a:r>
+              <a:rPr lang="ja-JP" altLang="en-US" sz="2800" dirty="0" smtClean="0"/>
+              <a:t>システムテスト</a:t>
+            </a:r>
+            <a:r>
+              <a:rPr lang="ja-JP" altLang="en-US" sz="2800" dirty="0"/>
+              <a:t>の項目のうち８割以上</a:t>
+            </a:r>
+            <a:r>
+              <a:rPr lang="ja-JP" altLang="en-US" sz="2800" dirty="0" smtClean="0"/>
+              <a:t>を</a:t>
+            </a:r>
+            <a:endParaRPr lang="en-US" altLang="ja-JP" sz="2800" dirty="0" smtClean="0"/>
+          </a:p>
+          <a:p>
+            <a:pPr algn="ctr"/>
+            <a:r>
+              <a:rPr lang="ja-JP" altLang="en-US" sz="2800" dirty="0" smtClean="0"/>
+              <a:t>成功させること</a:t>
+            </a:r>
+            <a:endParaRPr lang="en-US" altLang="ja-JP" sz="2800" dirty="0"/>
+          </a:p>
+        </p:txBody>
+      </p:sp>
+      <p:sp>
+        <p:nvSpPr>
+          <p:cNvPr id="5" name="角丸四角形 4"/>
+          <p:cNvSpPr/>
+          <p:nvPr/>
+        </p:nvSpPr>
+        <p:spPr>
+          <a:xfrm>
+            <a:off x="1851453" y="4440194"/>
+            <a:ext cx="8454082" cy="1293341"/>
+          </a:xfrm>
+          <a:prstGeom prst="roundRect">
+            <a:avLst/>
+          </a:prstGeom>
+        </p:spPr>
+        <p:style>
+          <a:lnRef idx="2">
+            <a:schemeClr val="accent2"/>
+          </a:lnRef>
+          <a:fillRef idx="1">
+            <a:schemeClr val="lt1"/>
+          </a:fillRef>
+          <a:effectRef idx="0">
+            <a:schemeClr val="accent2"/>
+          </a:effectRef>
+          <a:fontRef idx="minor">
+            <a:schemeClr val="dk1"/>
+          </a:fontRef>
+        </p:style>
+        <p:txBody>
+          <a:bodyPr rtlCol="0" anchor="ctr"/>
+          <a:lstStyle/>
+          <a:p>
+            <a:pPr algn="ctr"/>
+            <a:r>
+              <a:rPr lang="ja-JP" altLang="ja-JP" sz="2800" dirty="0"/>
+              <a:t>テスト報告の</a:t>
+            </a:r>
+            <a:r>
+              <a:rPr lang="en-US" altLang="ja-JP" sz="2800" dirty="0"/>
+              <a:t>35</a:t>
+            </a:r>
+            <a:r>
+              <a:rPr lang="ja-JP" altLang="ja-JP" sz="2800" dirty="0"/>
+              <a:t>項目中</a:t>
+            </a:r>
+            <a:r>
+              <a:rPr lang="en-US" altLang="ja-JP" sz="2800" dirty="0"/>
+              <a:t>34</a:t>
+            </a:r>
+            <a:r>
+              <a:rPr lang="ja-JP" altLang="ja-JP" sz="2800" dirty="0"/>
+              <a:t>項目のチェックに成功</a:t>
+            </a:r>
+            <a:r>
+              <a:rPr lang="ja-JP" altLang="ja-JP" sz="2800" dirty="0" smtClean="0"/>
+              <a:t>した</a:t>
+            </a:r>
+            <a:endParaRPr kumimoji="1" lang="ja-JP" altLang="en-US" sz="2800" dirty="0"/>
+          </a:p>
+        </p:txBody>
+      </p:sp>
+      <p:sp>
+        <p:nvSpPr>
+          <p:cNvPr id="6" name="下矢印 5"/>
+          <p:cNvSpPr/>
+          <p:nvPr/>
+        </p:nvSpPr>
+        <p:spPr>
+          <a:xfrm>
+            <a:off x="5567748" y="3146854"/>
+            <a:ext cx="1021492" cy="1194487"/>
+          </a:xfrm>
+          <a:prstGeom prst="downArrow">
+            <a:avLst/>
+          </a:prstGeom>
+        </p:spPr>
+        <p:style>
+          <a:lnRef idx="2">
+            <a:schemeClr val="accent1">
+              <a:shade val="50000"/>
+            </a:schemeClr>
+          </a:lnRef>
+          <a:fillRef idx="1">
+            <a:schemeClr val="accent1"/>
+          </a:fillRef>
+          <a:effectRef idx="0">
+            <a:schemeClr val="accent1"/>
+          </a:effectRef>
+          <a:fontRef idx="minor">
+            <a:schemeClr val="lt1"/>
+          </a:fontRef>
+        </p:style>
+        <p:txBody>
+          <a:bodyPr rtlCol="0" anchor="ctr"/>
+          <a:lstStyle/>
+          <a:p>
+            <a:pPr algn="ctr"/>
+            <a:endParaRPr kumimoji="1" lang="ja-JP" altLang="en-US" dirty="0"/>
+          </a:p>
+        </p:txBody>
+      </p:sp>
+      <p:sp>
+        <p:nvSpPr>
+          <p:cNvPr id="3" name="テキスト ボックス 2"/>
+          <p:cNvSpPr txBox="1"/>
+          <p:nvPr/>
+        </p:nvSpPr>
+        <p:spPr>
+          <a:xfrm>
+            <a:off x="5753099" y="3744097"/>
+            <a:ext cx="650789" cy="369332"/>
+          </a:xfrm>
+          <a:prstGeom prst="rect">
+            <a:avLst/>
+          </a:prstGeom>
+          <a:noFill/>
+        </p:spPr>
+        <p:txBody>
+          <a:bodyPr wrap="square" rtlCol="0">
+            <a:spAutoFit/>
+          </a:bodyPr>
+          <a:lstStyle/>
+          <a:p>
+            <a:r>
+              <a:rPr kumimoji="1" lang="ja-JP" altLang="en-US" dirty="0" smtClean="0">
+                <a:solidFill>
+                  <a:schemeClr val="bg1"/>
+                </a:solidFill>
+              </a:rPr>
+              <a:t>結果</a:t>
+            </a:r>
+            <a:endParaRPr kumimoji="1" lang="ja-JP" altLang="en-US" dirty="0">
+              <a:solidFill>
+                <a:schemeClr val="bg1"/>
+              </a:solidFill>
+            </a:endParaRPr>
+          </a:p>
+        </p:txBody>
+      </p:sp>
+    </p:spTree>
+    <p:extLst>
+      <p:ext uri="{BB962C8B-B14F-4D97-AF65-F5344CB8AC3E}">
+        <p14:creationId xmlns:p14="http://schemas.microsoft.com/office/powerpoint/2010/main" val="2053477789"/>
+      </p:ext>
+    </p:extLst>
+  </p:cSld>
+  <p:clrMapOvr>
+    <a:masterClrMapping/>
+  </p:clrMapOvr>
+</p:sld>
+</file>
+
+<file path=ppt/slides/slide4.xml><?xml version="1.0" encoding="utf-8"?>
+<p:sld xmlns:a="http://schemas.openxmlformats.org/drawingml/2006/main" xmlns:r="http://schemas.openxmlformats.org/officeDocument/2006/relationships" xmlns:p="http://schemas.openxmlformats.org/presentationml/2006/main">
+  <p:cSld>
+    <p:spTree>
+      <p:nvGrpSpPr>
+        <p:cNvPr id="1" name=""/>
+        <p:cNvGrpSpPr/>
+        <p:nvPr/>
+      </p:nvGrpSpPr>
+      <p:grpSpPr>
+        <a:xfrm>
+          <a:off x="0" y="0"/>
+          <a:ext cx="0" cy="0"/>
+          <a:chOff x="0" y="0"/>
+          <a:chExt cx="0" cy="0"/>
+        </a:xfrm>
+      </p:grpSpPr>
+      <p:sp>
+        <p:nvSpPr>
+          <p:cNvPr id="2" name="タイトル 1"/>
+          <p:cNvSpPr>
+            <a:spLocks noGrp="1"/>
+          </p:cNvSpPr>
+          <p:nvPr>
+            <p:ph type="title"/>
+          </p:nvPr>
+        </p:nvSpPr>
+        <p:spPr/>
+        <p:txBody>
+          <a:bodyPr>
+            <a:normAutofit/>
+          </a:bodyPr>
+          <a:lstStyle/>
+          <a:p>
+            <a:r>
+              <a:rPr lang="ja-JP" altLang="en-US" dirty="0">
+                <a:solidFill>
+                  <a:srgbClr val="00B0F0"/>
+                </a:solidFill>
+              </a:rPr>
+              <a:t>Ｑ</a:t>
+            </a:r>
+            <a:r>
+              <a:rPr lang="ja-JP" altLang="en-US" dirty="0"/>
+              <a:t>ＣＤ</a:t>
+            </a:r>
+            <a:r>
+              <a:rPr kumimoji="1" lang="ja-JP" altLang="en-US" dirty="0" smtClean="0"/>
+              <a:t>評価</a:t>
+            </a:r>
+            <a:r>
+              <a:rPr kumimoji="1" lang="en-US" altLang="ja-JP" dirty="0" smtClean="0"/>
+              <a:t/>
+            </a:r>
+            <a:br>
+              <a:rPr kumimoji="1" lang="en-US" altLang="ja-JP" dirty="0" smtClean="0"/>
+            </a:br>
+            <a:r>
+              <a:rPr lang="en-US" altLang="ja-JP" sz="3200" dirty="0">
+                <a:solidFill>
+                  <a:srgbClr val="00B0F0"/>
+                </a:solidFill>
+              </a:rPr>
+              <a:t>Quality </a:t>
+            </a:r>
+            <a:r>
+              <a:rPr lang="en-US" altLang="ja-JP" sz="3200" dirty="0" smtClean="0">
+                <a:solidFill>
+                  <a:srgbClr val="00B0F0"/>
+                </a:solidFill>
+              </a:rPr>
+              <a:t>assessment</a:t>
+            </a:r>
+            <a:endParaRPr kumimoji="1" lang="ja-JP" altLang="en-US" sz="3200" dirty="0"/>
+          </a:p>
+        </p:txBody>
+      </p:sp>
+      <p:sp>
+        <p:nvSpPr>
+          <p:cNvPr id="7" name="角丸四角形 6"/>
+          <p:cNvSpPr/>
+          <p:nvPr/>
+        </p:nvSpPr>
+        <p:spPr>
+          <a:xfrm>
+            <a:off x="1851727" y="1770530"/>
+            <a:ext cx="8454081" cy="1293341"/>
+          </a:xfrm>
+          <a:prstGeom prst="roundRect">
+            <a:avLst/>
+          </a:prstGeom>
+        </p:spPr>
+        <p:style>
+          <a:lnRef idx="2">
+            <a:schemeClr val="accent1"/>
+          </a:lnRef>
+          <a:fillRef idx="1">
+            <a:schemeClr val="lt1"/>
+          </a:fillRef>
+          <a:effectRef idx="0">
+            <a:schemeClr val="accent1"/>
+          </a:effectRef>
+          <a:fontRef idx="minor">
+            <a:schemeClr val="dk1"/>
+          </a:fontRef>
+        </p:style>
+        <p:txBody>
+          <a:bodyPr rtlCol="0" anchor="ctr"/>
+          <a:lstStyle/>
+          <a:p>
+            <a:pPr algn="ctr"/>
+            <a:r>
+              <a:rPr lang="ja-JP" altLang="en-US" sz="2800" dirty="0" smtClean="0">
+                <a:solidFill>
+                  <a:prstClr val="black"/>
+                </a:solidFill>
+              </a:rPr>
+              <a:t>ユーザビリティの面では品質が高いとはいえない</a:t>
+            </a:r>
+            <a:endParaRPr lang="en-US" altLang="ja-JP" sz="2800" dirty="0" smtClean="0">
+              <a:solidFill>
+                <a:prstClr val="black"/>
+              </a:solidFill>
+            </a:endParaRPr>
+          </a:p>
+        </p:txBody>
+      </p:sp>
+      <p:sp>
+        <p:nvSpPr>
+          <p:cNvPr id="14" name="角丸四角形 13"/>
+          <p:cNvSpPr/>
+          <p:nvPr/>
+        </p:nvSpPr>
+        <p:spPr>
+          <a:xfrm>
+            <a:off x="1868959" y="4424324"/>
+            <a:ext cx="8454082" cy="1293341"/>
+          </a:xfrm>
+          <a:prstGeom prst="roundRect">
+            <a:avLst/>
+          </a:prstGeom>
+        </p:spPr>
+        <p:style>
+          <a:lnRef idx="2">
+            <a:schemeClr val="accent2"/>
+          </a:lnRef>
+          <a:fillRef idx="1">
+            <a:schemeClr val="lt1"/>
+          </a:fillRef>
+          <a:effectRef idx="0">
+            <a:schemeClr val="accent2"/>
+          </a:effectRef>
+          <a:fontRef idx="minor">
+            <a:schemeClr val="dk1"/>
+          </a:fontRef>
+        </p:style>
+        <p:txBody>
+          <a:bodyPr rtlCol="0" anchor="ctr"/>
+          <a:lstStyle/>
+          <a:p>
+            <a:pPr algn="ctr"/>
+            <a:r>
+              <a:rPr lang="ja-JP" altLang="en-US" sz="2800" dirty="0" smtClean="0">
+                <a:solidFill>
+                  <a:prstClr val="black"/>
+                </a:solidFill>
+              </a:rPr>
+              <a:t>本システムは高齢者の方が使用する可能性が高い</a:t>
+            </a:r>
+            <a:endParaRPr lang="ja-JP" altLang="en-US" sz="2800" dirty="0">
+              <a:solidFill>
+                <a:prstClr val="black"/>
+              </a:solidFill>
+            </a:endParaRPr>
+          </a:p>
+        </p:txBody>
+      </p:sp>
+      <p:sp>
+        <p:nvSpPr>
+          <p:cNvPr id="8" name="円形吹き出し 7"/>
+          <p:cNvSpPr/>
+          <p:nvPr/>
+        </p:nvSpPr>
+        <p:spPr>
+          <a:xfrm>
+            <a:off x="164757" y="1690688"/>
+            <a:ext cx="1521940" cy="1161535"/>
+          </a:xfrm>
+          <a:prstGeom prst="wedgeEllipseCallout">
+            <a:avLst>
+              <a:gd name="adj1" fmla="val 55766"/>
+              <a:gd name="adj2" fmla="val 40514"/>
+            </a:avLst>
+          </a:prstGeom>
+        </p:spPr>
+        <p:style>
+          <a:lnRef idx="2">
+            <a:schemeClr val="accent2">
+              <a:shade val="50000"/>
+            </a:schemeClr>
+          </a:lnRef>
+          <a:fillRef idx="1">
+            <a:schemeClr val="accent2"/>
+          </a:fillRef>
+          <a:effectRef idx="0">
+            <a:schemeClr val="accent2"/>
+          </a:effectRef>
+          <a:fontRef idx="minor">
+            <a:schemeClr val="lt1"/>
+          </a:fontRef>
+        </p:style>
+        <p:txBody>
+          <a:bodyPr rtlCol="0" anchor="ctr"/>
+          <a:lstStyle/>
+          <a:p>
+            <a:pPr algn="ctr"/>
+            <a:r>
+              <a:rPr lang="ja-JP" altLang="en-US" sz="2400" dirty="0" smtClean="0">
+                <a:solidFill>
+                  <a:prstClr val="white"/>
+                </a:solidFill>
+              </a:rPr>
+              <a:t>しか</a:t>
+            </a:r>
+            <a:r>
+              <a:rPr lang="ja-JP" altLang="en-US" sz="2400" dirty="0">
+                <a:solidFill>
+                  <a:prstClr val="white"/>
+                </a:solidFill>
+              </a:rPr>
+              <a:t>し</a:t>
+            </a:r>
+          </a:p>
+        </p:txBody>
+      </p:sp>
+      <p:sp>
+        <p:nvSpPr>
+          <p:cNvPr id="9" name="下矢印 8"/>
+          <p:cNvSpPr/>
+          <p:nvPr/>
+        </p:nvSpPr>
+        <p:spPr>
+          <a:xfrm>
+            <a:off x="5567748" y="3146854"/>
+            <a:ext cx="1021492" cy="1194487"/>
+          </a:xfrm>
+          <a:prstGeom prst="downArrow">
+            <a:avLst/>
+          </a:prstGeom>
+        </p:spPr>
+        <p:style>
+          <a:lnRef idx="2">
+            <a:schemeClr val="accent1">
+              <a:shade val="50000"/>
+            </a:schemeClr>
+          </a:lnRef>
+          <a:fillRef idx="1">
+            <a:schemeClr val="accent1"/>
+          </a:fillRef>
+          <a:effectRef idx="0">
+            <a:schemeClr val="accent1"/>
+          </a:effectRef>
+          <a:fontRef idx="minor">
+            <a:schemeClr val="lt1"/>
+          </a:fontRef>
+        </p:style>
+        <p:txBody>
+          <a:bodyPr rtlCol="0" anchor="ctr"/>
+          <a:lstStyle/>
+          <a:p>
+            <a:pPr algn="ctr"/>
+            <a:endParaRPr kumimoji="1" lang="ja-JP" altLang="en-US" dirty="0"/>
+          </a:p>
+        </p:txBody>
+      </p:sp>
+      <p:sp>
+        <p:nvSpPr>
+          <p:cNvPr id="10" name="テキスト ボックス 9"/>
+          <p:cNvSpPr txBox="1"/>
+          <p:nvPr/>
+        </p:nvSpPr>
+        <p:spPr>
+          <a:xfrm>
+            <a:off x="5753099" y="3744097"/>
+            <a:ext cx="650789" cy="369332"/>
+          </a:xfrm>
+          <a:prstGeom prst="rect">
+            <a:avLst/>
+          </a:prstGeom>
+          <a:noFill/>
+        </p:spPr>
+        <p:txBody>
+          <a:bodyPr wrap="square" rtlCol="0">
+            <a:spAutoFit/>
+          </a:bodyPr>
+          <a:lstStyle/>
+          <a:p>
+            <a:r>
+              <a:rPr lang="ja-JP" altLang="en-US" dirty="0" smtClean="0">
+                <a:solidFill>
+                  <a:schemeClr val="bg1"/>
+                </a:solidFill>
+              </a:rPr>
+              <a:t>な</a:t>
+            </a:r>
+            <a:r>
+              <a:rPr lang="ja-JP" altLang="en-US" dirty="0">
+                <a:solidFill>
+                  <a:schemeClr val="bg1"/>
+                </a:solidFill>
+              </a:rPr>
+              <a:t>ぜ</a:t>
+            </a:r>
+            <a:endParaRPr kumimoji="1" lang="ja-JP" altLang="en-US" dirty="0">
+              <a:solidFill>
+                <a:schemeClr val="bg1"/>
+              </a:solidFill>
+            </a:endParaRPr>
+          </a:p>
+        </p:txBody>
+      </p:sp>
+    </p:spTree>
+    <p:extLst>
+      <p:ext uri="{BB962C8B-B14F-4D97-AF65-F5344CB8AC3E}">
+        <p14:creationId xmlns:p14="http://schemas.microsoft.com/office/powerpoint/2010/main" val="119292369"/>
+      </p:ext>
+    </p:extLst>
+  </p:cSld>
+  <p:clrMapOvr>
+    <a:masterClrMapping/>
+  </p:clrMapOvr>
+</p:sld>
+</file>
+
+<file path=ppt/slides/slide5.xml><?xml version="1.0" encoding="utf-8"?>
+<p:sld xmlns:a="http://schemas.openxmlformats.org/drawingml/2006/main" xmlns:r="http://schemas.openxmlformats.org/officeDocument/2006/relationships" xmlns:p="http://schemas.openxmlformats.org/presentationml/2006/main">
+  <p:cSld>
+    <p:spTree>
+      <p:nvGrpSpPr>
+        <p:cNvPr id="1" name=""/>
+        <p:cNvGrpSpPr/>
+        <p:nvPr/>
+      </p:nvGrpSpPr>
+      <p:grpSpPr>
+        <a:xfrm>
+          <a:off x="0" y="0"/>
+          <a:ext cx="0" cy="0"/>
+          <a:chOff x="0" y="0"/>
+          <a:chExt cx="0" cy="0"/>
+        </a:xfrm>
+      </p:grpSpPr>
+      <p:sp>
+        <p:nvSpPr>
+          <p:cNvPr id="2" name="タイトル 1"/>
+          <p:cNvSpPr>
+            <a:spLocks noGrp="1"/>
+          </p:cNvSpPr>
+          <p:nvPr>
+            <p:ph type="title"/>
+          </p:nvPr>
+        </p:nvSpPr>
+        <p:spPr/>
+        <p:txBody>
+          <a:bodyPr>
+            <a:normAutofit/>
+          </a:bodyPr>
+          <a:lstStyle/>
+          <a:p>
+            <a:r>
+              <a:rPr lang="ja-JP" altLang="en-US" dirty="0">
+                <a:solidFill>
+                  <a:srgbClr val="00B0F0"/>
+                </a:solidFill>
+              </a:rPr>
+              <a:t>Ｑ</a:t>
+            </a:r>
+            <a:r>
+              <a:rPr lang="ja-JP" altLang="en-US" dirty="0"/>
+              <a:t>ＣＤ</a:t>
+            </a:r>
+            <a:r>
+              <a:rPr kumimoji="1" lang="ja-JP" altLang="en-US" dirty="0" smtClean="0"/>
+              <a:t>評価</a:t>
+            </a:r>
+            <a:r>
+              <a:rPr kumimoji="1" lang="en-US" altLang="ja-JP" dirty="0" smtClean="0"/>
+              <a:t/>
+            </a:r>
+            <a:br>
+              <a:rPr kumimoji="1" lang="en-US" altLang="ja-JP" dirty="0" smtClean="0"/>
+            </a:br>
+            <a:r>
+              <a:rPr lang="en-US" altLang="ja-JP" sz="3200" dirty="0">
+                <a:solidFill>
+                  <a:srgbClr val="00B0F0"/>
+                </a:solidFill>
+              </a:rPr>
+              <a:t>Quality </a:t>
+            </a:r>
+            <a:r>
+              <a:rPr lang="en-US" altLang="ja-JP" sz="3200" dirty="0" smtClean="0">
+                <a:solidFill>
+                  <a:srgbClr val="00B0F0"/>
+                </a:solidFill>
+              </a:rPr>
+              <a:t>assessment</a:t>
+            </a:r>
+            <a:endParaRPr kumimoji="1" lang="ja-JP" altLang="en-US" sz="3200" dirty="0"/>
+          </a:p>
+        </p:txBody>
+      </p:sp>
+      <p:sp>
+        <p:nvSpPr>
+          <p:cNvPr id="6" name="角丸四角形 5"/>
+          <p:cNvSpPr/>
+          <p:nvPr/>
+        </p:nvSpPr>
+        <p:spPr>
+          <a:xfrm>
+            <a:off x="1851454" y="1779372"/>
+            <a:ext cx="8454081" cy="1293341"/>
+          </a:xfrm>
+          <a:prstGeom prst="roundRect">
+            <a:avLst/>
+          </a:prstGeom>
+        </p:spPr>
+        <p:style>
+          <a:lnRef idx="2">
+            <a:schemeClr val="accent1"/>
+          </a:lnRef>
+          <a:fillRef idx="1">
+            <a:schemeClr val="lt1"/>
+          </a:fillRef>
+          <a:effectRef idx="0">
+            <a:schemeClr val="accent1"/>
+          </a:effectRef>
+          <a:fontRef idx="minor">
+            <a:schemeClr val="dk1"/>
+          </a:fontRef>
+        </p:style>
+        <p:txBody>
+          <a:bodyPr rtlCol="0" anchor="ctr"/>
+          <a:lstStyle/>
+          <a:p>
+            <a:pPr algn="ctr"/>
+            <a:r>
+              <a:rPr lang="ja-JP" altLang="en-US" sz="2800" dirty="0" smtClean="0"/>
+              <a:t>アクセシビリティ向上を図る</a:t>
+            </a:r>
+            <a:endParaRPr lang="en-US" altLang="ja-JP" sz="2800" dirty="0" smtClean="0"/>
+          </a:p>
+          <a:p>
+            <a:pPr algn="ctr"/>
+            <a:r>
+              <a:rPr lang="en-US" altLang="ja-JP" sz="2000" dirty="0" smtClean="0"/>
+              <a:t>※</a:t>
+            </a:r>
+            <a:r>
+              <a:rPr lang="ja-JP" altLang="en-US" sz="2000" dirty="0" smtClean="0"/>
+              <a:t>アクセシビリティ：ハンディを持つ人にとってどの程度利用しやすいか</a:t>
+            </a:r>
+            <a:endParaRPr lang="en-US" altLang="ja-JP" sz="2000" dirty="0"/>
+          </a:p>
+        </p:txBody>
+      </p:sp>
+      <p:sp>
+        <p:nvSpPr>
+          <p:cNvPr id="11" name="円形吹き出し 10"/>
+          <p:cNvSpPr/>
+          <p:nvPr/>
+        </p:nvSpPr>
+        <p:spPr>
+          <a:xfrm>
+            <a:off x="164757" y="1690688"/>
+            <a:ext cx="1521940" cy="1161535"/>
+          </a:xfrm>
+          <a:prstGeom prst="wedgeEllipseCallout">
+            <a:avLst>
+              <a:gd name="adj1" fmla="val 55766"/>
+              <a:gd name="adj2" fmla="val 40514"/>
+            </a:avLst>
+          </a:prstGeom>
+        </p:spPr>
+        <p:style>
+          <a:lnRef idx="2">
+            <a:schemeClr val="accent2">
+              <a:shade val="50000"/>
+            </a:schemeClr>
+          </a:lnRef>
+          <a:fillRef idx="1">
+            <a:schemeClr val="accent2"/>
+          </a:fillRef>
+          <a:effectRef idx="0">
+            <a:schemeClr val="accent2"/>
+          </a:effectRef>
+          <a:fontRef idx="minor">
+            <a:schemeClr val="lt1"/>
+          </a:fontRef>
+        </p:style>
+        <p:txBody>
+          <a:bodyPr rtlCol="0" anchor="ctr"/>
+          <a:lstStyle/>
+          <a:p>
+            <a:pPr algn="ctr"/>
+            <a:r>
+              <a:rPr kumimoji="1" lang="ja-JP" altLang="en-US" sz="2400" dirty="0" smtClean="0"/>
+              <a:t>なので</a:t>
+            </a:r>
+            <a:endParaRPr kumimoji="1" lang="ja-JP" altLang="en-US" sz="2400" dirty="0"/>
+          </a:p>
+        </p:txBody>
+      </p:sp>
+      <p:sp>
+        <p:nvSpPr>
+          <p:cNvPr id="12" name="角丸四角形 11"/>
+          <p:cNvSpPr/>
+          <p:nvPr/>
+        </p:nvSpPr>
+        <p:spPr>
+          <a:xfrm>
+            <a:off x="1851453" y="4440194"/>
+            <a:ext cx="8454082" cy="1293341"/>
+          </a:xfrm>
+          <a:prstGeom prst="roundRect">
+            <a:avLst/>
+          </a:prstGeom>
+        </p:spPr>
+        <p:style>
+          <a:lnRef idx="2">
+            <a:schemeClr val="accent2"/>
+          </a:lnRef>
+          <a:fillRef idx="1">
+            <a:schemeClr val="lt1"/>
+          </a:fillRef>
+          <a:effectRef idx="0">
+            <a:schemeClr val="accent2"/>
+          </a:effectRef>
+          <a:fontRef idx="minor">
+            <a:schemeClr val="dk1"/>
+          </a:fontRef>
+        </p:style>
+        <p:txBody>
+          <a:bodyPr rtlCol="0" anchor="ctr"/>
+          <a:lstStyle/>
+          <a:p>
+            <a:pPr algn="ctr"/>
+            <a:r>
+              <a:rPr kumimoji="1" lang="en-US" altLang="ja-JP" sz="2800" dirty="0" smtClean="0"/>
+              <a:t>WCAG</a:t>
+            </a:r>
+            <a:r>
+              <a:rPr kumimoji="1" lang="ja-JP" altLang="en-US" sz="2800" dirty="0" smtClean="0"/>
+              <a:t>に則ったアクセシビリティチェックリストの使用</a:t>
+            </a:r>
+            <a:endParaRPr kumimoji="1" lang="en-US" altLang="ja-JP" sz="2800" dirty="0" smtClean="0"/>
+          </a:p>
+          <a:p>
+            <a:pPr algn="ctr"/>
+            <a:r>
+              <a:rPr lang="en-US" altLang="ja-JP" sz="2000" dirty="0" smtClean="0"/>
+              <a:t>※WCAG</a:t>
+            </a:r>
+            <a:r>
+              <a:rPr lang="ja-JP" altLang="en-US" sz="2000" dirty="0" smtClean="0"/>
+              <a:t>：</a:t>
+            </a:r>
+            <a:r>
+              <a:rPr lang="en-US" altLang="ja-JP" sz="2000" dirty="0"/>
+              <a:t>Web Content Accessibility Guidelines</a:t>
+            </a:r>
+          </a:p>
+        </p:txBody>
+      </p:sp>
+      <p:sp>
+        <p:nvSpPr>
+          <p:cNvPr id="13" name="下矢印 12"/>
+          <p:cNvSpPr/>
+          <p:nvPr/>
+        </p:nvSpPr>
+        <p:spPr>
+          <a:xfrm>
+            <a:off x="5567748" y="3146854"/>
+            <a:ext cx="1021492" cy="1194487"/>
+          </a:xfrm>
+          <a:prstGeom prst="downArrow">
+            <a:avLst/>
+          </a:prstGeom>
+        </p:spPr>
+        <p:style>
+          <a:lnRef idx="2">
+            <a:schemeClr val="accent1">
+              <a:shade val="50000"/>
+            </a:schemeClr>
+          </a:lnRef>
+          <a:fillRef idx="1">
+            <a:schemeClr val="accent1"/>
+          </a:fillRef>
+          <a:effectRef idx="0">
+            <a:schemeClr val="accent1"/>
+          </a:effectRef>
+          <a:fontRef idx="minor">
+            <a:schemeClr val="lt1"/>
+          </a:fontRef>
+        </p:style>
+        <p:txBody>
+          <a:bodyPr rtlCol="0" anchor="ctr"/>
+          <a:lstStyle/>
+          <a:p>
+            <a:pPr algn="ctr"/>
+            <a:endParaRPr kumimoji="1" lang="ja-JP" altLang="en-US"/>
+          </a:p>
+        </p:txBody>
+      </p:sp>
+      <p:sp>
+        <p:nvSpPr>
+          <p:cNvPr id="7" name="テキスト ボックス 6"/>
+          <p:cNvSpPr txBox="1"/>
+          <p:nvPr/>
+        </p:nvSpPr>
+        <p:spPr>
+          <a:xfrm>
+            <a:off x="5753099" y="3744097"/>
+            <a:ext cx="650789" cy="369332"/>
+          </a:xfrm>
+          <a:prstGeom prst="rect">
+            <a:avLst/>
+          </a:prstGeom>
+          <a:noFill/>
+        </p:spPr>
+        <p:txBody>
+          <a:bodyPr wrap="square" rtlCol="0">
+            <a:spAutoFit/>
+          </a:bodyPr>
+          <a:lstStyle/>
+          <a:p>
+            <a:r>
+              <a:rPr lang="ja-JP" altLang="en-US" dirty="0">
+                <a:solidFill>
+                  <a:schemeClr val="bg1"/>
+                </a:solidFill>
+              </a:rPr>
+              <a:t>方法</a:t>
+            </a:r>
+            <a:endParaRPr kumimoji="1" lang="ja-JP" altLang="en-US" dirty="0">
+              <a:solidFill>
+                <a:schemeClr val="bg1"/>
+              </a:solidFill>
+            </a:endParaRPr>
+          </a:p>
+        </p:txBody>
+      </p:sp>
+    </p:spTree>
+    <p:extLst>
+      <p:ext uri="{BB962C8B-B14F-4D97-AF65-F5344CB8AC3E}">
+        <p14:creationId xmlns:p14="http://schemas.microsoft.com/office/powerpoint/2010/main" val="2924618613"/>
+      </p:ext>
+    </p:extLst>
+  </p:cSld>
+  <p:clrMapOvr>
+    <a:masterClrMapping/>
+  </p:clrMapOvr>
+</p:sld>
+</file>
+
+<file path=ppt/slides/slide6.xml><?xml version="1.0" encoding="utf-8"?>
+<p:sld xmlns:a="http://schemas.openxmlformats.org/drawingml/2006/main" xmlns:r="http://schemas.openxmlformats.org/officeDocument/2006/relationships" xmlns:p="http://schemas.openxmlformats.org/presentationml/2006/main">
+  <p:cSld>
+    <p:spTree>
+      <p:nvGrpSpPr>
+        <p:cNvPr id="1" name=""/>
+        <p:cNvGrpSpPr/>
+        <p:nvPr/>
+      </p:nvGrpSpPr>
+      <p:grpSpPr>
+        <a:xfrm>
+          <a:off x="0" y="0"/>
+          <a:ext cx="0" cy="0"/>
+          <a:chOff x="0" y="0"/>
+          <a:chExt cx="0" cy="0"/>
+        </a:xfrm>
+      </p:grpSpPr>
+      <p:sp>
+        <p:nvSpPr>
+          <p:cNvPr id="2" name="タイトル 1"/>
+          <p:cNvSpPr>
+            <a:spLocks noGrp="1"/>
+          </p:cNvSpPr>
+          <p:nvPr>
+            <p:ph type="title"/>
+          </p:nvPr>
+        </p:nvSpPr>
+        <p:spPr>
+          <a:xfrm>
+            <a:off x="838200" y="373363"/>
+            <a:ext cx="10515600" cy="1325563"/>
+          </a:xfrm>
+        </p:spPr>
+        <p:txBody>
+          <a:bodyPr>
+            <a:normAutofit/>
+          </a:bodyPr>
+          <a:lstStyle/>
+          <a:p>
+            <a:r>
+              <a:rPr lang="ja-JP" altLang="en-US" dirty="0"/>
+              <a:t>Ｑ</a:t>
+            </a:r>
+            <a:r>
+              <a:rPr lang="ja-JP" altLang="en-US" dirty="0">
+                <a:solidFill>
+                  <a:srgbClr val="00B0F0"/>
+                </a:solidFill>
+              </a:rPr>
+              <a:t>Ｃ</a:t>
+            </a:r>
+            <a:r>
+              <a:rPr lang="ja-JP" altLang="en-US" dirty="0"/>
+              <a:t>Ｄ</a:t>
+            </a:r>
+            <a:r>
+              <a:rPr kumimoji="1" lang="ja-JP" altLang="en-US" dirty="0" smtClean="0"/>
+              <a:t>評価</a:t>
+            </a:r>
+            <a:r>
+              <a:rPr kumimoji="1" lang="en-US" altLang="ja-JP" dirty="0" smtClean="0"/>
+              <a:t/>
+            </a:r>
+            <a:br>
+              <a:rPr kumimoji="1" lang="en-US" altLang="ja-JP" dirty="0" smtClean="0"/>
+            </a:br>
+            <a:r>
+              <a:rPr lang="en-US" altLang="ja-JP" sz="3200" dirty="0" smtClean="0">
+                <a:solidFill>
+                  <a:srgbClr val="00B0F0"/>
+                </a:solidFill>
+              </a:rPr>
+              <a:t>Cost</a:t>
+            </a:r>
+            <a:r>
+              <a:rPr lang="en-US" altLang="ja-JP" dirty="0" smtClean="0"/>
+              <a:t> </a:t>
+            </a:r>
+            <a:r>
+              <a:rPr lang="en-US" altLang="ja-JP" sz="3200" dirty="0" smtClean="0">
+                <a:solidFill>
+                  <a:srgbClr val="00B0F0"/>
+                </a:solidFill>
+              </a:rPr>
+              <a:t>assessment</a:t>
+            </a:r>
+            <a:endParaRPr kumimoji="1" lang="ja-JP" altLang="en-US" sz="3200" dirty="0"/>
+          </a:p>
+        </p:txBody>
+      </p:sp>
+      <p:sp>
+        <p:nvSpPr>
+          <p:cNvPr id="4" name="角丸四角形 3"/>
+          <p:cNvSpPr/>
+          <p:nvPr/>
+        </p:nvSpPr>
+        <p:spPr>
+          <a:xfrm>
+            <a:off x="1851454" y="1779372"/>
+            <a:ext cx="8454081" cy="1293341"/>
+          </a:xfrm>
+          <a:prstGeom prst="roundRect">
+            <a:avLst/>
+          </a:prstGeom>
+        </p:spPr>
+        <p:style>
+          <a:lnRef idx="2">
+            <a:schemeClr val="accent1"/>
+          </a:lnRef>
+          <a:fillRef idx="1">
+            <a:schemeClr val="lt1"/>
+          </a:fillRef>
+          <a:effectRef idx="0">
+            <a:schemeClr val="accent1"/>
+          </a:effectRef>
+          <a:fontRef idx="minor">
+            <a:schemeClr val="dk1"/>
+          </a:fontRef>
+        </p:style>
+        <p:txBody>
+          <a:bodyPr rtlCol="0" anchor="ctr"/>
+          <a:lstStyle/>
+          <a:p>
+            <a:pPr algn="ctr"/>
+            <a:r>
+              <a:rPr lang="ja-JP" altLang="en-US" sz="2800" dirty="0">
+                <a:solidFill>
+                  <a:prstClr val="black"/>
+                </a:solidFill>
+              </a:rPr>
+              <a:t>コスト</a:t>
+            </a:r>
+            <a:r>
+              <a:rPr lang="ja-JP" altLang="ja-JP" sz="2800" dirty="0" smtClean="0">
+                <a:solidFill>
+                  <a:prstClr val="black"/>
+                </a:solidFill>
+              </a:rPr>
+              <a:t>目標</a:t>
+            </a:r>
+            <a:r>
+              <a:rPr lang="ja-JP" altLang="en-US" sz="2800" dirty="0" smtClean="0">
+                <a:solidFill>
+                  <a:prstClr val="black"/>
+                </a:solidFill>
+              </a:rPr>
+              <a:t>：下流工程の想定</a:t>
+            </a:r>
+            <a:r>
+              <a:rPr lang="ja-JP" altLang="en-US" sz="2800" dirty="0">
+                <a:solidFill>
+                  <a:prstClr val="black"/>
+                </a:solidFill>
+              </a:rPr>
+              <a:t>作業時間は</a:t>
+            </a:r>
+            <a:r>
+              <a:rPr lang="en-US" altLang="ja-JP" sz="2800" dirty="0">
+                <a:solidFill>
+                  <a:prstClr val="black"/>
+                </a:solidFill>
+              </a:rPr>
+              <a:t>280</a:t>
+            </a:r>
+            <a:r>
+              <a:rPr lang="ja-JP" altLang="en-US" sz="2800" dirty="0" smtClean="0">
+                <a:solidFill>
+                  <a:prstClr val="black"/>
+                </a:solidFill>
+              </a:rPr>
+              <a:t>時間</a:t>
+            </a:r>
+          </a:p>
+        </p:txBody>
+      </p:sp>
+      <p:sp>
+        <p:nvSpPr>
+          <p:cNvPr id="5" name="角丸四角形 4"/>
+          <p:cNvSpPr/>
+          <p:nvPr/>
+        </p:nvSpPr>
+        <p:spPr>
+          <a:xfrm>
+            <a:off x="1851453" y="4440194"/>
+            <a:ext cx="8454082" cy="1293341"/>
+          </a:xfrm>
+          <a:prstGeom prst="roundRect">
+            <a:avLst/>
+          </a:prstGeom>
+        </p:spPr>
+        <p:style>
+          <a:lnRef idx="2">
+            <a:schemeClr val="accent2"/>
+          </a:lnRef>
+          <a:fillRef idx="1">
+            <a:schemeClr val="lt1"/>
+          </a:fillRef>
+          <a:effectRef idx="0">
+            <a:schemeClr val="accent2"/>
+          </a:effectRef>
+          <a:fontRef idx="minor">
+            <a:schemeClr val="dk1"/>
+          </a:fontRef>
+        </p:style>
+        <p:txBody>
+          <a:bodyPr rtlCol="0" anchor="ctr"/>
+          <a:lstStyle/>
+          <a:p>
+            <a:pPr algn="ctr"/>
+            <a:r>
+              <a:rPr lang="ja-JP" altLang="en-US" sz="2800" dirty="0" smtClean="0">
+                <a:solidFill>
+                  <a:prstClr val="black"/>
+                </a:solidFill>
+              </a:rPr>
+              <a:t>実際に掛かった時間は</a:t>
+            </a:r>
+            <a:r>
+              <a:rPr lang="en-US" altLang="ja-JP" sz="2800" dirty="0" smtClean="0">
+                <a:solidFill>
+                  <a:prstClr val="black"/>
+                </a:solidFill>
+              </a:rPr>
+              <a:t>213</a:t>
+            </a:r>
+            <a:r>
+              <a:rPr lang="ja-JP" altLang="en-US" sz="2800" dirty="0" smtClean="0">
+                <a:solidFill>
+                  <a:prstClr val="black"/>
+                </a:solidFill>
+              </a:rPr>
+              <a:t>時間であった</a:t>
+            </a:r>
+            <a:endParaRPr lang="ja-JP" altLang="en-US" sz="2800" dirty="0">
+              <a:solidFill>
+                <a:prstClr val="black"/>
+              </a:solidFill>
+            </a:endParaRPr>
+          </a:p>
+        </p:txBody>
+      </p:sp>
+      <p:sp>
+        <p:nvSpPr>
+          <p:cNvPr id="6" name="下矢印 5"/>
+          <p:cNvSpPr/>
+          <p:nvPr/>
+        </p:nvSpPr>
+        <p:spPr>
+          <a:xfrm>
+            <a:off x="5567748" y="3146854"/>
+            <a:ext cx="1021492" cy="1194487"/>
+          </a:xfrm>
+          <a:prstGeom prst="downArrow">
+            <a:avLst/>
+          </a:prstGeom>
+        </p:spPr>
+        <p:style>
+          <a:lnRef idx="2">
+            <a:schemeClr val="accent1">
+              <a:shade val="50000"/>
+            </a:schemeClr>
+          </a:lnRef>
+          <a:fillRef idx="1">
+            <a:schemeClr val="accent1"/>
+          </a:fillRef>
+          <a:effectRef idx="0">
+            <a:schemeClr val="accent1"/>
+          </a:effectRef>
+          <a:fontRef idx="minor">
+            <a:schemeClr val="lt1"/>
+          </a:fontRef>
+        </p:style>
+        <p:txBody>
+          <a:bodyPr rtlCol="0" anchor="ctr"/>
+          <a:lstStyle/>
+          <a:p>
+            <a:pPr algn="ctr"/>
+            <a:endParaRPr lang="ja-JP" altLang="en-US" dirty="0">
+              <a:solidFill>
+                <a:prstClr val="white"/>
+              </a:solidFill>
+            </a:endParaRPr>
+          </a:p>
+        </p:txBody>
+      </p:sp>
+      <p:sp>
+        <p:nvSpPr>
+          <p:cNvPr id="7" name="テキスト ボックス 6"/>
+          <p:cNvSpPr txBox="1"/>
+          <p:nvPr/>
+        </p:nvSpPr>
+        <p:spPr>
+          <a:xfrm>
+            <a:off x="5753099" y="3744097"/>
+            <a:ext cx="650789" cy="369332"/>
+          </a:xfrm>
+          <a:prstGeom prst="rect">
+            <a:avLst/>
+          </a:prstGeom>
+          <a:noFill/>
+        </p:spPr>
+        <p:txBody>
+          <a:bodyPr wrap="square" rtlCol="0">
+            <a:spAutoFit/>
+          </a:bodyPr>
+          <a:lstStyle/>
+          <a:p>
+            <a:r>
+              <a:rPr kumimoji="1" lang="ja-JP" altLang="en-US" dirty="0" smtClean="0">
+                <a:solidFill>
+                  <a:schemeClr val="bg1"/>
+                </a:solidFill>
+              </a:rPr>
+              <a:t>結果</a:t>
+            </a:r>
+            <a:endParaRPr kumimoji="1" lang="ja-JP" altLang="en-US" dirty="0">
+              <a:solidFill>
+                <a:schemeClr val="bg1"/>
+              </a:solidFill>
+            </a:endParaRPr>
+          </a:p>
+        </p:txBody>
+      </p:sp>
+    </p:spTree>
+    <p:extLst>
+      <p:ext uri="{BB962C8B-B14F-4D97-AF65-F5344CB8AC3E}">
+        <p14:creationId xmlns:p14="http://schemas.microsoft.com/office/powerpoint/2010/main" val="464894918"/>
+      </p:ext>
+    </p:extLst>
+  </p:cSld>
+  <p:clrMapOvr>
+    <a:masterClrMapping/>
+  </p:clrMapOvr>
+</p:sld>
+</file>
+
+<file path=ppt/slides/slide7.xml><?xml version="1.0" encoding="utf-8"?>
+<p:sld xmlns:a="http://schemas.openxmlformats.org/drawingml/2006/main" xmlns:r="http://schemas.openxmlformats.org/officeDocument/2006/relationships" xmlns:p="http://schemas.openxmlformats.org/presentationml/2006/main">
+  <p:cSld>
+    <p:spTree>
+      <p:nvGrpSpPr>
+        <p:cNvPr id="1" name=""/>
+        <p:cNvGrpSpPr/>
+        <p:nvPr/>
+      </p:nvGrpSpPr>
+      <p:grpSpPr>
+        <a:xfrm>
+          <a:off x="0" y="0"/>
+          <a:ext cx="0" cy="0"/>
+          <a:chOff x="0" y="0"/>
+          <a:chExt cx="0" cy="0"/>
+        </a:xfrm>
+      </p:grpSpPr>
+      <p:sp>
+        <p:nvSpPr>
+          <p:cNvPr id="2" name="タイトル 1"/>
+          <p:cNvSpPr>
+            <a:spLocks noGrp="1"/>
+          </p:cNvSpPr>
+          <p:nvPr>
+            <p:ph type="title"/>
+          </p:nvPr>
+        </p:nvSpPr>
+        <p:spPr/>
+        <p:txBody>
+          <a:bodyPr>
+            <a:normAutofit/>
+          </a:bodyPr>
+          <a:lstStyle/>
+          <a:p>
+            <a:r>
+              <a:rPr lang="ja-JP" altLang="en-US" dirty="0">
+                <a:solidFill>
+                  <a:prstClr val="black"/>
+                </a:solidFill>
+              </a:rPr>
+              <a:t>Ｑ</a:t>
+            </a:r>
+            <a:r>
+              <a:rPr lang="ja-JP" altLang="en-US" dirty="0">
+                <a:solidFill>
+                  <a:srgbClr val="00B0F0"/>
+                </a:solidFill>
+              </a:rPr>
+              <a:t>Ｃ</a:t>
+            </a:r>
+            <a:r>
+              <a:rPr lang="ja-JP" altLang="en-US" dirty="0">
+                <a:solidFill>
+                  <a:prstClr val="black"/>
+                </a:solidFill>
+              </a:rPr>
+              <a:t>Ｄ評価</a:t>
+            </a:r>
+            <a:r>
+              <a:rPr lang="en-US" altLang="ja-JP" dirty="0">
+                <a:solidFill>
+                  <a:prstClr val="black"/>
+                </a:solidFill>
+              </a:rPr>
+              <a:t/>
+            </a:r>
+            <a:br>
+              <a:rPr lang="en-US" altLang="ja-JP" dirty="0">
+                <a:solidFill>
+                  <a:prstClr val="black"/>
+                </a:solidFill>
+              </a:rPr>
+            </a:br>
+            <a:r>
+              <a:rPr lang="en-US" altLang="ja-JP" sz="3200" dirty="0">
+                <a:solidFill>
+                  <a:srgbClr val="00B0F0"/>
+                </a:solidFill>
+              </a:rPr>
+              <a:t>Cost</a:t>
+            </a:r>
+            <a:r>
+              <a:rPr lang="en-US" altLang="ja-JP" dirty="0">
+                <a:solidFill>
+                  <a:prstClr val="black"/>
+                </a:solidFill>
+              </a:rPr>
+              <a:t> </a:t>
+            </a:r>
+            <a:r>
+              <a:rPr lang="en-US" altLang="ja-JP" sz="3200" dirty="0">
+                <a:solidFill>
+                  <a:srgbClr val="00B0F0"/>
+                </a:solidFill>
+              </a:rPr>
+              <a:t>assessment</a:t>
+            </a:r>
+            <a:endParaRPr kumimoji="1" lang="ja-JP" altLang="en-US" sz="3200" dirty="0"/>
+          </a:p>
+        </p:txBody>
+      </p:sp>
+      <p:sp>
+        <p:nvSpPr>
+          <p:cNvPr id="7" name="角丸四角形 6"/>
+          <p:cNvSpPr/>
+          <p:nvPr/>
+        </p:nvSpPr>
+        <p:spPr>
+          <a:xfrm>
+            <a:off x="1868959" y="1770529"/>
+            <a:ext cx="8454081" cy="1293341"/>
+          </a:xfrm>
+          <a:prstGeom prst="roundRect">
+            <a:avLst/>
+          </a:prstGeom>
+        </p:spPr>
+        <p:style>
+          <a:lnRef idx="2">
+            <a:schemeClr val="accent1"/>
+          </a:lnRef>
+          <a:fillRef idx="1">
+            <a:schemeClr val="lt1"/>
+          </a:fillRef>
+          <a:effectRef idx="0">
+            <a:schemeClr val="accent1"/>
+          </a:effectRef>
+          <a:fontRef idx="minor">
+            <a:schemeClr val="dk1"/>
+          </a:fontRef>
+        </p:style>
+        <p:txBody>
+          <a:bodyPr rtlCol="0" anchor="ctr"/>
+          <a:lstStyle/>
+          <a:p>
+            <a:pPr algn="ctr"/>
+            <a:r>
+              <a:rPr lang="ja-JP" altLang="ja-JP" sz="2800" dirty="0"/>
+              <a:t>成果物ごとの計画稼働時間が想定作業時間の見積と異なった</a:t>
+            </a:r>
+            <a:endParaRPr lang="en-US" altLang="ja-JP" sz="2800" dirty="0" smtClean="0">
+              <a:solidFill>
+                <a:prstClr val="black"/>
+              </a:solidFill>
+            </a:endParaRPr>
+          </a:p>
+        </p:txBody>
+      </p:sp>
+      <p:sp>
+        <p:nvSpPr>
+          <p:cNvPr id="14" name="角丸四角形 13"/>
+          <p:cNvSpPr/>
+          <p:nvPr/>
+        </p:nvSpPr>
+        <p:spPr>
+          <a:xfrm>
+            <a:off x="1868959" y="4424325"/>
+            <a:ext cx="8454082" cy="1293341"/>
+          </a:xfrm>
+          <a:prstGeom prst="roundRect">
+            <a:avLst/>
+          </a:prstGeom>
+        </p:spPr>
+        <p:style>
+          <a:lnRef idx="2">
+            <a:schemeClr val="accent2"/>
+          </a:lnRef>
+          <a:fillRef idx="1">
+            <a:schemeClr val="lt1"/>
+          </a:fillRef>
+          <a:effectRef idx="0">
+            <a:schemeClr val="accent2"/>
+          </a:effectRef>
+          <a:fontRef idx="minor">
+            <a:schemeClr val="dk1"/>
+          </a:fontRef>
+        </p:style>
+        <p:txBody>
+          <a:bodyPr rtlCol="0" anchor="ctr"/>
+          <a:lstStyle/>
+          <a:p>
+            <a:pPr algn="ctr"/>
+            <a:r>
+              <a:rPr lang="ja-JP" altLang="ja-JP" sz="2800" dirty="0"/>
+              <a:t>作業を引き継いだ際</a:t>
+            </a:r>
+            <a:r>
+              <a:rPr lang="ja-JP" altLang="ja-JP" sz="2800" dirty="0" smtClean="0"/>
+              <a:t>に成果物</a:t>
+            </a:r>
+            <a:r>
+              <a:rPr lang="ja-JP" altLang="ja-JP" sz="2800" dirty="0"/>
+              <a:t>ごとのコスト見積</a:t>
+            </a:r>
+            <a:r>
+              <a:rPr lang="ja-JP" altLang="ja-JP" sz="2800" dirty="0" smtClean="0"/>
+              <a:t>の</a:t>
+            </a:r>
+            <a:r>
+              <a:rPr lang="ja-JP" altLang="en-US" sz="2800" dirty="0" smtClean="0"/>
+              <a:t>　　　</a:t>
+            </a:r>
+            <a:r>
+              <a:rPr lang="ja-JP" altLang="ja-JP" sz="2800" dirty="0" smtClean="0"/>
+              <a:t>見直し</a:t>
+            </a:r>
+            <a:r>
+              <a:rPr lang="ja-JP" altLang="ja-JP" sz="2800" dirty="0"/>
+              <a:t>が</a:t>
+            </a:r>
+            <a:r>
+              <a:rPr lang="ja-JP" altLang="ja-JP" sz="2800" dirty="0" smtClean="0"/>
+              <a:t>甘</a:t>
+            </a:r>
+            <a:r>
+              <a:rPr lang="ja-JP" altLang="en-US" sz="2800" dirty="0" smtClean="0"/>
+              <a:t>かった</a:t>
+            </a:r>
+            <a:endParaRPr lang="ja-JP" altLang="en-US" sz="2800" dirty="0">
+              <a:solidFill>
+                <a:prstClr val="black"/>
+              </a:solidFill>
+            </a:endParaRPr>
+          </a:p>
+        </p:txBody>
+      </p:sp>
+      <p:sp>
+        <p:nvSpPr>
+          <p:cNvPr id="8" name="円形吹き出し 7"/>
+          <p:cNvSpPr/>
+          <p:nvPr/>
+        </p:nvSpPr>
+        <p:spPr>
+          <a:xfrm>
+            <a:off x="164757" y="1690688"/>
+            <a:ext cx="1521940" cy="1161535"/>
+          </a:xfrm>
+          <a:prstGeom prst="wedgeEllipseCallout">
+            <a:avLst>
+              <a:gd name="adj1" fmla="val 55766"/>
+              <a:gd name="adj2" fmla="val 40514"/>
+            </a:avLst>
+          </a:prstGeom>
+        </p:spPr>
+        <p:style>
+          <a:lnRef idx="2">
+            <a:schemeClr val="accent2">
+              <a:shade val="50000"/>
+            </a:schemeClr>
+          </a:lnRef>
+          <a:fillRef idx="1">
+            <a:schemeClr val="accent2"/>
+          </a:fillRef>
+          <a:effectRef idx="0">
+            <a:schemeClr val="accent2"/>
+          </a:effectRef>
+          <a:fontRef idx="minor">
+            <a:schemeClr val="lt1"/>
+          </a:fontRef>
+        </p:style>
+        <p:txBody>
+          <a:bodyPr rtlCol="0" anchor="ctr"/>
+          <a:lstStyle/>
+          <a:p>
+            <a:pPr algn="ctr"/>
+            <a:r>
+              <a:rPr lang="ja-JP" altLang="en-US" sz="2400" dirty="0" smtClean="0">
+                <a:solidFill>
+                  <a:prstClr val="white"/>
+                </a:solidFill>
+              </a:rPr>
+              <a:t>しか</a:t>
+            </a:r>
+            <a:r>
+              <a:rPr lang="ja-JP" altLang="en-US" sz="2400" dirty="0">
+                <a:solidFill>
+                  <a:prstClr val="white"/>
+                </a:solidFill>
+              </a:rPr>
+              <a:t>し</a:t>
+            </a:r>
+          </a:p>
+        </p:txBody>
+      </p:sp>
+      <p:sp>
+        <p:nvSpPr>
+          <p:cNvPr id="9" name="下矢印 8"/>
+          <p:cNvSpPr/>
+          <p:nvPr/>
+        </p:nvSpPr>
+        <p:spPr>
+          <a:xfrm>
+            <a:off x="5567748" y="3146854"/>
+            <a:ext cx="1021492" cy="1194487"/>
+          </a:xfrm>
+          <a:prstGeom prst="downArrow">
+            <a:avLst/>
+          </a:prstGeom>
+        </p:spPr>
+        <p:style>
+          <a:lnRef idx="2">
+            <a:schemeClr val="accent1">
+              <a:shade val="50000"/>
+            </a:schemeClr>
+          </a:lnRef>
+          <a:fillRef idx="1">
+            <a:schemeClr val="accent1"/>
+          </a:fillRef>
+          <a:effectRef idx="0">
+            <a:schemeClr val="accent1"/>
+          </a:effectRef>
+          <a:fontRef idx="minor">
+            <a:schemeClr val="lt1"/>
+          </a:fontRef>
+        </p:style>
+        <p:txBody>
+          <a:bodyPr rtlCol="0" anchor="ctr"/>
+          <a:lstStyle/>
+          <a:p>
+            <a:pPr algn="ctr"/>
+            <a:endParaRPr kumimoji="1" lang="ja-JP" altLang="en-US" dirty="0"/>
+          </a:p>
+        </p:txBody>
+      </p:sp>
+      <p:sp>
+        <p:nvSpPr>
+          <p:cNvPr id="10" name="テキスト ボックス 9"/>
+          <p:cNvSpPr txBox="1"/>
+          <p:nvPr/>
+        </p:nvSpPr>
+        <p:spPr>
+          <a:xfrm>
+            <a:off x="5753099" y="3744097"/>
+            <a:ext cx="650789" cy="369332"/>
+          </a:xfrm>
+          <a:prstGeom prst="rect">
+            <a:avLst/>
+          </a:prstGeom>
+          <a:noFill/>
+        </p:spPr>
+        <p:txBody>
+          <a:bodyPr wrap="square" rtlCol="0">
+            <a:spAutoFit/>
+          </a:bodyPr>
+          <a:lstStyle/>
+          <a:p>
+            <a:r>
+              <a:rPr lang="ja-JP" altLang="en-US" dirty="0" smtClean="0">
+                <a:solidFill>
+                  <a:schemeClr val="bg1"/>
+                </a:solidFill>
+              </a:rPr>
+              <a:t>な</a:t>
+            </a:r>
+            <a:r>
+              <a:rPr lang="ja-JP" altLang="en-US" dirty="0">
+                <a:solidFill>
+                  <a:schemeClr val="bg1"/>
+                </a:solidFill>
+              </a:rPr>
+              <a:t>ぜ</a:t>
+            </a:r>
+            <a:endParaRPr kumimoji="1" lang="ja-JP" altLang="en-US" dirty="0">
+              <a:solidFill>
+                <a:schemeClr val="bg1"/>
+              </a:solidFill>
+            </a:endParaRPr>
+          </a:p>
+        </p:txBody>
+      </p:sp>
+    </p:spTree>
+    <p:extLst>
+      <p:ext uri="{BB962C8B-B14F-4D97-AF65-F5344CB8AC3E}">
+        <p14:creationId xmlns:p14="http://schemas.microsoft.com/office/powerpoint/2010/main" val="3744287521"/>
+      </p:ext>
+    </p:extLst>
+  </p:cSld>
+  <p:clrMapOvr>
+    <a:masterClrMapping/>
+  </p:clrMapOvr>
+</p:sld>
+</file>
+
+<file path=ppt/slides/slide8.xml><?xml version="1.0" encoding="utf-8"?>
+<p:sld xmlns:a="http://schemas.openxmlformats.org/drawingml/2006/main" xmlns:r="http://schemas.openxmlformats.org/officeDocument/2006/relationships" xmlns:p="http://schemas.openxmlformats.org/presentationml/2006/main">
+  <p:cSld>
+    <p:spTree>
+      <p:nvGrpSpPr>
+        <p:cNvPr id="1" name=""/>
+        <p:cNvGrpSpPr/>
+        <p:nvPr/>
+      </p:nvGrpSpPr>
+      <p:grpSpPr>
+        <a:xfrm>
+          <a:off x="0" y="0"/>
+          <a:ext cx="0" cy="0"/>
+          <a:chOff x="0" y="0"/>
+          <a:chExt cx="0" cy="0"/>
+        </a:xfrm>
+      </p:grpSpPr>
+      <p:sp>
+        <p:nvSpPr>
+          <p:cNvPr id="2" name="タイトル 1"/>
+          <p:cNvSpPr>
+            <a:spLocks noGrp="1"/>
+          </p:cNvSpPr>
+          <p:nvPr>
+            <p:ph type="title"/>
+          </p:nvPr>
+        </p:nvSpPr>
+        <p:spPr/>
+        <p:txBody>
+          <a:bodyPr>
+            <a:normAutofit/>
+          </a:bodyPr>
+          <a:lstStyle/>
+          <a:p>
+            <a:r>
+              <a:rPr lang="ja-JP" altLang="en-US" dirty="0">
+                <a:solidFill>
+                  <a:prstClr val="black"/>
+                </a:solidFill>
+              </a:rPr>
+              <a:t>Ｑ</a:t>
+            </a:r>
+            <a:r>
+              <a:rPr lang="ja-JP" altLang="en-US" dirty="0">
+                <a:solidFill>
+                  <a:srgbClr val="00B0F0"/>
+                </a:solidFill>
+              </a:rPr>
+              <a:t>Ｃ</a:t>
+            </a:r>
+            <a:r>
+              <a:rPr lang="ja-JP" altLang="en-US" dirty="0">
+                <a:solidFill>
+                  <a:prstClr val="black"/>
+                </a:solidFill>
+              </a:rPr>
+              <a:t>Ｄ評価</a:t>
+            </a:r>
+            <a:r>
+              <a:rPr lang="en-US" altLang="ja-JP" dirty="0">
+                <a:solidFill>
+                  <a:prstClr val="black"/>
+                </a:solidFill>
+              </a:rPr>
+              <a:t/>
+            </a:r>
+            <a:br>
+              <a:rPr lang="en-US" altLang="ja-JP" dirty="0">
+                <a:solidFill>
+                  <a:prstClr val="black"/>
+                </a:solidFill>
+              </a:rPr>
+            </a:br>
+            <a:r>
+              <a:rPr lang="en-US" altLang="ja-JP" sz="3200" dirty="0">
+                <a:solidFill>
+                  <a:srgbClr val="00B0F0"/>
+                </a:solidFill>
+              </a:rPr>
+              <a:t>Cost</a:t>
+            </a:r>
+            <a:r>
+              <a:rPr lang="en-US" altLang="ja-JP" dirty="0">
+                <a:solidFill>
+                  <a:prstClr val="black"/>
+                </a:solidFill>
+              </a:rPr>
+              <a:t> </a:t>
+            </a:r>
+            <a:r>
+              <a:rPr lang="en-US" altLang="ja-JP" sz="3200" dirty="0">
+                <a:solidFill>
+                  <a:srgbClr val="00B0F0"/>
+                </a:solidFill>
+              </a:rPr>
+              <a:t>assessment</a:t>
+            </a:r>
+            <a:endParaRPr kumimoji="1" lang="ja-JP" altLang="en-US" sz="3200" dirty="0"/>
+          </a:p>
+        </p:txBody>
+      </p:sp>
+      <p:sp>
+        <p:nvSpPr>
+          <p:cNvPr id="6" name="角丸四角形 5"/>
+          <p:cNvSpPr/>
+          <p:nvPr/>
+        </p:nvSpPr>
+        <p:spPr>
+          <a:xfrm>
+            <a:off x="1851454" y="1779372"/>
+            <a:ext cx="8454081" cy="1293341"/>
+          </a:xfrm>
+          <a:prstGeom prst="roundRect">
+            <a:avLst/>
+          </a:prstGeom>
+        </p:spPr>
+        <p:style>
+          <a:lnRef idx="2">
+            <a:schemeClr val="accent1"/>
+          </a:lnRef>
+          <a:fillRef idx="1">
+            <a:schemeClr val="lt1"/>
+          </a:fillRef>
+          <a:effectRef idx="0">
+            <a:schemeClr val="accent1"/>
+          </a:effectRef>
+          <a:fontRef idx="minor">
+            <a:schemeClr val="dk1"/>
+          </a:fontRef>
+        </p:style>
+        <p:txBody>
+          <a:bodyPr rtlCol="0" anchor="ctr"/>
+          <a:lstStyle/>
+          <a:p>
+            <a:pPr algn="ctr"/>
+            <a:r>
+              <a:rPr lang="ja-JP" altLang="ja-JP" sz="2800" dirty="0"/>
+              <a:t>見積もり方法を組み合わせて見直しの精度を上げる</a:t>
+            </a:r>
+            <a:endParaRPr lang="en-US" altLang="ja-JP" sz="2800" dirty="0">
+              <a:solidFill>
+                <a:prstClr val="black"/>
+              </a:solidFill>
+            </a:endParaRPr>
+          </a:p>
+        </p:txBody>
+      </p:sp>
+      <p:sp>
+        <p:nvSpPr>
+          <p:cNvPr id="11" name="円形吹き出し 10"/>
+          <p:cNvSpPr/>
+          <p:nvPr/>
+        </p:nvSpPr>
+        <p:spPr>
+          <a:xfrm>
+            <a:off x="164757" y="1690688"/>
+            <a:ext cx="1521940" cy="1161535"/>
+          </a:xfrm>
+          <a:prstGeom prst="wedgeEllipseCallout">
+            <a:avLst>
+              <a:gd name="adj1" fmla="val 55766"/>
+              <a:gd name="adj2" fmla="val 40514"/>
+            </a:avLst>
+          </a:prstGeom>
+        </p:spPr>
+        <p:style>
+          <a:lnRef idx="2">
+            <a:schemeClr val="accent2">
+              <a:shade val="50000"/>
+            </a:schemeClr>
+          </a:lnRef>
+          <a:fillRef idx="1">
+            <a:schemeClr val="accent2"/>
+          </a:fillRef>
+          <a:effectRef idx="0">
+            <a:schemeClr val="accent2"/>
+          </a:effectRef>
+          <a:fontRef idx="minor">
+            <a:schemeClr val="lt1"/>
+          </a:fontRef>
+        </p:style>
+        <p:txBody>
+          <a:bodyPr rtlCol="0" anchor="ctr"/>
+          <a:lstStyle/>
+          <a:p>
+            <a:pPr algn="ctr"/>
+            <a:r>
+              <a:rPr lang="ja-JP" altLang="en-US" sz="2400" dirty="0" smtClean="0">
+                <a:solidFill>
+                  <a:prstClr val="white"/>
+                </a:solidFill>
+              </a:rPr>
+              <a:t>なので</a:t>
+            </a:r>
+            <a:endParaRPr lang="ja-JP" altLang="en-US" sz="2400" dirty="0">
+              <a:solidFill>
+                <a:prstClr val="white"/>
+              </a:solidFill>
+            </a:endParaRPr>
+          </a:p>
+        </p:txBody>
+      </p:sp>
+      <p:sp>
+        <p:nvSpPr>
+          <p:cNvPr id="12" name="角丸四角形 11"/>
+          <p:cNvSpPr/>
+          <p:nvPr/>
+        </p:nvSpPr>
+        <p:spPr>
+          <a:xfrm>
+            <a:off x="1851453" y="4440194"/>
+            <a:ext cx="8454082" cy="1293341"/>
+          </a:xfrm>
+          <a:prstGeom prst="roundRect">
+            <a:avLst/>
+          </a:prstGeom>
+        </p:spPr>
+        <p:style>
+          <a:lnRef idx="2">
+            <a:schemeClr val="accent2"/>
+          </a:lnRef>
+          <a:fillRef idx="1">
+            <a:schemeClr val="lt1"/>
+          </a:fillRef>
+          <a:effectRef idx="0">
+            <a:schemeClr val="accent2"/>
+          </a:effectRef>
+          <a:fontRef idx="minor">
+            <a:schemeClr val="dk1"/>
+          </a:fontRef>
+        </p:style>
+        <p:txBody>
+          <a:bodyPr rtlCol="0" anchor="ctr"/>
+          <a:lstStyle/>
+          <a:p>
+            <a:pPr algn="ctr"/>
+            <a:r>
+              <a:rPr lang="ja-JP" altLang="en-US" sz="2800" dirty="0" smtClean="0">
+                <a:solidFill>
+                  <a:prstClr val="black"/>
+                </a:solidFill>
+              </a:rPr>
+              <a:t>類推見積りを基本にその他の見積り方法も使用する</a:t>
+            </a:r>
+            <a:endParaRPr lang="en-US" altLang="ja-JP" sz="2800" dirty="0">
+              <a:solidFill>
+                <a:prstClr val="black"/>
+              </a:solidFill>
+            </a:endParaRPr>
+          </a:p>
+        </p:txBody>
+      </p:sp>
+      <p:sp>
+        <p:nvSpPr>
+          <p:cNvPr id="13" name="下矢印 12"/>
+          <p:cNvSpPr/>
+          <p:nvPr/>
+        </p:nvSpPr>
+        <p:spPr>
+          <a:xfrm>
+            <a:off x="5567748" y="3146854"/>
+            <a:ext cx="1021492" cy="1194487"/>
+          </a:xfrm>
+          <a:prstGeom prst="downArrow">
+            <a:avLst/>
+          </a:prstGeom>
+        </p:spPr>
+        <p:style>
+          <a:lnRef idx="2">
+            <a:schemeClr val="accent1">
+              <a:shade val="50000"/>
+            </a:schemeClr>
+          </a:lnRef>
+          <a:fillRef idx="1">
+            <a:schemeClr val="accent1"/>
+          </a:fillRef>
+          <a:effectRef idx="0">
+            <a:schemeClr val="accent1"/>
+          </a:effectRef>
+          <a:fontRef idx="minor">
+            <a:schemeClr val="lt1"/>
+          </a:fontRef>
+        </p:style>
+        <p:txBody>
+          <a:bodyPr rtlCol="0" anchor="ctr"/>
+          <a:lstStyle/>
+          <a:p>
+            <a:pPr algn="ctr"/>
+            <a:endParaRPr lang="ja-JP" altLang="en-US">
+              <a:solidFill>
+                <a:prstClr val="white"/>
+              </a:solidFill>
+            </a:endParaRPr>
+          </a:p>
+        </p:txBody>
+      </p:sp>
+      <p:sp>
+        <p:nvSpPr>
+          <p:cNvPr id="7" name="テキスト ボックス 6"/>
+          <p:cNvSpPr txBox="1"/>
+          <p:nvPr/>
+        </p:nvSpPr>
+        <p:spPr>
+          <a:xfrm>
+            <a:off x="5753099" y="3744097"/>
+            <a:ext cx="650789" cy="369332"/>
+          </a:xfrm>
+          <a:prstGeom prst="rect">
+            <a:avLst/>
+          </a:prstGeom>
+          <a:noFill/>
+        </p:spPr>
+        <p:txBody>
+          <a:bodyPr wrap="square" rtlCol="0">
+            <a:spAutoFit/>
+          </a:bodyPr>
+          <a:lstStyle/>
+          <a:p>
+            <a:r>
+              <a:rPr lang="ja-JP" altLang="en-US" dirty="0">
+                <a:solidFill>
+                  <a:schemeClr val="bg1"/>
+                </a:solidFill>
+              </a:rPr>
+              <a:t>方法</a:t>
+            </a:r>
+            <a:endParaRPr kumimoji="1" lang="ja-JP" altLang="en-US" dirty="0">
+              <a:solidFill>
+                <a:schemeClr val="bg1"/>
+              </a:solidFill>
+            </a:endParaRPr>
+          </a:p>
+        </p:txBody>
+      </p:sp>
+    </p:spTree>
+    <p:extLst>
+      <p:ext uri="{BB962C8B-B14F-4D97-AF65-F5344CB8AC3E}">
+        <p14:creationId xmlns:p14="http://schemas.microsoft.com/office/powerpoint/2010/main" val="1209027771"/>
+      </p:ext>
+    </p:extLst>
+  </p:cSld>
+  <p:clrMapOvr>
+    <a:masterClrMapping/>
+  </p:clrMapOvr>
+</p:sld>
+</file>
+
+<file path=ppt/slides/slide9.xml><?xml version="1.0" encoding="utf-8"?>
+<p:sld xmlns:a="http://schemas.openxmlformats.org/drawingml/2006/main" xmlns:r="http://schemas.openxmlformats.org/officeDocument/2006/relationships" xmlns:p="http://schemas.openxmlformats.org/presentationml/2006/main">
+  <p:cSld>
+    <p:spTree>
+      <p:nvGrpSpPr>
+        <p:cNvPr id="1" name=""/>
+        <p:cNvGrpSpPr/>
+        <p:nvPr/>
+      </p:nvGrpSpPr>
+      <p:grpSpPr>
+        <a:xfrm>
+          <a:off x="0" y="0"/>
+          <a:ext cx="0" cy="0"/>
+          <a:chOff x="0" y="0"/>
+          <a:chExt cx="0" cy="0"/>
+        </a:xfrm>
+      </p:grpSpPr>
+      <p:sp>
+        <p:nvSpPr>
+          <p:cNvPr id="2" name="タイトル 1"/>
+          <p:cNvSpPr>
+            <a:spLocks noGrp="1"/>
+          </p:cNvSpPr>
+          <p:nvPr>
+            <p:ph type="title"/>
+          </p:nvPr>
+        </p:nvSpPr>
+        <p:spPr>
+          <a:xfrm>
+            <a:off x="838200" y="373363"/>
+            <a:ext cx="10515600" cy="1325563"/>
+          </a:xfrm>
+        </p:spPr>
+        <p:txBody>
+          <a:bodyPr>
+            <a:normAutofit/>
+          </a:bodyPr>
+          <a:lstStyle/>
+          <a:p>
+            <a:r>
+              <a:rPr lang="ja-JP" altLang="en-US" dirty="0"/>
+              <a:t>ＱＣ</a:t>
+            </a:r>
+            <a:r>
+              <a:rPr lang="ja-JP" altLang="en-US" dirty="0">
+                <a:solidFill>
+                  <a:srgbClr val="00B0F0"/>
+                </a:solidFill>
+              </a:rPr>
+              <a:t>Ｄ</a:t>
+            </a:r>
+            <a:r>
+              <a:rPr kumimoji="1" lang="ja-JP" altLang="en-US" dirty="0" smtClean="0"/>
+              <a:t>評価</a:t>
+            </a:r>
+            <a:r>
+              <a:rPr kumimoji="1" lang="en-US" altLang="ja-JP" dirty="0" smtClean="0"/>
+              <a:t/>
+            </a:r>
+            <a:br>
+              <a:rPr kumimoji="1" lang="en-US" altLang="ja-JP" dirty="0" smtClean="0"/>
+            </a:br>
+            <a:r>
+              <a:rPr lang="en-US" altLang="ja-JP" sz="3200" dirty="0">
+                <a:solidFill>
+                  <a:srgbClr val="00B0F0"/>
+                </a:solidFill>
+              </a:rPr>
+              <a:t>Delivery</a:t>
+            </a:r>
+            <a:r>
+              <a:rPr lang="en-US" altLang="ja-JP" sz="3200" dirty="0" smtClean="0">
+                <a:solidFill>
+                  <a:srgbClr val="00B0F0"/>
+                </a:solidFill>
+              </a:rPr>
+              <a:t> assessment</a:t>
+            </a:r>
+            <a:endParaRPr kumimoji="1" lang="ja-JP" altLang="en-US" sz="3200" dirty="0"/>
+          </a:p>
+        </p:txBody>
+      </p:sp>
+      <p:sp>
+        <p:nvSpPr>
+          <p:cNvPr id="4" name="角丸四角形 3"/>
+          <p:cNvSpPr/>
+          <p:nvPr/>
+        </p:nvSpPr>
+        <p:spPr>
+          <a:xfrm>
+            <a:off x="1851454" y="1779372"/>
+            <a:ext cx="8454081" cy="1293341"/>
+          </a:xfrm>
+          <a:prstGeom prst="roundRect">
+            <a:avLst/>
+          </a:prstGeom>
+        </p:spPr>
+        <p:style>
+          <a:lnRef idx="2">
+            <a:schemeClr val="accent1"/>
+          </a:lnRef>
+          <a:fillRef idx="1">
+            <a:schemeClr val="lt1"/>
+          </a:fillRef>
+          <a:effectRef idx="0">
+            <a:schemeClr val="accent1"/>
+          </a:effectRef>
+          <a:fontRef idx="minor">
+            <a:schemeClr val="dk1"/>
+          </a:fontRef>
+        </p:style>
+        <p:txBody>
+          <a:bodyPr rtlCol="0" anchor="ctr"/>
+          <a:lstStyle/>
+          <a:p>
+            <a:pPr algn="ctr"/>
+            <a:r>
+              <a:rPr lang="ja-JP" altLang="en-US" sz="2800" dirty="0" smtClean="0"/>
+              <a:t>納期</a:t>
+            </a:r>
+            <a:r>
+              <a:rPr lang="ja-JP" altLang="ja-JP" sz="2800" dirty="0" smtClean="0"/>
+              <a:t>目標</a:t>
+            </a:r>
+            <a:r>
+              <a:rPr lang="ja-JP" altLang="en-US" sz="2800" dirty="0" smtClean="0"/>
+              <a:t>：７月１</a:t>
+            </a:r>
+            <a:r>
+              <a:rPr lang="ja-JP" altLang="en-US" sz="2800" dirty="0"/>
+              <a:t>７</a:t>
+            </a:r>
+            <a:r>
+              <a:rPr lang="ja-JP" altLang="en-US" sz="2800" dirty="0" smtClean="0"/>
+              <a:t>日</a:t>
+            </a:r>
+            <a:endParaRPr lang="en-US" altLang="ja-JP" sz="2800" dirty="0" smtClean="0"/>
+          </a:p>
+        </p:txBody>
+      </p:sp>
+      <p:sp>
+        <p:nvSpPr>
+          <p:cNvPr id="5" name="角丸四角形 4"/>
+          <p:cNvSpPr/>
+          <p:nvPr/>
+        </p:nvSpPr>
+        <p:spPr>
+          <a:xfrm>
+            <a:off x="1851453" y="4440194"/>
+            <a:ext cx="8454082" cy="1293341"/>
+          </a:xfrm>
+          <a:prstGeom prst="roundRect">
+            <a:avLst/>
+          </a:prstGeom>
+        </p:spPr>
+        <p:style>
+          <a:lnRef idx="2">
+            <a:schemeClr val="accent2"/>
+          </a:lnRef>
+          <a:fillRef idx="1">
+            <a:schemeClr val="lt1"/>
+          </a:fillRef>
+          <a:effectRef idx="0">
+            <a:schemeClr val="accent2"/>
+          </a:effectRef>
+          <a:fontRef idx="minor">
+            <a:schemeClr val="dk1"/>
+          </a:fontRef>
+        </p:style>
+        <p:txBody>
+          <a:bodyPr rtlCol="0" anchor="ctr"/>
+          <a:lstStyle/>
+          <a:p>
+            <a:pPr algn="ctr"/>
+            <a:r>
+              <a:rPr lang="ja-JP" altLang="en-US" sz="2800" dirty="0" smtClean="0"/>
+              <a:t>７月１</a:t>
+            </a:r>
+            <a:r>
+              <a:rPr lang="ja-JP" altLang="en-US" sz="2800" dirty="0"/>
+              <a:t>７</a:t>
+            </a:r>
+            <a:r>
+              <a:rPr lang="ja-JP" altLang="en-US" sz="2800" dirty="0" smtClean="0"/>
+              <a:t>日の納品に</a:t>
+            </a:r>
+            <a:r>
+              <a:rPr lang="ja-JP" altLang="ja-JP" sz="2800" dirty="0" smtClean="0"/>
+              <a:t>成功した</a:t>
+            </a:r>
+            <a:endParaRPr kumimoji="1" lang="ja-JP" altLang="en-US" sz="2800" dirty="0"/>
+          </a:p>
+        </p:txBody>
+      </p:sp>
+      <p:sp>
+        <p:nvSpPr>
+          <p:cNvPr id="6" name="下矢印 5"/>
+          <p:cNvSpPr/>
+          <p:nvPr/>
+        </p:nvSpPr>
+        <p:spPr>
+          <a:xfrm>
+            <a:off x="5567748" y="3146854"/>
+            <a:ext cx="1021492" cy="1194487"/>
+          </a:xfrm>
+          <a:prstGeom prst="downArrow">
+            <a:avLst/>
+          </a:prstGeom>
+        </p:spPr>
+        <p:style>
+          <a:lnRef idx="2">
+            <a:schemeClr val="accent1">
+              <a:shade val="50000"/>
+            </a:schemeClr>
+          </a:lnRef>
+          <a:fillRef idx="1">
+            <a:schemeClr val="accent1"/>
+          </a:fillRef>
+          <a:effectRef idx="0">
+            <a:schemeClr val="accent1"/>
+          </a:effectRef>
+          <a:fontRef idx="minor">
+            <a:schemeClr val="lt1"/>
+          </a:fontRef>
+        </p:style>
+        <p:txBody>
+          <a:bodyPr rtlCol="0" anchor="ctr"/>
+          <a:lstStyle/>
+          <a:p>
+            <a:pPr algn="ctr"/>
+            <a:endParaRPr kumimoji="1" lang="ja-JP" altLang="en-US" dirty="0"/>
+          </a:p>
+        </p:txBody>
+      </p:sp>
+      <p:sp>
+        <p:nvSpPr>
+          <p:cNvPr id="7" name="テキスト ボックス 6"/>
+          <p:cNvSpPr txBox="1"/>
+          <p:nvPr/>
+        </p:nvSpPr>
+        <p:spPr>
+          <a:xfrm>
+            <a:off x="5769847" y="3768465"/>
+            <a:ext cx="741406" cy="369332"/>
+          </a:xfrm>
+          <a:prstGeom prst="rect">
+            <a:avLst/>
+          </a:prstGeom>
+          <a:noFill/>
+        </p:spPr>
+        <p:txBody>
+          <a:bodyPr wrap="square" rtlCol="0">
+            <a:spAutoFit/>
+          </a:bodyPr>
+          <a:lstStyle/>
+          <a:p>
+            <a:r>
+              <a:rPr lang="ja-JP" altLang="en-US" dirty="0">
+                <a:solidFill>
+                  <a:schemeClr val="bg1"/>
+                </a:solidFill>
+              </a:rPr>
+              <a:t>結果</a:t>
+            </a:r>
+            <a:endParaRPr kumimoji="1" lang="ja-JP" altLang="en-US" dirty="0">
+              <a:solidFill>
+                <a:schemeClr val="bg1"/>
+              </a:solidFill>
+            </a:endParaRPr>
+          </a:p>
+        </p:txBody>
+      </p:sp>
+    </p:spTree>
+    <p:extLst>
+      <p:ext uri="{BB962C8B-B14F-4D97-AF65-F5344CB8AC3E}">
+        <p14:creationId xmlns:p14="http://schemas.microsoft.com/office/powerpoint/2010/main" val="2739463072"/>
       </p:ext>
     </p:extLst>
   </p:cSld>

--- a/最終発表/最終発表.pptx
+++ b/最終発表/最終発表.pptx
@@ -4,6 +4,9 @@
   <p:sldMasterIdLst>
     <p:sldMasterId id="2147483648" r:id="rId1"/>
   </p:sldMasterIdLst>
+  <p:handoutMasterIdLst>
+    <p:handoutMasterId r:id="rId16"/>
+  </p:handoutMasterIdLst>
   <p:sldIdLst>
     <p:sldId id="256" r:id="rId2"/>
     <p:sldId id="268" r:id="rId3"/>
@@ -21,7 +24,7 @@
     <p:sldId id="274" r:id="rId15"/>
   </p:sldIdLst>
   <p:sldSz cx="12192000" cy="6858000"/>
-  <p:notesSz cx="6858000" cy="9144000"/>
+  <p:notesSz cx="6797675" cy="9926638"/>
   <p:defaultTextStyle>
     <a:defPPr>
       <a:defRPr lang="ja-JP"/>
@@ -554,11 +557,11 @@
           <c:showBubbleSize val="0"/>
         </c:dLbls>
         <c:smooth val="0"/>
-        <c:axId val="291777328"/>
-        <c:axId val="291779288"/>
+        <c:axId val="344872184"/>
+        <c:axId val="344873360"/>
       </c:lineChart>
       <c:dateAx>
-        <c:axId val="291777328"/>
+        <c:axId val="344872184"/>
         <c:scaling>
           <c:orientation val="minMax"/>
         </c:scaling>
@@ -568,14 +571,14 @@
         <c:majorTickMark val="out"/>
         <c:minorTickMark val="none"/>
         <c:tickLblPos val="nextTo"/>
-        <c:crossAx val="291779288"/>
+        <c:crossAx val="344873360"/>
         <c:crosses val="autoZero"/>
         <c:auto val="1"/>
         <c:lblOffset val="100"/>
         <c:baseTimeUnit val="days"/>
       </c:dateAx>
       <c:valAx>
-        <c:axId val="291779288"/>
+        <c:axId val="344873360"/>
         <c:scaling>
           <c:orientation val="minMax"/>
         </c:scaling>
@@ -596,7 +599,7 @@
             <a:endParaRPr lang="ja-JP"/>
           </a:p>
         </c:txPr>
-        <c:crossAx val="291777328"/>
+        <c:crossAx val="344872184"/>
         <c:crosses val="autoZero"/>
         <c:crossBetween val="between"/>
       </c:valAx>
@@ -633,6 +636,171 @@
     <c:autoUpdate val="0"/>
   </c:externalData>
 </c:chartSpace>
+</file>
+
+<file path=ppt/handoutMasters/handoutMaster1.xml><?xml version="1.0" encoding="utf-8"?>
+<p:handoutMaster xmlns:a="http://schemas.openxmlformats.org/drawingml/2006/main" xmlns:r="http://schemas.openxmlformats.org/officeDocument/2006/relationships" xmlns:p="http://schemas.openxmlformats.org/presentationml/2006/main">
+  <p:cSld>
+    <p:bg>
+      <p:bgRef idx="1001">
+        <a:schemeClr val="bg1"/>
+      </p:bgRef>
+    </p:bg>
+    <p:spTree>
+      <p:nvGrpSpPr>
+        <p:cNvPr id="1" name=""/>
+        <p:cNvGrpSpPr/>
+        <p:nvPr/>
+      </p:nvGrpSpPr>
+      <p:grpSpPr>
+        <a:xfrm>
+          <a:off x="0" y="0"/>
+          <a:ext cx="0" cy="0"/>
+          <a:chOff x="0" y="0"/>
+          <a:chExt cx="0" cy="0"/>
+        </a:xfrm>
+      </p:grpSpPr>
+      <p:sp>
+        <p:nvSpPr>
+          <p:cNvPr id="2" name="ヘッダー プレースホルダー 1"/>
+          <p:cNvSpPr>
+            <a:spLocks noGrp="1"/>
+          </p:cNvSpPr>
+          <p:nvPr>
+            <p:ph type="hdr" sz="quarter"/>
+          </p:nvPr>
+        </p:nvSpPr>
+        <p:spPr>
+          <a:xfrm>
+            <a:off x="0" y="0"/>
+            <a:ext cx="2945659" cy="498056"/>
+          </a:xfrm>
+          <a:prstGeom prst="rect">
+            <a:avLst/>
+          </a:prstGeom>
+        </p:spPr>
+        <p:txBody>
+          <a:bodyPr vert="horz" lIns="91440" tIns="45720" rIns="91440" bIns="45720" rtlCol="0"/>
+          <a:lstStyle>
+            <a:lvl1pPr algn="l">
+              <a:defRPr sz="1200"/>
+            </a:lvl1pPr>
+          </a:lstStyle>
+          <a:p>
+            <a:endParaRPr kumimoji="1" lang="ja-JP" altLang="en-US"/>
+          </a:p>
+        </p:txBody>
+      </p:sp>
+      <p:sp>
+        <p:nvSpPr>
+          <p:cNvPr id="3" name="日付プレースホルダー 2"/>
+          <p:cNvSpPr>
+            <a:spLocks noGrp="1"/>
+          </p:cNvSpPr>
+          <p:nvPr>
+            <p:ph type="dt" sz="quarter" idx="1"/>
+          </p:nvPr>
+        </p:nvSpPr>
+        <p:spPr>
+          <a:xfrm>
+            <a:off x="3850443" y="0"/>
+            <a:ext cx="2945659" cy="498056"/>
+          </a:xfrm>
+          <a:prstGeom prst="rect">
+            <a:avLst/>
+          </a:prstGeom>
+        </p:spPr>
+        <p:txBody>
+          <a:bodyPr vert="horz" lIns="91440" tIns="45720" rIns="91440" bIns="45720" rtlCol="0"/>
+          <a:lstStyle>
+            <a:lvl1pPr algn="r">
+              <a:defRPr sz="1200"/>
+            </a:lvl1pPr>
+          </a:lstStyle>
+          <a:p>
+            <a:fld id="{ECD3C0BA-9C86-4D32-8C8A-7E5D907CEDBD}" type="datetimeFigureOut">
+              <a:rPr kumimoji="1" lang="ja-JP" altLang="en-US" smtClean="0"/>
+              <a:t>2015/7/24</a:t>
+            </a:fld>
+            <a:endParaRPr kumimoji="1" lang="ja-JP" altLang="en-US"/>
+          </a:p>
+        </p:txBody>
+      </p:sp>
+      <p:sp>
+        <p:nvSpPr>
+          <p:cNvPr id="4" name="フッター プレースホルダー 3"/>
+          <p:cNvSpPr>
+            <a:spLocks noGrp="1"/>
+          </p:cNvSpPr>
+          <p:nvPr>
+            <p:ph type="ftr" sz="quarter" idx="2"/>
+          </p:nvPr>
+        </p:nvSpPr>
+        <p:spPr>
+          <a:xfrm>
+            <a:off x="0" y="9428584"/>
+            <a:ext cx="2945659" cy="498055"/>
+          </a:xfrm>
+          <a:prstGeom prst="rect">
+            <a:avLst/>
+          </a:prstGeom>
+        </p:spPr>
+        <p:txBody>
+          <a:bodyPr vert="horz" lIns="91440" tIns="45720" rIns="91440" bIns="45720" rtlCol="0" anchor="b"/>
+          <a:lstStyle>
+            <a:lvl1pPr algn="l">
+              <a:defRPr sz="1200"/>
+            </a:lvl1pPr>
+          </a:lstStyle>
+          <a:p>
+            <a:endParaRPr kumimoji="1" lang="ja-JP" altLang="en-US"/>
+          </a:p>
+        </p:txBody>
+      </p:sp>
+      <p:sp>
+        <p:nvSpPr>
+          <p:cNvPr id="5" name="スライド番号プレースホルダー 4"/>
+          <p:cNvSpPr>
+            <a:spLocks noGrp="1"/>
+          </p:cNvSpPr>
+          <p:nvPr>
+            <p:ph type="sldNum" sz="quarter" idx="3"/>
+          </p:nvPr>
+        </p:nvSpPr>
+        <p:spPr>
+          <a:xfrm>
+            <a:off x="3850443" y="9428584"/>
+            <a:ext cx="2945659" cy="498055"/>
+          </a:xfrm>
+          <a:prstGeom prst="rect">
+            <a:avLst/>
+          </a:prstGeom>
+        </p:spPr>
+        <p:txBody>
+          <a:bodyPr vert="horz" lIns="91440" tIns="45720" rIns="91440" bIns="45720" rtlCol="0" anchor="b"/>
+          <a:lstStyle>
+            <a:lvl1pPr algn="r">
+              <a:defRPr sz="1200"/>
+            </a:lvl1pPr>
+          </a:lstStyle>
+          <a:p>
+            <a:fld id="{7D54FF1D-4A4A-4C01-8FDD-CF12061461C9}" type="slidenum">
+              <a:rPr kumimoji="1" lang="ja-JP" altLang="en-US" smtClean="0"/>
+              <a:t>‹#›</a:t>
+            </a:fld>
+            <a:endParaRPr kumimoji="1" lang="ja-JP" altLang="en-US"/>
+          </a:p>
+        </p:txBody>
+      </p:sp>
+    </p:spTree>
+    <p:extLst>
+      <p:ext uri="{BB962C8B-B14F-4D97-AF65-F5344CB8AC3E}">
+        <p14:creationId xmlns:p14="http://schemas.microsoft.com/office/powerpoint/2010/main" val="4144986299"/>
+      </p:ext>
+    </p:extLst>
+  </p:cSld>
+  <p:clrMap bg1="lt1" tx1="dk1" bg2="lt2" tx2="dk2" accent1="accent1" accent2="accent2" accent3="accent3" accent4="accent4" accent5="accent5" accent6="accent6" hlink="hlink" folHlink="folHlink"/>
+</p:handoutMaster>
 </file>
 
 <file path=ppt/slideLayouts/slideLayout1.xml><?xml version="1.0" encoding="utf-8"?>
@@ -3799,11 +3967,7 @@
           <a:p>
             <a:r>
               <a:rPr kumimoji="1" lang="ja-JP" altLang="en-US" dirty="0" smtClean="0"/>
-              <a:t>最終</a:t>
-            </a:r>
-            <a:r>
-              <a:rPr kumimoji="1" lang="ja-JP" altLang="en-US" dirty="0" smtClean="0"/>
-              <a:t>発表</a:t>
+              <a:t>最終発表</a:t>
             </a:r>
             <a:r>
               <a:rPr lang="en-US" altLang="ja-JP" dirty="0"/>
@@ -3927,7 +4091,6 @@
               <a:rPr lang="ja-JP" altLang="en-US" dirty="0"/>
               <a:t>　春川直幸</a:t>
             </a:r>
-            <a:endParaRPr lang="ja-JP" altLang="en-US" dirty="0"/>
           </a:p>
         </p:txBody>
       </p:sp>
@@ -7456,6 +7619,267 @@
 </file>
 
 <file path=ppt/theme/theme1.xml><?xml version="1.0" encoding="utf-8"?>
+<a:theme xmlns:a="http://schemas.openxmlformats.org/drawingml/2006/main" name="Office テーマ">
+  <a:themeElements>
+    <a:clrScheme name="Office">
+      <a:dk1>
+        <a:sysClr val="windowText" lastClr="000000"/>
+      </a:dk1>
+      <a:lt1>
+        <a:sysClr val="window" lastClr="FFFFFF"/>
+      </a:lt1>
+      <a:dk2>
+        <a:srgbClr val="44546A"/>
+      </a:dk2>
+      <a:lt2>
+        <a:srgbClr val="E7E6E6"/>
+      </a:lt2>
+      <a:accent1>
+        <a:srgbClr val="5B9BD5"/>
+      </a:accent1>
+      <a:accent2>
+        <a:srgbClr val="ED7D31"/>
+      </a:accent2>
+      <a:accent3>
+        <a:srgbClr val="A5A5A5"/>
+      </a:accent3>
+      <a:accent4>
+        <a:srgbClr val="FFC000"/>
+      </a:accent4>
+      <a:accent5>
+        <a:srgbClr val="4472C4"/>
+      </a:accent5>
+      <a:accent6>
+        <a:srgbClr val="70AD47"/>
+      </a:accent6>
+      <a:hlink>
+        <a:srgbClr val="0563C1"/>
+      </a:hlink>
+      <a:folHlink>
+        <a:srgbClr val="954F72"/>
+      </a:folHlink>
+    </a:clrScheme>
+    <a:fontScheme name="Office">
+      <a:majorFont>
+        <a:latin typeface="Calibri Light" panose="020F0302020204030204"/>
+        <a:ea typeface=""/>
+        <a:cs typeface=""/>
+        <a:font script="Jpan" typeface="ＭＳ Ｐゴシック"/>
+        <a:font script="Hang" typeface="맑은 고딕"/>
+        <a:font script="Hans" typeface="宋体"/>
+        <a:font script="Hant" typeface="新細明體"/>
+        <a:font script="Arab" typeface="Times New Roman"/>
+        <a:font script="Hebr" typeface="Times New Roman"/>
+        <a:font script="Thai" typeface="Angsana New"/>
+        <a:font script="Ethi" typeface="Nyala"/>
+        <a:font script="Beng" typeface="Vrinda"/>
+        <a:font script="Gujr" typeface="Shruti"/>
+        <a:font script="Khmr" typeface="MoolBoran"/>
+        <a:font script="Knda" typeface="Tunga"/>
+        <a:font script="Guru" typeface="Raavi"/>
+        <a:font script="Cans" typeface="Euphemia"/>
+        <a:font script="Cher" typeface="Plantagenet Cherokee"/>
+        <a:font script="Yiii" typeface="Microsoft Yi Baiti"/>
+        <a:font script="Tibt" typeface="Microsoft Himalaya"/>
+        <a:font script="Thaa" typeface="MV Boli"/>
+        <a:font script="Deva" typeface="Mangal"/>
+        <a:font script="Telu" typeface="Gautami"/>
+        <a:font script="Taml" typeface="Latha"/>
+        <a:font script="Syrc" typeface="Estrangelo Edessa"/>
+        <a:font script="Orya" typeface="Kalinga"/>
+        <a:font script="Mlym" typeface="Kartika"/>
+        <a:font script="Laoo" typeface="DokChampa"/>
+        <a:font script="Sinh" typeface="Iskoola Pota"/>
+        <a:font script="Mong" typeface="Mongolian Baiti"/>
+        <a:font script="Viet" typeface="Times New Roman"/>
+        <a:font script="Uigh" typeface="Microsoft Uighur"/>
+        <a:font script="Geor" typeface="Sylfaen"/>
+      </a:majorFont>
+      <a:minorFont>
+        <a:latin typeface="Calibri" panose="020F0502020204030204"/>
+        <a:ea typeface=""/>
+        <a:cs typeface=""/>
+        <a:font script="Jpan" typeface="ＭＳ Ｐゴシック"/>
+        <a:font script="Hang" typeface="맑은 고딕"/>
+        <a:font script="Hans" typeface="宋体"/>
+        <a:font script="Hant" typeface="新細明體"/>
+        <a:font script="Arab" typeface="Arial"/>
+        <a:font script="Hebr" typeface="Arial"/>
+        <a:font script="Thai" typeface="Cordia New"/>
+        <a:font script="Ethi" typeface="Nyala"/>
+        <a:font script="Beng" typeface="Vrinda"/>
+        <a:font script="Gujr" typeface="Shruti"/>
+        <a:font script="Khmr" typeface="DaunPenh"/>
+        <a:font script="Knda" typeface="Tunga"/>
+        <a:font script="Guru" typeface="Raavi"/>
+        <a:font script="Cans" typeface="Euphemia"/>
+        <a:font script="Cher" typeface="Plantagenet Cherokee"/>
+        <a:font script="Yiii" typeface="Microsoft Yi Baiti"/>
+        <a:font script="Tibt" typeface="Microsoft Himalaya"/>
+        <a:font script="Thaa" typeface="MV Boli"/>
+        <a:font script="Deva" typeface="Mangal"/>
+        <a:font script="Telu" typeface="Gautami"/>
+        <a:font script="Taml" typeface="Latha"/>
+        <a:font script="Syrc" typeface="Estrangelo Edessa"/>
+        <a:font script="Orya" typeface="Kalinga"/>
+        <a:font script="Mlym" typeface="Kartika"/>
+        <a:font script="Laoo" typeface="DokChampa"/>
+        <a:font script="Sinh" typeface="Iskoola Pota"/>
+        <a:font script="Mong" typeface="Mongolian Baiti"/>
+        <a:font script="Viet" typeface="Arial"/>
+        <a:font script="Uigh" typeface="Microsoft Uighur"/>
+        <a:font script="Geor" typeface="Sylfaen"/>
+      </a:minorFont>
+    </a:fontScheme>
+    <a:fmtScheme name="Office">
+      <a:fillStyleLst>
+        <a:solidFill>
+          <a:schemeClr val="phClr"/>
+        </a:solidFill>
+        <a:gradFill rotWithShape="1">
+          <a:gsLst>
+            <a:gs pos="0">
+              <a:schemeClr val="phClr">
+                <a:lumMod val="110000"/>
+                <a:satMod val="105000"/>
+                <a:tint val="67000"/>
+              </a:schemeClr>
+            </a:gs>
+            <a:gs pos="50000">
+              <a:schemeClr val="phClr">
+                <a:lumMod val="105000"/>
+                <a:satMod val="103000"/>
+                <a:tint val="73000"/>
+              </a:schemeClr>
+            </a:gs>
+            <a:gs pos="100000">
+              <a:schemeClr val="phClr">
+                <a:lumMod val="105000"/>
+                <a:satMod val="109000"/>
+                <a:tint val="81000"/>
+              </a:schemeClr>
+            </a:gs>
+          </a:gsLst>
+          <a:lin ang="5400000" scaled="0"/>
+        </a:gradFill>
+        <a:gradFill rotWithShape="1">
+          <a:gsLst>
+            <a:gs pos="0">
+              <a:schemeClr val="phClr">
+                <a:satMod val="103000"/>
+                <a:lumMod val="102000"/>
+                <a:tint val="94000"/>
+              </a:schemeClr>
+            </a:gs>
+            <a:gs pos="50000">
+              <a:schemeClr val="phClr">
+                <a:satMod val="110000"/>
+                <a:lumMod val="100000"/>
+                <a:shade val="100000"/>
+              </a:schemeClr>
+            </a:gs>
+            <a:gs pos="100000">
+              <a:schemeClr val="phClr">
+                <a:lumMod val="99000"/>
+                <a:satMod val="120000"/>
+                <a:shade val="78000"/>
+              </a:schemeClr>
+            </a:gs>
+          </a:gsLst>
+          <a:lin ang="5400000" scaled="0"/>
+        </a:gradFill>
+      </a:fillStyleLst>
+      <a:lnStyleLst>
+        <a:ln w="6350" cap="flat" cmpd="sng" algn="ctr">
+          <a:solidFill>
+            <a:schemeClr val="phClr"/>
+          </a:solidFill>
+          <a:prstDash val="solid"/>
+          <a:miter lim="800000"/>
+        </a:ln>
+        <a:ln w="12700" cap="flat" cmpd="sng" algn="ctr">
+          <a:solidFill>
+            <a:schemeClr val="phClr"/>
+          </a:solidFill>
+          <a:prstDash val="solid"/>
+          <a:miter lim="800000"/>
+        </a:ln>
+        <a:ln w="19050" cap="flat" cmpd="sng" algn="ctr">
+          <a:solidFill>
+            <a:schemeClr val="phClr"/>
+          </a:solidFill>
+          <a:prstDash val="solid"/>
+          <a:miter lim="800000"/>
+        </a:ln>
+      </a:lnStyleLst>
+      <a:effectStyleLst>
+        <a:effectStyle>
+          <a:effectLst/>
+        </a:effectStyle>
+        <a:effectStyle>
+          <a:effectLst/>
+        </a:effectStyle>
+        <a:effectStyle>
+          <a:effectLst>
+            <a:outerShdw blurRad="57150" dist="19050" dir="5400000" algn="ctr" rotWithShape="0">
+              <a:srgbClr val="000000">
+                <a:alpha val="63000"/>
+              </a:srgbClr>
+            </a:outerShdw>
+          </a:effectLst>
+        </a:effectStyle>
+      </a:effectStyleLst>
+      <a:bgFillStyleLst>
+        <a:solidFill>
+          <a:schemeClr val="phClr"/>
+        </a:solidFill>
+        <a:solidFill>
+          <a:schemeClr val="phClr">
+            <a:tint val="95000"/>
+            <a:satMod val="170000"/>
+          </a:schemeClr>
+        </a:solidFill>
+        <a:gradFill rotWithShape="1">
+          <a:gsLst>
+            <a:gs pos="0">
+              <a:schemeClr val="phClr">
+                <a:tint val="93000"/>
+                <a:satMod val="150000"/>
+                <a:shade val="98000"/>
+                <a:lumMod val="102000"/>
+              </a:schemeClr>
+            </a:gs>
+            <a:gs pos="50000">
+              <a:schemeClr val="phClr">
+                <a:tint val="98000"/>
+                <a:satMod val="130000"/>
+                <a:shade val="90000"/>
+                <a:lumMod val="103000"/>
+              </a:schemeClr>
+            </a:gs>
+            <a:gs pos="100000">
+              <a:schemeClr val="phClr">
+                <a:shade val="63000"/>
+                <a:satMod val="120000"/>
+              </a:schemeClr>
+            </a:gs>
+          </a:gsLst>
+          <a:lin ang="5400000" scaled="0"/>
+        </a:gradFill>
+      </a:bgFillStyleLst>
+    </a:fmtScheme>
+  </a:themeElements>
+  <a:objectDefaults/>
+  <a:extraClrSchemeLst/>
+  <a:extLst>
+    <a:ext uri="{05A4C25C-085E-4340-85A3-A5531E510DB2}">
+      <thm15:themeFamily xmlns:thm15="http://schemas.microsoft.com/office/thememl/2012/main" name="Office Theme" id="{62F939B6-93AF-4DB8-9C6B-D6C7DFDC589F}" vid="{4A3C46E8-61CC-4603-A589-7422A47A8E4A}"/>
+    </a:ext>
+  </a:extLst>
+</a:theme>
+</file>
+
+<file path=ppt/theme/theme2.xml><?xml version="1.0" encoding="utf-8"?>
 <a:theme xmlns:a="http://schemas.openxmlformats.org/drawingml/2006/main" name="Office テーマ">
   <a:themeElements>
     <a:clrScheme name="Office">
